--- a/Curso_de_Base_de_Dados_Exercicios_de_Modelagem_01.pptx
+++ b/Curso_de_Base_de_Dados_Exercicios_de_Modelagem_01.pptx
@@ -6,18 +6,21 @@
   </p:sldMasterIdLst>
   <p:sldIdLst>
     <p:sldId id="257" r:id="rId2"/>
-    <p:sldId id="256" r:id="rId3"/>
-    <p:sldId id="258" r:id="rId4"/>
-    <p:sldId id="259" r:id="rId5"/>
-    <p:sldId id="260" r:id="rId6"/>
-    <p:sldId id="261" r:id="rId7"/>
-    <p:sldId id="264" r:id="rId8"/>
-    <p:sldId id="263" r:id="rId9"/>
-    <p:sldId id="262" r:id="rId10"/>
-    <p:sldId id="266" r:id="rId11"/>
-    <p:sldId id="265" r:id="rId12"/>
-    <p:sldId id="267" r:id="rId13"/>
-    <p:sldId id="268" r:id="rId14"/>
+    <p:sldId id="273" r:id="rId3"/>
+    <p:sldId id="256" r:id="rId4"/>
+    <p:sldId id="258" r:id="rId5"/>
+    <p:sldId id="269" r:id="rId6"/>
+    <p:sldId id="259" r:id="rId7"/>
+    <p:sldId id="260" r:id="rId8"/>
+    <p:sldId id="261" r:id="rId9"/>
+    <p:sldId id="264" r:id="rId10"/>
+    <p:sldId id="262" r:id="rId11"/>
+    <p:sldId id="266" r:id="rId12"/>
+    <p:sldId id="265" r:id="rId13"/>
+    <p:sldId id="267" r:id="rId14"/>
+    <p:sldId id="272" r:id="rId15"/>
+    <p:sldId id="268" r:id="rId16"/>
+    <p:sldId id="270" r:id="rId17"/>
   </p:sldIdLst>
   <p:sldSz cx="12192000" cy="6858000"/>
   <p:notesSz cx="6858000" cy="9144000"/>
@@ -255,7 +258,7 @@
           <a:p>
             <a:fld id="{7F4AC5D5-691B-4C37-9A68-381AC719AB4D}" type="datetimeFigureOut">
               <a:rPr lang="it-IT" smtClean="0"/>
-              <a:t>05/05/2020</a:t>
+              <a:t>17/07/2020</a:t>
             </a:fld>
             <a:endParaRPr lang="it-IT"/>
           </a:p>
@@ -425,7 +428,7 @@
           <a:p>
             <a:fld id="{7F4AC5D5-691B-4C37-9A68-381AC719AB4D}" type="datetimeFigureOut">
               <a:rPr lang="it-IT" smtClean="0"/>
-              <a:t>05/05/2020</a:t>
+              <a:t>17/07/2020</a:t>
             </a:fld>
             <a:endParaRPr lang="it-IT"/>
           </a:p>
@@ -605,7 +608,7 @@
           <a:p>
             <a:fld id="{7F4AC5D5-691B-4C37-9A68-381AC719AB4D}" type="datetimeFigureOut">
               <a:rPr lang="it-IT" smtClean="0"/>
-              <a:t>05/05/2020</a:t>
+              <a:t>17/07/2020</a:t>
             </a:fld>
             <a:endParaRPr lang="it-IT"/>
           </a:p>
@@ -775,7 +778,7 @@
           <a:p>
             <a:fld id="{7F4AC5D5-691B-4C37-9A68-381AC719AB4D}" type="datetimeFigureOut">
               <a:rPr lang="it-IT" smtClean="0"/>
-              <a:t>05/05/2020</a:t>
+              <a:t>17/07/2020</a:t>
             </a:fld>
             <a:endParaRPr lang="it-IT"/>
           </a:p>
@@ -1021,7 +1024,7 @@
           <a:p>
             <a:fld id="{7F4AC5D5-691B-4C37-9A68-381AC719AB4D}" type="datetimeFigureOut">
               <a:rPr lang="it-IT" smtClean="0"/>
-              <a:t>05/05/2020</a:t>
+              <a:t>17/07/2020</a:t>
             </a:fld>
             <a:endParaRPr lang="it-IT"/>
           </a:p>
@@ -1253,7 +1256,7 @@
           <a:p>
             <a:fld id="{7F4AC5D5-691B-4C37-9A68-381AC719AB4D}" type="datetimeFigureOut">
               <a:rPr lang="it-IT" smtClean="0"/>
-              <a:t>05/05/2020</a:t>
+              <a:t>17/07/2020</a:t>
             </a:fld>
             <a:endParaRPr lang="it-IT"/>
           </a:p>
@@ -1620,7 +1623,7 @@
           <a:p>
             <a:fld id="{7F4AC5D5-691B-4C37-9A68-381AC719AB4D}" type="datetimeFigureOut">
               <a:rPr lang="it-IT" smtClean="0"/>
-              <a:t>05/05/2020</a:t>
+              <a:t>17/07/2020</a:t>
             </a:fld>
             <a:endParaRPr lang="it-IT"/>
           </a:p>
@@ -1738,7 +1741,7 @@
           <a:p>
             <a:fld id="{7F4AC5D5-691B-4C37-9A68-381AC719AB4D}" type="datetimeFigureOut">
               <a:rPr lang="it-IT" smtClean="0"/>
-              <a:t>05/05/2020</a:t>
+              <a:t>17/07/2020</a:t>
             </a:fld>
             <a:endParaRPr lang="it-IT"/>
           </a:p>
@@ -1833,7 +1836,7 @@
           <a:p>
             <a:fld id="{7F4AC5D5-691B-4C37-9A68-381AC719AB4D}" type="datetimeFigureOut">
               <a:rPr lang="it-IT" smtClean="0"/>
-              <a:t>05/05/2020</a:t>
+              <a:t>17/07/2020</a:t>
             </a:fld>
             <a:endParaRPr lang="it-IT"/>
           </a:p>
@@ -2110,7 +2113,7 @@
           <a:p>
             <a:fld id="{7F4AC5D5-691B-4C37-9A68-381AC719AB4D}" type="datetimeFigureOut">
               <a:rPr lang="it-IT" smtClean="0"/>
-              <a:t>05/05/2020</a:t>
+              <a:t>17/07/2020</a:t>
             </a:fld>
             <a:endParaRPr lang="it-IT"/>
           </a:p>
@@ -2363,7 +2366,7 @@
           <a:p>
             <a:fld id="{7F4AC5D5-691B-4C37-9A68-381AC719AB4D}" type="datetimeFigureOut">
               <a:rPr lang="it-IT" smtClean="0"/>
-              <a:t>05/05/2020</a:t>
+              <a:t>17/07/2020</a:t>
             </a:fld>
             <a:endParaRPr lang="it-IT"/>
           </a:p>
@@ -2576,7 +2579,7 @@
           <a:p>
             <a:fld id="{7F4AC5D5-691B-4C37-9A68-381AC719AB4D}" type="datetimeFigureOut">
               <a:rPr lang="it-IT" smtClean="0"/>
-              <a:t>05/05/2020</a:t>
+              <a:t>17/07/2020</a:t>
             </a:fld>
             <a:endParaRPr lang="it-IT"/>
           </a:p>
@@ -3045,13 +3048,13 @@
           <a:p>
             <a:r>
               <a:rPr lang="pt-BR" dirty="0" smtClean="0"/>
-              <a:t>Um  municiopio resolveu informatizar o comando da polícia local e criar uma base de dados os criminosos deverão ser registados,  as vítimas também deverão ser cadastradas. </a:t>
+              <a:t>Um  municiopio resolveu informatizar o comando da polícia local e criar uma base de dados  ondes os criminosos, os crimes e  as vítimas deverão ser registados. </a:t>
             </a:r>
           </a:p>
           <a:p>
             <a:r>
               <a:rPr lang="pt-BR" dirty="0" smtClean="0"/>
-              <a:t>No caso de criminosos que utilizem armas, estas deverão ser cadastradas e relacionadas ao crime cometido para possível utilização no julgamento do criminoso.</a:t>
+              <a:t>No caso de criminosos que utilizem armas, estas deverão ser registadas e relacionadas ao crime cometido para possível utilização no julgamento do criminoso.</a:t>
             </a:r>
           </a:p>
           <a:p>
@@ -3061,15 +3064,23 @@
             </a:r>
           </a:p>
           <a:p>
-            <a:r>
-              <a:rPr lang="pt-BR" dirty="0" smtClean="0"/>
-              <a:t>=&gt;Quais crimes um determinado criminoso cometeu, lembrando que um crime pode ser cometido por mais de um criminoso;</a:t>
-            </a:r>
-          </a:p>
-          <a:p>
-            <a:r>
-              <a:rPr lang="pt-BR" dirty="0" smtClean="0"/>
-              <a:t>=&gt;Quais crimes uma determinada vítima sofreu, lembrando que várias vítimas podem ter sofrido um mesmo crime; </a:t>
+            <a:pPr lvl="1">
+              <a:buFont typeface="Wingdings" panose="05000000000000000000" pitchFamily="2" charset="2"/>
+              <a:buChar char="ü"/>
+            </a:pPr>
+            <a:r>
+              <a:rPr lang="pt-BR" sz="2900" dirty="0" smtClean="0"/>
+              <a:t>Quais crimes um determinado criminoso cometeu, lembrando que um crime pode ser cometido por mais de um criminoso;</a:t>
+            </a:r>
+          </a:p>
+          <a:p>
+            <a:pPr lvl="1">
+              <a:buFont typeface="Wingdings" panose="05000000000000000000" pitchFamily="2" charset="2"/>
+              <a:buChar char="ü"/>
+            </a:pPr>
+            <a:r>
+              <a:rPr lang="pt-BR" sz="2900" dirty="0" smtClean="0"/>
+              <a:t>Quais crimes uma determinada vítima sofreu, lembrando que várias vítimas podem ter sofrido um mesmo crime; </a:t>
             </a:r>
           </a:p>
           <a:p>
@@ -3107,6 +3118,310 @@
 </file>
 
 <file path=ppt/slides/slide10.xml><?xml version="1.0" encoding="utf-8"?>
+<p:sld xmlns:a="http://schemas.openxmlformats.org/drawingml/2006/main" xmlns:r="http://schemas.openxmlformats.org/officeDocument/2006/relationships" xmlns:p="http://schemas.openxmlformats.org/presentationml/2006/main">
+  <p:cSld>
+    <p:spTree>
+      <p:nvGrpSpPr>
+        <p:cNvPr id="1" name=""/>
+        <p:cNvGrpSpPr/>
+        <p:nvPr/>
+      </p:nvGrpSpPr>
+      <p:grpSpPr>
+        <a:xfrm>
+          <a:off x="0" y="0"/>
+          <a:ext cx="0" cy="0"/>
+          <a:chOff x="0" y="0"/>
+          <a:chExt cx="0" cy="0"/>
+        </a:xfrm>
+      </p:grpSpPr>
+      <p:sp>
+        <p:nvSpPr>
+          <p:cNvPr id="2" name="Titolo 1"/>
+          <p:cNvSpPr>
+            <a:spLocks noGrp="1"/>
+          </p:cNvSpPr>
+          <p:nvPr>
+            <p:ph type="title"/>
+          </p:nvPr>
+        </p:nvSpPr>
+        <p:spPr>
+          <a:xfrm>
+            <a:off x="838200" y="365126"/>
+            <a:ext cx="10515600" cy="1054884"/>
+          </a:xfrm>
+        </p:spPr>
+        <p:txBody>
+          <a:bodyPr>
+            <a:noAutofit/>
+          </a:bodyPr>
+          <a:lstStyle/>
+          <a:p>
+            <a:r>
+              <a:rPr lang="pt-BR" sz="2400" b="1" dirty="0"/>
+              <a:t>7</a:t>
+            </a:r>
+            <a:r>
+              <a:rPr lang="pt-BR" sz="2400" b="1" dirty="0" smtClean="0"/>
+              <a:t>º </a:t>
+            </a:r>
+            <a:r>
+              <a:rPr lang="pt-BR" sz="2400" b="1" dirty="0"/>
+              <a:t>Passo – Criar o </a:t>
+            </a:r>
+            <a:r>
+              <a:rPr lang="pt-BR" sz="2400" b="1" i="1" dirty="0"/>
+              <a:t>Diagrama de Entidade-Relacionamento </a:t>
+            </a:r>
+            <a:r>
+              <a:rPr lang="pt-BR" sz="2400" b="1" dirty="0"/>
+              <a:t>(</a:t>
+            </a:r>
+            <a:r>
+              <a:rPr lang="pt-BR" sz="2400" b="1" i="1" dirty="0"/>
+              <a:t>DER</a:t>
+            </a:r>
+            <a:r>
+              <a:rPr lang="pt-BR" sz="2400" b="1" dirty="0"/>
+              <a:t>) a partir</a:t>
+            </a:r>
+            <a:br>
+              <a:rPr lang="pt-BR" sz="2400" b="1" dirty="0"/>
+            </a:br>
+            <a:r>
+              <a:rPr lang="it-IT" sz="2400" b="1" dirty="0"/>
+              <a:t>da </a:t>
+            </a:r>
+            <a:r>
+              <a:rPr lang="it-IT" sz="2400" b="1" dirty="0" err="1"/>
+              <a:t>modelagem</a:t>
+            </a:r>
+            <a:r>
+              <a:rPr lang="it-IT" sz="2400" b="1" dirty="0"/>
+              <a:t> </a:t>
+            </a:r>
+            <a:r>
+              <a:rPr lang="it-IT" sz="2400" b="1" dirty="0" err="1"/>
+              <a:t>realizada</a:t>
+            </a:r>
+            <a:endParaRPr lang="it-IT" sz="2400" dirty="0"/>
+          </a:p>
+        </p:txBody>
+      </p:sp>
+      <p:sp>
+        <p:nvSpPr>
+          <p:cNvPr id="3" name="Segnaposto contenuto 2"/>
+          <p:cNvSpPr>
+            <a:spLocks noGrp="1"/>
+          </p:cNvSpPr>
+          <p:nvPr>
+            <p:ph idx="1"/>
+          </p:nvPr>
+        </p:nvSpPr>
+        <p:spPr>
+          <a:xfrm>
+            <a:off x="838200" y="1420010"/>
+            <a:ext cx="10515600" cy="4756953"/>
+          </a:xfrm>
+        </p:spPr>
+        <p:txBody>
+          <a:bodyPr>
+            <a:normAutofit/>
+          </a:bodyPr>
+          <a:lstStyle/>
+          <a:p>
+            <a:r>
+              <a:rPr lang="it-IT" b="1" dirty="0" err="1"/>
+              <a:t>Resultado</a:t>
+            </a:r>
+            <a:r>
+              <a:rPr lang="it-IT" dirty="0" smtClean="0"/>
+              <a:t>:</a:t>
+            </a:r>
+          </a:p>
+          <a:p>
+            <a:pPr marL="0" indent="0">
+              <a:buNone/>
+            </a:pPr>
+            <a:r>
+              <a:rPr lang="it-IT" dirty="0"/>
+              <a:t>VÍTIMA x CRIME</a:t>
+            </a:r>
+          </a:p>
+          <a:p>
+            <a:pPr lvl="1"/>
+            <a:r>
+              <a:rPr lang="pt-BR" dirty="0"/>
+              <a:t>o Uma vítima pode ter sofrido </a:t>
+            </a:r>
+            <a:r>
+              <a:rPr lang="pt-BR" dirty="0">
+                <a:solidFill>
+                  <a:srgbClr val="C00000"/>
+                </a:solidFill>
+              </a:rPr>
+              <a:t>um ou vários </a:t>
+            </a:r>
+            <a:r>
+              <a:rPr lang="pt-BR" dirty="0"/>
+              <a:t>crimes</a:t>
+            </a:r>
+          </a:p>
+          <a:p>
+            <a:pPr lvl="1"/>
+            <a:r>
+              <a:rPr lang="pt-BR" dirty="0"/>
+              <a:t>o Em um crime podem ter sido atacadas </a:t>
+            </a:r>
+            <a:r>
+              <a:rPr lang="pt-BR" dirty="0">
+                <a:solidFill>
+                  <a:srgbClr val="C00000"/>
+                </a:solidFill>
+              </a:rPr>
+              <a:t>uma ou </a:t>
+            </a:r>
+            <a:r>
+              <a:rPr lang="pt-BR" dirty="0" smtClean="0">
+                <a:solidFill>
+                  <a:srgbClr val="C00000"/>
+                </a:solidFill>
+              </a:rPr>
+              <a:t>várias </a:t>
+            </a:r>
+            <a:r>
+              <a:rPr lang="it-IT" dirty="0" err="1" smtClean="0"/>
+              <a:t>vítimas</a:t>
+            </a:r>
+            <a:r>
+              <a:rPr lang="pt-BR" dirty="0" smtClean="0"/>
+              <a:t>;</a:t>
+            </a:r>
+            <a:endParaRPr lang="it-IT" dirty="0" smtClean="0"/>
+          </a:p>
+          <a:p>
+            <a:pPr marL="914400" lvl="2" indent="0">
+              <a:buNone/>
+            </a:pPr>
+            <a:endParaRPr lang="pt-BR" dirty="0" smtClean="0"/>
+          </a:p>
+          <a:p>
+            <a:pPr marL="0" indent="0">
+              <a:buNone/>
+            </a:pPr>
+            <a:endParaRPr lang="it-IT" dirty="0" smtClean="0"/>
+          </a:p>
+          <a:p>
+            <a:pPr marL="0" indent="0">
+              <a:buNone/>
+            </a:pPr>
+            <a:r>
+              <a:rPr lang="it-IT" dirty="0" smtClean="0"/>
+              <a:t>ARMA </a:t>
+            </a:r>
+            <a:r>
+              <a:rPr lang="it-IT" dirty="0"/>
+              <a:t>x CRIME</a:t>
+            </a:r>
+          </a:p>
+          <a:p>
+            <a:pPr lvl="1"/>
+            <a:r>
+              <a:rPr lang="pt-BR" dirty="0"/>
+              <a:t>o Uma arma pode ter sido utilizada em um crime</a:t>
+            </a:r>
+          </a:p>
+          <a:p>
+            <a:pPr lvl="1"/>
+            <a:r>
+              <a:rPr lang="pt-BR" dirty="0"/>
+              <a:t>o Em um crime podem ter sido utilizadas </a:t>
+            </a:r>
+            <a:r>
+              <a:rPr lang="pt-BR" dirty="0">
+                <a:solidFill>
+                  <a:srgbClr val="C00000"/>
+                </a:solidFill>
+              </a:rPr>
+              <a:t>zero ou </a:t>
+            </a:r>
+            <a:r>
+              <a:rPr lang="pt-BR" dirty="0" smtClean="0">
+                <a:solidFill>
+                  <a:srgbClr val="C00000"/>
+                </a:solidFill>
+              </a:rPr>
+              <a:t>várias </a:t>
+            </a:r>
+            <a:r>
+              <a:rPr lang="it-IT" dirty="0" err="1" smtClean="0"/>
+              <a:t>armas</a:t>
+            </a:r>
+            <a:endParaRPr lang="pt-BR" dirty="0"/>
+          </a:p>
+        </p:txBody>
+      </p:sp>
+      <p:pic>
+        <p:nvPicPr>
+          <p:cNvPr id="4" name="Immagine 3"/>
+          <p:cNvPicPr>
+            <a:picLocks noChangeAspect="1"/>
+          </p:cNvPicPr>
+          <p:nvPr/>
+        </p:nvPicPr>
+        <p:blipFill>
+          <a:blip r:embed="rId2"/>
+          <a:stretch>
+            <a:fillRect/>
+          </a:stretch>
+        </p:blipFill>
+        <p:spPr>
+          <a:xfrm>
+            <a:off x="1383599" y="3288106"/>
+            <a:ext cx="5447507" cy="660304"/>
+          </a:xfrm>
+          <a:prstGeom prst="rect">
+            <a:avLst/>
+          </a:prstGeom>
+        </p:spPr>
+      </p:pic>
+      <p:pic>
+        <p:nvPicPr>
+          <p:cNvPr id="5" name="Immagine 4"/>
+          <p:cNvPicPr>
+            <a:picLocks noChangeAspect="1"/>
+          </p:cNvPicPr>
+          <p:nvPr/>
+        </p:nvPicPr>
+        <p:blipFill>
+          <a:blip r:embed="rId3"/>
+          <a:stretch>
+            <a:fillRect/>
+          </a:stretch>
+        </p:blipFill>
+        <p:spPr>
+          <a:xfrm>
+            <a:off x="1383599" y="5360103"/>
+            <a:ext cx="5619629" cy="705548"/>
+          </a:xfrm>
+          <a:prstGeom prst="rect">
+            <a:avLst/>
+          </a:prstGeom>
+        </p:spPr>
+      </p:pic>
+    </p:spTree>
+    <p:extLst>
+      <p:ext uri="{BB962C8B-B14F-4D97-AF65-F5344CB8AC3E}">
+        <p14:creationId xmlns:p14="http://schemas.microsoft.com/office/powerpoint/2010/main" val="3042099343"/>
+      </p:ext>
+    </p:extLst>
+  </p:cSld>
+  <p:clrMapOvr>
+    <a:masterClrMapping/>
+  </p:clrMapOvr>
+</p:sld>
+</file>
+
+<file path=ppt/slides/slide11.xml><?xml version="1.0" encoding="utf-8"?>
 <p:sld xmlns:a="http://schemas.openxmlformats.org/drawingml/2006/main" xmlns:r="http://schemas.openxmlformats.org/officeDocument/2006/relationships" xmlns:p="http://schemas.openxmlformats.org/presentationml/2006/main">
   <p:cSld>
     <p:spTree>
@@ -3357,7 +3672,7 @@
 </p:sld>
 </file>
 
-<file path=ppt/slides/slide11.xml><?xml version="1.0" encoding="utf-8"?>
+<file path=ppt/slides/slide12.xml><?xml version="1.0" encoding="utf-8"?>
 <p:sld xmlns:a="http://schemas.openxmlformats.org/drawingml/2006/main" xmlns:r="http://schemas.openxmlformats.org/officeDocument/2006/relationships" xmlns:p="http://schemas.openxmlformats.org/presentationml/2006/main">
   <p:cSld>
     <p:spTree>
@@ -3638,7 +3953,7 @@
 </p:sld>
 </file>
 
-<file path=ppt/slides/slide12.xml><?xml version="1.0" encoding="utf-8"?>
+<file path=ppt/slides/slide13.xml><?xml version="1.0" encoding="utf-8"?>
 <p:sld xmlns:a="http://schemas.openxmlformats.org/drawingml/2006/main" xmlns:r="http://schemas.openxmlformats.org/officeDocument/2006/relationships" xmlns:p="http://schemas.openxmlformats.org/presentationml/2006/main">
   <p:cSld>
     <p:spTree>
@@ -3731,7 +4046,542 @@
 </p:sld>
 </file>
 
-<file path=ppt/slides/slide13.xml><?xml version="1.0" encoding="utf-8"?>
+<file path=ppt/slides/slide14.xml><?xml version="1.0" encoding="utf-8"?>
+<p:sld xmlns:a="http://schemas.openxmlformats.org/drawingml/2006/main" xmlns:r="http://schemas.openxmlformats.org/officeDocument/2006/relationships" xmlns:p="http://schemas.openxmlformats.org/presentationml/2006/main">
+  <p:cSld>
+    <p:spTree>
+      <p:nvGrpSpPr>
+        <p:cNvPr id="1" name=""/>
+        <p:cNvGrpSpPr/>
+        <p:nvPr/>
+      </p:nvGrpSpPr>
+      <p:grpSpPr>
+        <a:xfrm>
+          <a:off x="0" y="0"/>
+          <a:ext cx="0" cy="0"/>
+          <a:chOff x="0" y="0"/>
+          <a:chExt cx="0" cy="0"/>
+        </a:xfrm>
+      </p:grpSpPr>
+      <p:sp>
+        <p:nvSpPr>
+          <p:cNvPr id="2" name="Titolo 1"/>
+          <p:cNvSpPr>
+            <a:spLocks noGrp="1"/>
+          </p:cNvSpPr>
+          <p:nvPr>
+            <p:ph type="title"/>
+          </p:nvPr>
+        </p:nvSpPr>
+        <p:spPr/>
+        <p:txBody>
+          <a:bodyPr>
+            <a:noAutofit/>
+          </a:bodyPr>
+          <a:lstStyle/>
+          <a:p>
+            <a:r>
+              <a:rPr lang="pt-BR" sz="3200" b="1" dirty="0"/>
+              <a:t>8</a:t>
+            </a:r>
+            <a:r>
+              <a:rPr lang="pt-BR" sz="3200" b="1" dirty="0" smtClean="0"/>
+              <a:t>º </a:t>
+            </a:r>
+            <a:r>
+              <a:rPr lang="pt-BR" sz="3200" b="1" dirty="0"/>
+              <a:t>Passo - Identificar os atributos de cada ENTIDADE, ou seja, </a:t>
+            </a:r>
+            <a:r>
+              <a:rPr lang="pt-BR" sz="3200" b="1" dirty="0" smtClean="0"/>
+              <a:t>quais </a:t>
+            </a:r>
+            <a:r>
+              <a:rPr lang="it-IT" sz="3200" b="1" dirty="0" err="1" smtClean="0"/>
+              <a:t>informações</a:t>
+            </a:r>
+            <a:r>
+              <a:rPr lang="it-IT" sz="3200" b="1" dirty="0" smtClean="0"/>
+              <a:t> </a:t>
+            </a:r>
+            <a:r>
+              <a:rPr lang="it-IT" sz="3200" b="1" dirty="0" err="1"/>
+              <a:t>deverão</a:t>
+            </a:r>
+            <a:r>
+              <a:rPr lang="it-IT" sz="3200" b="1" dirty="0"/>
+              <a:t> ser </a:t>
+            </a:r>
+            <a:r>
+              <a:rPr lang="it-IT" sz="3200" b="1" dirty="0" err="1"/>
+              <a:t>armazenadas</a:t>
+            </a:r>
+            <a:endParaRPr lang="it-IT" sz="3200" dirty="0"/>
+          </a:p>
+        </p:txBody>
+      </p:sp>
+      <p:sp>
+        <p:nvSpPr>
+          <p:cNvPr id="3" name="Segnaposto contenuto 2"/>
+          <p:cNvSpPr>
+            <a:spLocks noGrp="1"/>
+          </p:cNvSpPr>
+          <p:nvPr>
+            <p:ph idx="1"/>
+          </p:nvPr>
+        </p:nvSpPr>
+        <p:spPr>
+          <a:xfrm>
+            <a:off x="838200" y="1825625"/>
+            <a:ext cx="3981226" cy="4351338"/>
+          </a:xfrm>
+        </p:spPr>
+        <p:txBody>
+          <a:bodyPr>
+            <a:normAutofit/>
+          </a:bodyPr>
+          <a:lstStyle/>
+          <a:p>
+            <a:r>
+              <a:rPr lang="it-IT" b="1" dirty="0" err="1"/>
+              <a:t>Resultado</a:t>
+            </a:r>
+            <a:r>
+              <a:rPr lang="it-IT" dirty="0"/>
+              <a:t>:</a:t>
+            </a:r>
+          </a:p>
+          <a:p>
+            <a:pPr marL="0" indent="0">
+              <a:buNone/>
+            </a:pPr>
+            <a:r>
+              <a:rPr lang="it-IT" b="1" dirty="0" smtClean="0"/>
+              <a:t>Criminoso</a:t>
+            </a:r>
+            <a:r>
+              <a:rPr lang="it-IT" dirty="0"/>
+              <a:t>:</a:t>
+            </a:r>
+          </a:p>
+          <a:p>
+            <a:pPr lvl="1"/>
+            <a:r>
+              <a:rPr lang="it-IT" dirty="0" smtClean="0"/>
+              <a:t>Id </a:t>
+            </a:r>
+            <a:r>
+              <a:rPr lang="it-IT" i="1" dirty="0"/>
+              <a:t>(</a:t>
+            </a:r>
+            <a:r>
+              <a:rPr lang="it-IT" i="1" dirty="0" err="1"/>
+              <a:t>código</a:t>
+            </a:r>
+            <a:r>
+              <a:rPr lang="it-IT" i="1" dirty="0"/>
+              <a:t> </a:t>
+            </a:r>
+            <a:r>
+              <a:rPr lang="it-IT" i="1" dirty="0" err="1"/>
+              <a:t>identificador</a:t>
+            </a:r>
+            <a:r>
+              <a:rPr lang="it-IT" i="1" dirty="0"/>
+              <a:t>)</a:t>
+            </a:r>
+          </a:p>
+          <a:p>
+            <a:pPr lvl="1"/>
+            <a:r>
+              <a:rPr lang="it-IT" dirty="0" smtClean="0"/>
+              <a:t>Nome</a:t>
+            </a:r>
+            <a:endParaRPr lang="it-IT" dirty="0"/>
+          </a:p>
+          <a:p>
+            <a:pPr lvl="1"/>
+            <a:r>
+              <a:rPr lang="it-IT" dirty="0" err="1" smtClean="0"/>
+              <a:t>Endereço</a:t>
+            </a:r>
+            <a:endParaRPr lang="it-IT" dirty="0"/>
+          </a:p>
+          <a:p>
+            <a:pPr marL="0" indent="0">
+              <a:buNone/>
+            </a:pPr>
+            <a:r>
+              <a:rPr lang="it-IT" b="1" dirty="0" err="1" smtClean="0"/>
+              <a:t>Vítima</a:t>
+            </a:r>
+            <a:r>
+              <a:rPr lang="it-IT" dirty="0"/>
+              <a:t>:</a:t>
+            </a:r>
+          </a:p>
+          <a:p>
+            <a:pPr lvl="1"/>
+            <a:r>
+              <a:rPr lang="it-IT" dirty="0" smtClean="0"/>
+              <a:t>Id</a:t>
+            </a:r>
+            <a:endParaRPr lang="it-IT" dirty="0"/>
+          </a:p>
+          <a:p>
+            <a:pPr lvl="1"/>
+            <a:r>
+              <a:rPr lang="it-IT" dirty="0" smtClean="0"/>
+              <a:t>Nome</a:t>
+            </a:r>
+            <a:endParaRPr lang="it-IT" dirty="0"/>
+          </a:p>
+          <a:p>
+            <a:pPr lvl="1"/>
+            <a:r>
+              <a:rPr lang="it-IT" dirty="0" err="1" smtClean="0"/>
+              <a:t>Telefone</a:t>
+            </a:r>
+            <a:r>
+              <a:rPr lang="it-IT" dirty="0" smtClean="0"/>
+              <a:t>(s</a:t>
+            </a:r>
+            <a:r>
+              <a:rPr lang="it-IT" dirty="0"/>
+              <a:t>)</a:t>
+            </a:r>
+          </a:p>
+          <a:p>
+            <a:pPr lvl="1"/>
+            <a:r>
+              <a:rPr lang="it-IT" dirty="0" err="1" smtClean="0"/>
+              <a:t>Endereço</a:t>
+            </a:r>
+            <a:r>
+              <a:rPr lang="it-IT" dirty="0" smtClean="0"/>
+              <a:t> </a:t>
+            </a:r>
+            <a:endParaRPr lang="it-IT" dirty="0"/>
+          </a:p>
+        </p:txBody>
+      </p:sp>
+      <p:sp>
+        <p:nvSpPr>
+          <p:cNvPr id="4" name="Segnaposto contenuto 2"/>
+          <p:cNvSpPr txBox="1">
+            <a:spLocks/>
+          </p:cNvSpPr>
+          <p:nvPr/>
+        </p:nvSpPr>
+        <p:spPr>
+          <a:xfrm>
+            <a:off x="6982609" y="1825625"/>
+            <a:ext cx="3981226" cy="4351338"/>
+          </a:xfrm>
+          <a:prstGeom prst="rect">
+            <a:avLst/>
+          </a:prstGeom>
+        </p:spPr>
+        <p:txBody>
+          <a:bodyPr vert="horz" lIns="91440" tIns="45720" rIns="91440" bIns="45720" rtlCol="0">
+            <a:normAutofit fontScale="85000" lnSpcReduction="20000"/>
+          </a:bodyPr>
+          <a:lstStyle>
+            <a:lvl1pPr marL="228600" indent="-228600" algn="l" defTabSz="914400" rtl="0" eaLnBrk="1" latinLnBrk="0" hangingPunct="1">
+              <a:lnSpc>
+                <a:spcPct val="90000"/>
+              </a:lnSpc>
+              <a:spcBef>
+                <a:spcPts val="1000"/>
+              </a:spcBef>
+              <a:buFont typeface="Arial" panose="020B0604020202020204" pitchFamily="34" charset="0"/>
+              <a:buChar char="•"/>
+              <a:defRPr sz="2800" kern="1200">
+                <a:solidFill>
+                  <a:schemeClr val="tx1"/>
+                </a:solidFill>
+                <a:latin typeface="+mn-lt"/>
+                <a:ea typeface="+mn-ea"/>
+                <a:cs typeface="+mn-cs"/>
+              </a:defRPr>
+            </a:lvl1pPr>
+            <a:lvl2pPr marL="685800" indent="-228600" algn="l" defTabSz="914400" rtl="0" eaLnBrk="1" latinLnBrk="0" hangingPunct="1">
+              <a:lnSpc>
+                <a:spcPct val="90000"/>
+              </a:lnSpc>
+              <a:spcBef>
+                <a:spcPts val="500"/>
+              </a:spcBef>
+              <a:buFont typeface="Arial" panose="020B0604020202020204" pitchFamily="34" charset="0"/>
+              <a:buChar char="•"/>
+              <a:defRPr sz="2400" kern="1200">
+                <a:solidFill>
+                  <a:schemeClr val="tx1"/>
+                </a:solidFill>
+                <a:latin typeface="+mn-lt"/>
+                <a:ea typeface="+mn-ea"/>
+                <a:cs typeface="+mn-cs"/>
+              </a:defRPr>
+            </a:lvl2pPr>
+            <a:lvl3pPr marL="1143000" indent="-228600" algn="l" defTabSz="914400" rtl="0" eaLnBrk="1" latinLnBrk="0" hangingPunct="1">
+              <a:lnSpc>
+                <a:spcPct val="90000"/>
+              </a:lnSpc>
+              <a:spcBef>
+                <a:spcPts val="500"/>
+              </a:spcBef>
+              <a:buFont typeface="Arial" panose="020B0604020202020204" pitchFamily="34" charset="0"/>
+              <a:buChar char="•"/>
+              <a:defRPr sz="2000" kern="1200">
+                <a:solidFill>
+                  <a:schemeClr val="tx1"/>
+                </a:solidFill>
+                <a:latin typeface="+mn-lt"/>
+                <a:ea typeface="+mn-ea"/>
+                <a:cs typeface="+mn-cs"/>
+              </a:defRPr>
+            </a:lvl3pPr>
+            <a:lvl4pPr marL="1600200" indent="-228600" algn="l" defTabSz="914400" rtl="0" eaLnBrk="1" latinLnBrk="0" hangingPunct="1">
+              <a:lnSpc>
+                <a:spcPct val="90000"/>
+              </a:lnSpc>
+              <a:spcBef>
+                <a:spcPts val="500"/>
+              </a:spcBef>
+              <a:buFont typeface="Arial" panose="020B0604020202020204" pitchFamily="34" charset="0"/>
+              <a:buChar char="•"/>
+              <a:defRPr sz="1800" kern="1200">
+                <a:solidFill>
+                  <a:schemeClr val="tx1"/>
+                </a:solidFill>
+                <a:latin typeface="+mn-lt"/>
+                <a:ea typeface="+mn-ea"/>
+                <a:cs typeface="+mn-cs"/>
+              </a:defRPr>
+            </a:lvl4pPr>
+            <a:lvl5pPr marL="2057400" indent="-228600" algn="l" defTabSz="914400" rtl="0" eaLnBrk="1" latinLnBrk="0" hangingPunct="1">
+              <a:lnSpc>
+                <a:spcPct val="90000"/>
+              </a:lnSpc>
+              <a:spcBef>
+                <a:spcPts val="500"/>
+              </a:spcBef>
+              <a:buFont typeface="Arial" panose="020B0604020202020204" pitchFamily="34" charset="0"/>
+              <a:buChar char="•"/>
+              <a:defRPr sz="1800" kern="1200">
+                <a:solidFill>
+                  <a:schemeClr val="tx1"/>
+                </a:solidFill>
+                <a:latin typeface="+mn-lt"/>
+                <a:ea typeface="+mn-ea"/>
+                <a:cs typeface="+mn-cs"/>
+              </a:defRPr>
+            </a:lvl5pPr>
+            <a:lvl6pPr marL="2514600" indent="-228600" algn="l" defTabSz="914400" rtl="0" eaLnBrk="1" latinLnBrk="0" hangingPunct="1">
+              <a:lnSpc>
+                <a:spcPct val="90000"/>
+              </a:lnSpc>
+              <a:spcBef>
+                <a:spcPts val="500"/>
+              </a:spcBef>
+              <a:buFont typeface="Arial" panose="020B0604020202020204" pitchFamily="34" charset="0"/>
+              <a:buChar char="•"/>
+              <a:defRPr sz="1800" kern="1200">
+                <a:solidFill>
+                  <a:schemeClr val="tx1"/>
+                </a:solidFill>
+                <a:latin typeface="+mn-lt"/>
+                <a:ea typeface="+mn-ea"/>
+                <a:cs typeface="+mn-cs"/>
+              </a:defRPr>
+            </a:lvl6pPr>
+            <a:lvl7pPr marL="2971800" indent="-228600" algn="l" defTabSz="914400" rtl="0" eaLnBrk="1" latinLnBrk="0" hangingPunct="1">
+              <a:lnSpc>
+                <a:spcPct val="90000"/>
+              </a:lnSpc>
+              <a:spcBef>
+                <a:spcPts val="500"/>
+              </a:spcBef>
+              <a:buFont typeface="Arial" panose="020B0604020202020204" pitchFamily="34" charset="0"/>
+              <a:buChar char="•"/>
+              <a:defRPr sz="1800" kern="1200">
+                <a:solidFill>
+                  <a:schemeClr val="tx1"/>
+                </a:solidFill>
+                <a:latin typeface="+mn-lt"/>
+                <a:ea typeface="+mn-ea"/>
+                <a:cs typeface="+mn-cs"/>
+              </a:defRPr>
+            </a:lvl7pPr>
+            <a:lvl8pPr marL="3429000" indent="-228600" algn="l" defTabSz="914400" rtl="0" eaLnBrk="1" latinLnBrk="0" hangingPunct="1">
+              <a:lnSpc>
+                <a:spcPct val="90000"/>
+              </a:lnSpc>
+              <a:spcBef>
+                <a:spcPts val="500"/>
+              </a:spcBef>
+              <a:buFont typeface="Arial" panose="020B0604020202020204" pitchFamily="34" charset="0"/>
+              <a:buChar char="•"/>
+              <a:defRPr sz="1800" kern="1200">
+                <a:solidFill>
+                  <a:schemeClr val="tx1"/>
+                </a:solidFill>
+                <a:latin typeface="+mn-lt"/>
+                <a:ea typeface="+mn-ea"/>
+                <a:cs typeface="+mn-cs"/>
+              </a:defRPr>
+            </a:lvl8pPr>
+            <a:lvl9pPr marL="3886200" indent="-228600" algn="l" defTabSz="914400" rtl="0" eaLnBrk="1" latinLnBrk="0" hangingPunct="1">
+              <a:lnSpc>
+                <a:spcPct val="90000"/>
+              </a:lnSpc>
+              <a:spcBef>
+                <a:spcPts val="500"/>
+              </a:spcBef>
+              <a:buFont typeface="Arial" panose="020B0604020202020204" pitchFamily="34" charset="0"/>
+              <a:buChar char="•"/>
+              <a:defRPr sz="1800" kern="1200">
+                <a:solidFill>
+                  <a:schemeClr val="tx1"/>
+                </a:solidFill>
+                <a:latin typeface="+mn-lt"/>
+                <a:ea typeface="+mn-ea"/>
+                <a:cs typeface="+mn-cs"/>
+              </a:defRPr>
+            </a:lvl9pPr>
+          </a:lstStyle>
+          <a:p>
+            <a:pPr marL="0" indent="0">
+              <a:buNone/>
+            </a:pPr>
+            <a:r>
+              <a:rPr lang="it-IT" b="1" dirty="0" smtClean="0"/>
+              <a:t>Crime</a:t>
+            </a:r>
+            <a:r>
+              <a:rPr lang="it-IT" dirty="0" smtClean="0"/>
+              <a:t>:</a:t>
+            </a:r>
+          </a:p>
+          <a:p>
+            <a:pPr lvl="1"/>
+            <a:r>
+              <a:rPr lang="it-IT" dirty="0" smtClean="0"/>
+              <a:t> Id</a:t>
+            </a:r>
+          </a:p>
+          <a:p>
+            <a:pPr lvl="1"/>
+            <a:r>
+              <a:rPr lang="it-IT" dirty="0" err="1" smtClean="0"/>
+              <a:t>Descrição</a:t>
+            </a:r>
+            <a:endParaRPr lang="it-IT" dirty="0" smtClean="0"/>
+          </a:p>
+          <a:p>
+            <a:pPr lvl="1"/>
+            <a:r>
+              <a:rPr lang="it-IT" dirty="0" smtClean="0"/>
+              <a:t>Local</a:t>
+            </a:r>
+          </a:p>
+          <a:p>
+            <a:pPr lvl="3"/>
+            <a:r>
+              <a:rPr lang="pt-PT" dirty="0" smtClean="0"/>
+              <a:t>Via(Estrada)</a:t>
+            </a:r>
+            <a:endParaRPr lang="it-IT" dirty="0" smtClean="0"/>
+          </a:p>
+          <a:p>
+            <a:pPr lvl="3"/>
+            <a:r>
+              <a:rPr lang="it-IT" dirty="0" err="1" smtClean="0"/>
+              <a:t>Bairro</a:t>
+            </a:r>
+            <a:endParaRPr lang="it-IT" dirty="0" smtClean="0"/>
+          </a:p>
+          <a:p>
+            <a:pPr lvl="3"/>
+            <a:r>
+              <a:rPr lang="it-IT" dirty="0" smtClean="0"/>
+              <a:t>Municipio</a:t>
+            </a:r>
+          </a:p>
+          <a:p>
+            <a:pPr marL="1371600" lvl="3" indent="0">
+              <a:buNone/>
+            </a:pPr>
+            <a:endParaRPr lang="it-IT" dirty="0" smtClean="0"/>
+          </a:p>
+          <a:p>
+            <a:pPr lvl="1"/>
+            <a:r>
+              <a:rPr lang="it-IT" dirty="0" smtClean="0"/>
+              <a:t>Data</a:t>
+            </a:r>
+          </a:p>
+          <a:p>
+            <a:pPr lvl="1"/>
+            <a:endParaRPr lang="pt-PT" dirty="0"/>
+          </a:p>
+          <a:p>
+            <a:pPr marL="0" indent="0">
+              <a:buNone/>
+            </a:pPr>
+            <a:r>
+              <a:rPr lang="it-IT" b="1" dirty="0"/>
+              <a:t>Arma</a:t>
+            </a:r>
+          </a:p>
+          <a:p>
+            <a:pPr lvl="1"/>
+            <a:r>
+              <a:rPr lang="it-IT" dirty="0" smtClean="0"/>
+              <a:t>Id</a:t>
+            </a:r>
+            <a:endParaRPr lang="it-IT" dirty="0"/>
+          </a:p>
+          <a:p>
+            <a:pPr lvl="1"/>
+            <a:r>
+              <a:rPr lang="it-IT" dirty="0" err="1" smtClean="0"/>
+              <a:t>Calibre</a:t>
+            </a:r>
+            <a:endParaRPr lang="it-IT" dirty="0"/>
+          </a:p>
+          <a:p>
+            <a:pPr lvl="1"/>
+            <a:r>
+              <a:rPr lang="it-IT" dirty="0" err="1" smtClean="0"/>
+              <a:t>Modelo</a:t>
+            </a:r>
+            <a:endParaRPr lang="it-IT" dirty="0"/>
+          </a:p>
+          <a:p>
+            <a:pPr lvl="1"/>
+            <a:r>
+              <a:rPr lang="it-IT" dirty="0" err="1" smtClean="0"/>
+              <a:t>Fabricante</a:t>
+            </a:r>
+            <a:endParaRPr lang="it-IT" dirty="0"/>
+          </a:p>
+        </p:txBody>
+      </p:sp>
+    </p:spTree>
+    <p:extLst>
+      <p:ext uri="{BB962C8B-B14F-4D97-AF65-F5344CB8AC3E}">
+        <p14:creationId xmlns:p14="http://schemas.microsoft.com/office/powerpoint/2010/main" val="2638613073"/>
+      </p:ext>
+    </p:extLst>
+  </p:cSld>
+  <p:clrMapOvr>
+    <a:masterClrMapping/>
+  </p:clrMapOvr>
+</p:sld>
+</file>
+
+<file path=ppt/slides/slide15.xml><?xml version="1.0" encoding="utf-8"?>
 <p:sld xmlns:a="http://schemas.openxmlformats.org/drawingml/2006/main" xmlns:r="http://schemas.openxmlformats.org/officeDocument/2006/relationships" xmlns:p="http://schemas.openxmlformats.org/presentationml/2006/main">
   <p:cSld>
     <p:spTree>
@@ -3826,6 +4676,78 @@
 </p:sld>
 </file>
 
+<file path=ppt/slides/slide16.xml><?xml version="1.0" encoding="utf-8"?>
+<p:sld xmlns:a="http://schemas.openxmlformats.org/drawingml/2006/main" xmlns:r="http://schemas.openxmlformats.org/officeDocument/2006/relationships" xmlns:p="http://schemas.openxmlformats.org/presentationml/2006/main">
+  <p:cSld>
+    <p:spTree>
+      <p:nvGrpSpPr>
+        <p:cNvPr id="1" name=""/>
+        <p:cNvGrpSpPr/>
+        <p:nvPr/>
+      </p:nvGrpSpPr>
+      <p:grpSpPr>
+        <a:xfrm>
+          <a:off x="0" y="0"/>
+          <a:ext cx="0" cy="0"/>
+          <a:chOff x="0" y="0"/>
+          <a:chExt cx="0" cy="0"/>
+        </a:xfrm>
+      </p:grpSpPr>
+      <p:sp>
+        <p:nvSpPr>
+          <p:cNvPr id="4" name="Titolo 3"/>
+          <p:cNvSpPr>
+            <a:spLocks noGrp="1"/>
+          </p:cNvSpPr>
+          <p:nvPr>
+            <p:ph type="ctrTitle"/>
+          </p:nvPr>
+        </p:nvSpPr>
+        <p:spPr/>
+        <p:txBody>
+          <a:bodyPr/>
+          <a:lstStyle/>
+          <a:p>
+            <a:r>
+              <a:rPr lang="pt-PT" dirty="0" smtClean="0"/>
+              <a:t>Obrigado</a:t>
+            </a:r>
+            <a:endParaRPr lang="it-IT" dirty="0"/>
+          </a:p>
+        </p:txBody>
+      </p:sp>
+      <p:sp>
+        <p:nvSpPr>
+          <p:cNvPr id="5" name="Sottotitolo 4"/>
+          <p:cNvSpPr>
+            <a:spLocks noGrp="1"/>
+          </p:cNvSpPr>
+          <p:nvPr>
+            <p:ph type="subTitle" idx="1"/>
+          </p:nvPr>
+        </p:nvSpPr>
+        <p:spPr/>
+        <p:txBody>
+          <a:bodyPr/>
+          <a:lstStyle/>
+          <a:p>
+            <a:endParaRPr lang="it-IT"/>
+          </a:p>
+        </p:txBody>
+      </p:sp>
+    </p:spTree>
+    <p:extLst>
+      <p:ext uri="{BB962C8B-B14F-4D97-AF65-F5344CB8AC3E}">
+        <p14:creationId xmlns:p14="http://schemas.microsoft.com/office/powerpoint/2010/main" val="3301706850"/>
+      </p:ext>
+    </p:extLst>
+  </p:cSld>
+  <p:clrMapOvr>
+    <a:masterClrMapping/>
+  </p:clrMapOvr>
+</p:sld>
+</file>
+
 <file path=ppt/slides/slide2.xml><?xml version="1.0" encoding="utf-8"?>
 <p:sld xmlns:a="http://schemas.openxmlformats.org/drawingml/2006/main" xmlns:r="http://schemas.openxmlformats.org/officeDocument/2006/relationships" xmlns:p="http://schemas.openxmlformats.org/presentationml/2006/main">
   <p:cSld>
@@ -3850,66 +4772,222 @@
             <a:spLocks noGrp="1"/>
           </p:cNvSpPr>
           <p:nvPr>
-            <p:ph type="ctrTitle"/>
-          </p:nvPr>
-        </p:nvSpPr>
-        <p:spPr/>
+            <p:ph type="title"/>
+          </p:nvPr>
+        </p:nvSpPr>
+        <p:spPr>
+          <a:xfrm>
+            <a:off x="1069848" y="118872"/>
+            <a:ext cx="10058400" cy="1609344"/>
+          </a:xfrm>
+        </p:spPr>
+        <p:txBody>
+          <a:bodyPr/>
+          <a:lstStyle/>
+          <a:p>
+            <a:r>
+              <a:rPr lang="pt-PT" dirty="0" smtClean="0"/>
+              <a:t>Processo em 8 (oito) passos</a:t>
+            </a:r>
+            <a:endParaRPr lang="it-IT" dirty="0"/>
+          </a:p>
+        </p:txBody>
+      </p:sp>
+      <p:sp>
+        <p:nvSpPr>
+          <p:cNvPr id="3" name="Segnaposto contenuto 2"/>
+          <p:cNvSpPr>
+            <a:spLocks noGrp="1"/>
+          </p:cNvSpPr>
+          <p:nvPr>
+            <p:ph idx="1"/>
+          </p:nvPr>
+        </p:nvSpPr>
+        <p:spPr>
+          <a:xfrm>
+            <a:off x="1069848" y="1463041"/>
+            <a:ext cx="10058400" cy="5152912"/>
+          </a:xfrm>
+        </p:spPr>
         <p:txBody>
           <a:bodyPr>
-            <a:normAutofit/>
+            <a:normAutofit fontScale="77500" lnSpcReduction="20000"/>
           </a:bodyPr>
           <a:lstStyle/>
           <a:p>
             <a:r>
-              <a:rPr lang="pt-BR" sz="4400" b="1" dirty="0"/>
+              <a:rPr lang="pt-BR" b="1" dirty="0"/>
               <a:t>1º Passo – Identificar, sem duplicar, todos os substantivos que designem</a:t>
             </a:r>
             <a:br>
-              <a:rPr lang="pt-BR" sz="4400" b="1" dirty="0"/>
+              <a:rPr lang="pt-BR" b="1" dirty="0"/>
             </a:br>
             <a:r>
-              <a:rPr lang="it-IT" sz="4400" b="1" dirty="0"/>
-              <a:t>ENTIDADES:</a:t>
-            </a:r>
-            <a:endParaRPr lang="it-IT" sz="4400" dirty="0"/>
-          </a:p>
-        </p:txBody>
-      </p:sp>
-      <p:sp>
-        <p:nvSpPr>
-          <p:cNvPr id="3" name="Sottotitolo 2"/>
-          <p:cNvSpPr>
-            <a:spLocks noGrp="1"/>
-          </p:cNvSpPr>
-          <p:nvPr>
-            <p:ph type="subTitle" idx="1"/>
-          </p:nvPr>
-        </p:nvSpPr>
-        <p:spPr/>
-        <p:txBody>
-          <a:bodyPr/>
-          <a:lstStyle/>
-          <a:p>
-            <a:r>
-              <a:rPr lang="pt-BR" i="1" dirty="0"/>
-              <a:t>Leia os requisitos e </a:t>
-            </a:r>
-            <a:r>
-              <a:rPr lang="pt-BR" i="1" dirty="0" smtClean="0"/>
-              <a:t>sublinhe todos </a:t>
-            </a:r>
-            <a:r>
-              <a:rPr lang="pt-BR" i="1" dirty="0"/>
-              <a:t>os substantivos que designem coisas </a:t>
-            </a:r>
-            <a:r>
-              <a:rPr lang="pt-BR" i="1" dirty="0" smtClean="0"/>
-              <a:t>do mundo </a:t>
-            </a:r>
-            <a:r>
-              <a:rPr lang="pt-BR" i="1" dirty="0"/>
-              <a:t>real, tais como pessoas, documentos, objetos, etc.</a:t>
-            </a:r>
+              <a:rPr lang="it-IT" b="1" dirty="0"/>
+              <a:t>ENTIDADES</a:t>
+            </a:r>
+            <a:r>
+              <a:rPr lang="it-IT" b="1" dirty="0" smtClean="0"/>
+              <a:t>:</a:t>
+            </a:r>
+          </a:p>
+          <a:p>
+            <a:r>
+              <a:rPr lang="pt-BR" b="1" dirty="0"/>
+              <a:t>2º Passo - Descartar substantivos que como ENTIDADE teriam </a:t>
+            </a:r>
+            <a:r>
+              <a:rPr lang="pt-BR" b="1" u="sng" dirty="0"/>
+              <a:t>apenas uma ocorrência </a:t>
+            </a:r>
+            <a:r>
+              <a:rPr lang="pt-BR" b="1" dirty="0"/>
+              <a:t>na base de </a:t>
+            </a:r>
+            <a:r>
+              <a:rPr lang="pt-BR" b="1" dirty="0" smtClean="0"/>
+              <a:t>dados</a:t>
+            </a:r>
+          </a:p>
+          <a:p>
+            <a:r>
+              <a:rPr lang="pt-BR" b="1" dirty="0"/>
+              <a:t>3º Passo - Descartar substantivos que servem apenas para entendimento </a:t>
+            </a:r>
+            <a:r>
+              <a:rPr lang="it-IT" b="1" dirty="0"/>
+              <a:t>do problema</a:t>
+            </a:r>
+            <a:endParaRPr lang="it-IT" dirty="0"/>
+          </a:p>
+          <a:p>
+            <a:r>
+              <a:rPr lang="pt-BR" b="1" dirty="0"/>
+              <a:t>4º Passo - Descartar ENTIDADES que são referência a uma </a:t>
+            </a:r>
+            <a:r>
+              <a:rPr lang="pt-BR" b="1" dirty="0" smtClean="0"/>
+              <a:t>futura </a:t>
+            </a:r>
+            <a:r>
+              <a:rPr lang="it-IT" b="1" dirty="0" err="1" smtClean="0"/>
+              <a:t>funcionalidade</a:t>
+            </a:r>
+            <a:r>
+              <a:rPr lang="it-IT" b="1" dirty="0" smtClean="0"/>
+              <a:t> </a:t>
+            </a:r>
+            <a:r>
+              <a:rPr lang="it-IT" b="1" dirty="0"/>
+              <a:t>do </a:t>
+            </a:r>
+            <a:r>
+              <a:rPr lang="it-IT" b="1" dirty="0" smtClean="0"/>
+              <a:t>sistema</a:t>
+            </a:r>
+          </a:p>
+          <a:p>
+            <a:r>
+              <a:rPr lang="pt-BR" b="1" dirty="0"/>
+              <a:t>5º Passo - Listar os substantivos que se tornarão </a:t>
+            </a:r>
+            <a:r>
+              <a:rPr lang="pt-BR" b="1" dirty="0" smtClean="0"/>
+              <a:t>ENTIDADES</a:t>
+            </a:r>
+          </a:p>
+          <a:p>
+            <a:r>
+              <a:rPr lang="pt-BR" b="1" dirty="0"/>
+              <a:t>6º Passo – Para cada par de ENTIDADES, identificar os RELACIONAMENTOS existentes entre elas - caso haja algum. Utilizar verbos ou preposições para demonstrar os RELACIONAMENTOS de dependência ou existência e incluir informações sobre a cardinalidade</a:t>
+            </a:r>
+            <a:r>
+              <a:rPr lang="pt-BR" b="1" dirty="0" smtClean="0"/>
+              <a:t>.</a:t>
+            </a:r>
+          </a:p>
+          <a:p>
+            <a:r>
+              <a:rPr lang="pt-BR" b="1" dirty="0"/>
+              <a:t>7</a:t>
+            </a:r>
+            <a:r>
+              <a:rPr lang="pt-BR" b="1" dirty="0" smtClean="0"/>
+              <a:t>º </a:t>
+            </a:r>
+            <a:r>
+              <a:rPr lang="pt-BR" b="1" dirty="0"/>
+              <a:t>Passo – Criar o </a:t>
+            </a:r>
+            <a:r>
+              <a:rPr lang="pt-BR" b="1" i="1" dirty="0"/>
+              <a:t>Diagrama de Entidade-Relacionamento </a:t>
+            </a:r>
+            <a:r>
+              <a:rPr lang="pt-BR" b="1" dirty="0"/>
+              <a:t>(</a:t>
+            </a:r>
+            <a:r>
+              <a:rPr lang="pt-BR" b="1" i="1" dirty="0"/>
+              <a:t>DER</a:t>
+            </a:r>
+            <a:r>
+              <a:rPr lang="pt-BR" b="1" dirty="0"/>
+              <a:t>) a partir </a:t>
+            </a:r>
+            <a:r>
+              <a:rPr lang="it-IT" b="1" dirty="0"/>
+              <a:t>da </a:t>
+            </a:r>
+            <a:r>
+              <a:rPr lang="it-IT" b="1" dirty="0" err="1"/>
+              <a:t>modelagem</a:t>
+            </a:r>
+            <a:r>
+              <a:rPr lang="it-IT" b="1" dirty="0"/>
+              <a:t> </a:t>
+            </a:r>
+            <a:r>
+              <a:rPr lang="it-IT" b="1" dirty="0" err="1" smtClean="0"/>
+              <a:t>realizada</a:t>
+            </a:r>
+            <a:endParaRPr lang="it-IT" b="1" dirty="0" smtClean="0"/>
+          </a:p>
+          <a:p>
+            <a:r>
+              <a:rPr lang="pt-BR" b="1" dirty="0" smtClean="0"/>
+              <a:t>8º </a:t>
+            </a:r>
+            <a:r>
+              <a:rPr lang="pt-BR" b="1" dirty="0"/>
+              <a:t>Passo - Identificar os atributos de cada ENTIDADE, ou seja, quais </a:t>
+            </a:r>
+            <a:r>
+              <a:rPr lang="it-IT" b="1" dirty="0" err="1"/>
+              <a:t>informações</a:t>
+            </a:r>
+            <a:r>
+              <a:rPr lang="it-IT" b="1" dirty="0"/>
+              <a:t> </a:t>
+            </a:r>
+            <a:r>
+              <a:rPr lang="it-IT" b="1" dirty="0" err="1"/>
+              <a:t>deverão</a:t>
+            </a:r>
+            <a:r>
+              <a:rPr lang="it-IT" b="1" dirty="0"/>
+              <a:t> ser </a:t>
+            </a:r>
+            <a:r>
+              <a:rPr lang="it-IT" b="1" dirty="0" err="1"/>
+              <a:t>armazenadas</a:t>
+            </a:r>
+            <a:endParaRPr lang="it-IT" b="1" dirty="0"/>
+          </a:p>
+          <a:p>
+            <a:endParaRPr lang="it-IT" dirty="0"/>
+          </a:p>
+          <a:p>
             <a:endParaRPr lang="it-IT" dirty="0"/>
           </a:p>
         </p:txBody>
@@ -3917,13 +4995,20 @@
     </p:spTree>
     <p:extLst>
       <p:ext uri="{BB962C8B-B14F-4D97-AF65-F5344CB8AC3E}">
-        <p14:creationId xmlns:p14="http://schemas.microsoft.com/office/powerpoint/2010/main" val="1239428004"/>
+        <p14:creationId xmlns:p14="http://schemas.microsoft.com/office/powerpoint/2010/main" val="3688879688"/>
       </p:ext>
     </p:extLst>
   </p:cSld>
   <p:clrMapOvr>
     <a:masterClrMapping/>
   </p:clrMapOvr>
+  <p:timing>
+    <p:tnLst>
+      <p:par>
+        <p:cTn id="1" dur="indefinite" restart="never" nodeType="tmRoot"/>
+      </p:par>
+    </p:tnLst>
+  </p:timing>
 </p:sld>
 </file>
 
@@ -3951,7 +5036,7 @@
             <a:spLocks noGrp="1"/>
           </p:cNvSpPr>
           <p:nvPr>
-            <p:ph type="title"/>
+            <p:ph type="ctrTitle"/>
           </p:nvPr>
         </p:nvSpPr>
         <p:spPr/>
@@ -3961,238 +5046,55 @@
           </a:bodyPr>
           <a:lstStyle/>
           <a:p>
-            <a:pPr algn="ctr"/>
-            <a:r>
-              <a:rPr lang="pt-BR" sz="3200" b="1" dirty="0" smtClean="0">
-                <a:solidFill>
-                  <a:srgbClr val="FF0000"/>
-                </a:solidFill>
-              </a:rPr>
-              <a:t>Enunciado</a:t>
-            </a:r>
-            <a:endParaRPr lang="it-IT" sz="3200" dirty="0">
-              <a:solidFill>
-                <a:srgbClr val="FF0000"/>
-              </a:solidFill>
-            </a:endParaRPr>
-          </a:p>
-        </p:txBody>
-      </p:sp>
-      <p:sp>
-        <p:nvSpPr>
-          <p:cNvPr id="3" name="Segnaposto contenuto 2"/>
-          <p:cNvSpPr>
-            <a:spLocks noGrp="1"/>
-          </p:cNvSpPr>
-          <p:nvPr>
-            <p:ph idx="1"/>
+            <a:r>
+              <a:rPr lang="pt-BR" sz="4400" b="1" dirty="0"/>
+              <a:t>1º Passo – Identificar, sem duplicar, todos os substantivos que designem</a:t>
+            </a:r>
+            <a:br>
+              <a:rPr lang="pt-BR" sz="4400" b="1" dirty="0"/>
+            </a:br>
+            <a:r>
+              <a:rPr lang="it-IT" sz="4400" b="1" dirty="0"/>
+              <a:t>ENTIDADES:</a:t>
+            </a:r>
+            <a:endParaRPr lang="it-IT" sz="4400" dirty="0"/>
+          </a:p>
+        </p:txBody>
+      </p:sp>
+      <p:sp>
+        <p:nvSpPr>
+          <p:cNvPr id="3" name="Sottotitolo 2"/>
+          <p:cNvSpPr>
+            <a:spLocks noGrp="1"/>
+          </p:cNvSpPr>
+          <p:nvPr>
+            <p:ph type="subTitle" idx="1"/>
           </p:nvPr>
         </p:nvSpPr>
         <p:spPr/>
         <p:txBody>
-          <a:bodyPr>
-            <a:normAutofit fontScale="62500" lnSpcReduction="20000"/>
-          </a:bodyPr>
-          <a:lstStyle/>
-          <a:p>
-            <a:pPr marL="0" indent="0">
-              <a:buNone/>
-            </a:pPr>
-            <a:r>
-              <a:rPr lang="pt-BR" dirty="0" smtClean="0"/>
-              <a:t>Um  </a:t>
-            </a:r>
-            <a:r>
-              <a:rPr lang="pt-BR" u="sng" dirty="0" smtClean="0"/>
-              <a:t>municiopio</a:t>
-            </a:r>
-            <a:r>
-              <a:rPr lang="pt-BR" dirty="0" smtClean="0"/>
-              <a:t> resolveu informatizar o </a:t>
-            </a:r>
-            <a:r>
-              <a:rPr lang="pt-BR" u="sng" dirty="0" smtClean="0"/>
-              <a:t>comando da polícia local </a:t>
-            </a:r>
-            <a:r>
-              <a:rPr lang="pt-BR" dirty="0" smtClean="0"/>
-              <a:t>e criar uma </a:t>
-            </a:r>
-            <a:r>
-              <a:rPr lang="pt-BR" u="sng" dirty="0" smtClean="0"/>
-              <a:t>base de dados </a:t>
-            </a:r>
-            <a:r>
-              <a:rPr lang="pt-BR" dirty="0" smtClean="0"/>
-              <a:t>os </a:t>
-            </a:r>
-            <a:r>
-              <a:rPr lang="pt-BR" u="sng" dirty="0" smtClean="0"/>
-              <a:t>criminosos</a:t>
-            </a:r>
-            <a:r>
-              <a:rPr lang="pt-BR" dirty="0" smtClean="0"/>
-              <a:t> deverão ser registados,  as </a:t>
-            </a:r>
-            <a:r>
-              <a:rPr lang="pt-BR" u="sng" dirty="0" smtClean="0"/>
-              <a:t>vítimas</a:t>
-            </a:r>
-            <a:r>
-              <a:rPr lang="pt-BR" dirty="0" smtClean="0"/>
-              <a:t> também deverão ser cadastradas. </a:t>
-            </a:r>
-          </a:p>
-          <a:p>
-            <a:pPr marL="0" indent="0">
-              <a:buNone/>
-            </a:pPr>
-            <a:r>
-              <a:rPr lang="pt-BR" dirty="0" smtClean="0"/>
-              <a:t>No caso de criminosos que utilizem </a:t>
-            </a:r>
-            <a:r>
-              <a:rPr lang="pt-BR" u="sng" dirty="0" smtClean="0"/>
-              <a:t>armas</a:t>
-            </a:r>
-            <a:r>
-              <a:rPr lang="pt-BR" dirty="0" smtClean="0"/>
-              <a:t>, estas deverão ser cadastradas e relacionadas ao crime cometido para possível utilização no </a:t>
-            </a:r>
-            <a:r>
-              <a:rPr lang="pt-BR" u="sng" dirty="0" smtClean="0"/>
-              <a:t>julgamento</a:t>
-            </a:r>
-            <a:r>
-              <a:rPr lang="pt-BR" dirty="0" smtClean="0"/>
-              <a:t> do criminoso.</a:t>
-            </a:r>
-          </a:p>
-          <a:p>
-            <a:pPr marL="0" indent="0">
-              <a:buNone/>
-            </a:pPr>
-            <a:r>
-              <a:rPr lang="pt-BR" dirty="0" smtClean="0"/>
-              <a:t>O </a:t>
-            </a:r>
-            <a:r>
-              <a:rPr lang="pt-BR" u="sng" dirty="0" smtClean="0"/>
-              <a:t>sistema</a:t>
-            </a:r>
-            <a:r>
-              <a:rPr lang="pt-BR" dirty="0" smtClean="0"/>
-              <a:t>, além de fornecer dados pessoais dos criminosos, das vítimas e das armas, também deve possibilitar saber: </a:t>
-            </a:r>
-          </a:p>
-          <a:p>
-            <a:pPr marL="0" indent="0">
-              <a:buNone/>
-            </a:pPr>
-            <a:r>
-              <a:rPr lang="pt-BR" dirty="0" smtClean="0"/>
-              <a:t>=&gt;Quais crimes um determinado criminoso cometeu, lembrando que um crime pode ser cometido por mais de um criminoso;</a:t>
-            </a:r>
-          </a:p>
-          <a:p>
-            <a:pPr marL="0" indent="0">
-              <a:buNone/>
-            </a:pPr>
-            <a:r>
-              <a:rPr lang="pt-BR" dirty="0" smtClean="0"/>
-              <a:t>=&gt;Quais crimes uma determinada vítima sofreu, lembrando que várias vítimas podem ter sofrido um mesmo crime; </a:t>
-            </a:r>
-          </a:p>
-          <a:p>
-            <a:pPr marL="0" indent="0">
-              <a:buNone/>
-            </a:pPr>
-            <a:endParaRPr lang="pt-BR" dirty="0" smtClean="0"/>
-          </a:p>
-          <a:p>
-            <a:pPr marL="0" indent="0">
-              <a:buNone/>
-            </a:pPr>
-            <a:r>
-              <a:rPr lang="pt-BR" dirty="0" smtClean="0"/>
-              <a:t>Após o sistema ser colocado em produção serão definidos </a:t>
-            </a:r>
-            <a:r>
-              <a:rPr lang="pt-BR" u="sng" dirty="0" smtClean="0"/>
-              <a:t>relatórios</a:t>
-            </a:r>
-            <a:r>
-              <a:rPr lang="pt-BR" dirty="0" smtClean="0"/>
-              <a:t> e </a:t>
-            </a:r>
-            <a:r>
-              <a:rPr lang="pt-BR" u="sng" dirty="0" smtClean="0"/>
-              <a:t>estatísticas </a:t>
-            </a:r>
-            <a:r>
-              <a:rPr lang="pt-BR" dirty="0" smtClean="0"/>
-              <a:t>de acordo com a </a:t>
-            </a:r>
-            <a:r>
-              <a:rPr lang="pt-BR" u="sng" dirty="0" smtClean="0"/>
-              <a:t>solicitação</a:t>
-            </a:r>
-            <a:r>
-              <a:rPr lang="pt-BR" dirty="0" smtClean="0"/>
-              <a:t> do </a:t>
-            </a:r>
-            <a:r>
-              <a:rPr lang="pt-BR" u="sng" dirty="0" smtClean="0"/>
-              <a:t>comandante da polícia</a:t>
-            </a:r>
-            <a:r>
-              <a:rPr lang="pt-BR" dirty="0" smtClean="0"/>
-              <a:t>. </a:t>
-            </a:r>
-          </a:p>
-          <a:p>
-            <a:endParaRPr lang="pt-BR" dirty="0" smtClean="0"/>
-          </a:p>
-          <a:p>
-            <a:r>
-              <a:rPr lang="pt-BR" b="1" dirty="0"/>
-              <a:t>Resultado</a:t>
-            </a:r>
-            <a:r>
-              <a:rPr lang="pt-BR" dirty="0"/>
-              <a:t>: </a:t>
-            </a:r>
-            <a:r>
-              <a:rPr lang="pt-BR" u="sng" dirty="0" smtClean="0"/>
-              <a:t>municiopio</a:t>
-            </a:r>
-            <a:r>
-              <a:rPr lang="pt-BR" dirty="0" smtClean="0"/>
-              <a:t> , </a:t>
-            </a:r>
-            <a:r>
-              <a:rPr lang="pt-BR" u="sng" dirty="0" smtClean="0"/>
-              <a:t>comando da polícia local </a:t>
-            </a:r>
-            <a:r>
-              <a:rPr lang="pt-BR" dirty="0" smtClean="0"/>
-              <a:t>, base </a:t>
-            </a:r>
-            <a:r>
-              <a:rPr lang="pt-BR" dirty="0"/>
-              <a:t>de dados, </a:t>
-            </a:r>
-            <a:r>
-              <a:rPr lang="pt-BR" dirty="0" smtClean="0"/>
-              <a:t>criminosos, vítimas</a:t>
-            </a:r>
-            <a:r>
-              <a:rPr lang="pt-BR" dirty="0"/>
-              <a:t>, armas, crime, julgamento, sistema, relatórios, estatísticas e </a:t>
-            </a:r>
-            <a:r>
-              <a:rPr lang="pt-BR" u="sng" dirty="0" smtClean="0"/>
-              <a:t>comandante da polícia </a:t>
+          <a:bodyPr/>
+          <a:lstStyle/>
+          <a:p>
+            <a:r>
+              <a:rPr lang="pt-BR" i="1" dirty="0"/>
+              <a:t>Leia os requisitos e </a:t>
+            </a:r>
+            <a:r>
+              <a:rPr lang="pt-BR" i="1" dirty="0" smtClean="0"/>
+              <a:t>sublinhe todos </a:t>
+            </a:r>
+            <a:r>
+              <a:rPr lang="pt-BR" i="1" dirty="0"/>
+              <a:t>os substantivos que designem coisas </a:t>
+            </a:r>
+            <a:r>
+              <a:rPr lang="pt-BR" i="1" dirty="0" smtClean="0"/>
+              <a:t>do mundo </a:t>
+            </a:r>
+            <a:r>
+              <a:rPr lang="pt-BR" i="1" dirty="0"/>
+              <a:t>real, tais como pessoas, documentos, objetos, etc.</a:t>
             </a:r>
             <a:endParaRPr lang="it-IT" dirty="0"/>
           </a:p>
@@ -4201,7 +5103,7 @@
     </p:spTree>
     <p:extLst>
       <p:ext uri="{BB962C8B-B14F-4D97-AF65-F5344CB8AC3E}">
-        <p14:creationId xmlns:p14="http://schemas.microsoft.com/office/powerpoint/2010/main" val="165251240"/>
+        <p14:creationId xmlns:p14="http://schemas.microsoft.com/office/powerpoint/2010/main" val="1239428004"/>
       </p:ext>
     </p:extLst>
   </p:cSld>
@@ -4238,375 +5140,246 @@
             <p:ph type="title"/>
           </p:nvPr>
         </p:nvSpPr>
-        <p:spPr>
-          <a:xfrm>
-            <a:off x="1096384" y="3420297"/>
-            <a:ext cx="10515600" cy="1325563"/>
-          </a:xfrm>
-        </p:spPr>
+        <p:spPr/>
         <p:txBody>
           <a:bodyPr>
-            <a:noAutofit/>
-          </a:bodyPr>
-          <a:lstStyle/>
-          <a:p>
-            <a:r>
-              <a:rPr lang="pt-BR" sz="3200" b="1" dirty="0"/>
-              <a:t>3º Passo - Descartar substantivos que servem apenas para </a:t>
-            </a:r>
-            <a:r>
-              <a:rPr lang="pt-BR" sz="3200" b="1" dirty="0" smtClean="0"/>
-              <a:t>entendimento </a:t>
-            </a:r>
-            <a:r>
-              <a:rPr lang="it-IT" sz="3200" b="1" dirty="0" smtClean="0"/>
-              <a:t>do </a:t>
-            </a:r>
-            <a:r>
-              <a:rPr lang="it-IT" sz="3200" b="1" dirty="0"/>
-              <a:t>problema</a:t>
-            </a:r>
-            <a:endParaRPr lang="it-IT" sz="3200" dirty="0"/>
-          </a:p>
-        </p:txBody>
-      </p:sp>
-      <p:sp>
-        <p:nvSpPr>
-          <p:cNvPr id="3" name="Segnaposto contenuto 2"/>
-          <p:cNvSpPr>
-            <a:spLocks noGrp="1"/>
-          </p:cNvSpPr>
-          <p:nvPr>
-            <p:ph idx="1"/>
-          </p:nvPr>
-        </p:nvSpPr>
-        <p:spPr>
-          <a:xfrm>
-            <a:off x="838200" y="1825625"/>
-            <a:ext cx="10515600" cy="1799702"/>
-          </a:xfrm>
-        </p:spPr>
-        <p:txBody>
-          <a:bodyPr/>
-          <a:lstStyle/>
-          <a:p>
-            <a:r>
-              <a:rPr lang="pt-BR" b="1" dirty="0" smtClean="0"/>
-              <a:t>Resultado</a:t>
-            </a:r>
-            <a:r>
-              <a:rPr lang="pt-BR" dirty="0" smtClean="0"/>
-              <a:t>: </a:t>
-            </a:r>
-            <a:r>
-              <a:rPr lang="pt-BR" strike="sngStrike" dirty="0" smtClean="0"/>
-              <a:t>municiopio , comando da polícia local </a:t>
-            </a:r>
-            <a:r>
-              <a:rPr lang="pt-BR" dirty="0" smtClean="0"/>
-              <a:t>, base de dados, criminosos, vítimas, armas, crime, julgamento, sistema, relatórios, estatísticas e </a:t>
-            </a:r>
-            <a:r>
-              <a:rPr lang="pt-BR" strike="sngStrike" dirty="0" smtClean="0"/>
-              <a:t>comandante da polícia </a:t>
-            </a:r>
-            <a:endParaRPr lang="it-IT" strike="sngStrike" dirty="0" smtClean="0"/>
-          </a:p>
-          <a:p>
-            <a:endParaRPr lang="it-IT" dirty="0"/>
-          </a:p>
-        </p:txBody>
-      </p:sp>
-      <p:sp>
-        <p:nvSpPr>
-          <p:cNvPr id="4" name="Titolo 1"/>
-          <p:cNvSpPr txBox="1">
-            <a:spLocks/>
-          </p:cNvSpPr>
-          <p:nvPr/>
-        </p:nvSpPr>
-        <p:spPr>
-          <a:xfrm>
-            <a:off x="990600" y="517525"/>
-            <a:ext cx="10515600" cy="1325563"/>
-          </a:xfrm>
-          <a:prstGeom prst="rect">
-            <a:avLst/>
-          </a:prstGeom>
-        </p:spPr>
-        <p:txBody>
-          <a:bodyPr vert="horz" lIns="91440" tIns="45720" rIns="91440" bIns="45720" rtlCol="0" anchor="ctr">
-            <a:noAutofit/>
-          </a:bodyPr>
-          <a:lstStyle>
-            <a:lvl1pPr algn="l" defTabSz="914400" rtl="0" eaLnBrk="1" latinLnBrk="0" hangingPunct="1">
-              <a:lnSpc>
-                <a:spcPct val="90000"/>
-              </a:lnSpc>
-              <a:spcBef>
-                <a:spcPct val="0"/>
-              </a:spcBef>
-              <a:buNone/>
-              <a:defRPr sz="4400" kern="1200">
-                <a:solidFill>
-                  <a:schemeClr val="tx1"/>
-                </a:solidFill>
-                <a:latin typeface="+mj-lt"/>
-                <a:ea typeface="+mj-ea"/>
-                <a:cs typeface="+mj-cs"/>
-              </a:defRPr>
-            </a:lvl1pPr>
-          </a:lstStyle>
-          <a:p>
-            <a:r>
-              <a:rPr lang="pt-BR" sz="3200" b="1" smtClean="0"/>
-              <a:t>2º Passo - Descartar substantivos que como ENTIDADE teriam </a:t>
-            </a:r>
-            <a:r>
-              <a:rPr lang="pt-BR" sz="3200" b="1" u="sng" smtClean="0"/>
-              <a:t>apenas uma ocorrência </a:t>
-            </a:r>
-            <a:r>
-              <a:rPr lang="pt-BR" sz="3200" b="1" smtClean="0"/>
-              <a:t>na base de dados</a:t>
-            </a:r>
-            <a:endParaRPr lang="it-IT" sz="3200" dirty="0"/>
-          </a:p>
-        </p:txBody>
-      </p:sp>
-      <p:sp>
-        <p:nvSpPr>
-          <p:cNvPr id="5" name="Segnaposto contenuto 2"/>
-          <p:cNvSpPr txBox="1">
-            <a:spLocks/>
-          </p:cNvSpPr>
-          <p:nvPr/>
-        </p:nvSpPr>
-        <p:spPr>
-          <a:xfrm>
-            <a:off x="838200" y="4850317"/>
-            <a:ext cx="10515600" cy="1799702"/>
-          </a:xfrm>
-          <a:prstGeom prst="rect">
-            <a:avLst/>
-          </a:prstGeom>
-        </p:spPr>
-        <p:txBody>
-          <a:bodyPr vert="horz" lIns="91440" tIns="45720" rIns="91440" bIns="45720" rtlCol="0">
             <a:normAutofit/>
           </a:bodyPr>
-          <a:lstStyle>
-            <a:lvl1pPr marL="228600" indent="-228600" algn="l" defTabSz="914400" rtl="0" eaLnBrk="1" latinLnBrk="0" hangingPunct="1">
-              <a:lnSpc>
-                <a:spcPct val="90000"/>
-              </a:lnSpc>
-              <a:spcBef>
-                <a:spcPts val="1000"/>
-              </a:spcBef>
-              <a:buFont typeface="Arial" panose="020B0604020202020204" pitchFamily="34" charset="0"/>
-              <a:buChar char="•"/>
-              <a:defRPr sz="2800" kern="1200">
-                <a:solidFill>
-                  <a:schemeClr val="tx1"/>
-                </a:solidFill>
-                <a:latin typeface="+mn-lt"/>
-                <a:ea typeface="+mn-ea"/>
-                <a:cs typeface="+mn-cs"/>
-              </a:defRPr>
-            </a:lvl1pPr>
-            <a:lvl2pPr marL="685800" indent="-228600" algn="l" defTabSz="914400" rtl="0" eaLnBrk="1" latinLnBrk="0" hangingPunct="1">
-              <a:lnSpc>
-                <a:spcPct val="90000"/>
-              </a:lnSpc>
-              <a:spcBef>
-                <a:spcPts val="500"/>
-              </a:spcBef>
-              <a:buFont typeface="Arial" panose="020B0604020202020204" pitchFamily="34" charset="0"/>
-              <a:buChar char="•"/>
-              <a:defRPr sz="2400" kern="1200">
-                <a:solidFill>
-                  <a:schemeClr val="tx1"/>
-                </a:solidFill>
-                <a:latin typeface="+mn-lt"/>
-                <a:ea typeface="+mn-ea"/>
-                <a:cs typeface="+mn-cs"/>
-              </a:defRPr>
-            </a:lvl2pPr>
-            <a:lvl3pPr marL="1143000" indent="-228600" algn="l" defTabSz="914400" rtl="0" eaLnBrk="1" latinLnBrk="0" hangingPunct="1">
-              <a:lnSpc>
-                <a:spcPct val="90000"/>
-              </a:lnSpc>
-              <a:spcBef>
-                <a:spcPts val="500"/>
-              </a:spcBef>
-              <a:buFont typeface="Arial" panose="020B0604020202020204" pitchFamily="34" charset="0"/>
-              <a:buChar char="•"/>
-              <a:defRPr sz="2000" kern="1200">
-                <a:solidFill>
-                  <a:schemeClr val="tx1"/>
-                </a:solidFill>
-                <a:latin typeface="+mn-lt"/>
-                <a:ea typeface="+mn-ea"/>
-                <a:cs typeface="+mn-cs"/>
-              </a:defRPr>
-            </a:lvl3pPr>
-            <a:lvl4pPr marL="1600200" indent="-228600" algn="l" defTabSz="914400" rtl="0" eaLnBrk="1" latinLnBrk="0" hangingPunct="1">
-              <a:lnSpc>
-                <a:spcPct val="90000"/>
-              </a:lnSpc>
-              <a:spcBef>
-                <a:spcPts val="500"/>
-              </a:spcBef>
-              <a:buFont typeface="Arial" panose="020B0604020202020204" pitchFamily="34" charset="0"/>
-              <a:buChar char="•"/>
-              <a:defRPr sz="1800" kern="1200">
-                <a:solidFill>
-                  <a:schemeClr val="tx1"/>
-                </a:solidFill>
-                <a:latin typeface="+mn-lt"/>
-                <a:ea typeface="+mn-ea"/>
-                <a:cs typeface="+mn-cs"/>
-              </a:defRPr>
-            </a:lvl4pPr>
-            <a:lvl5pPr marL="2057400" indent="-228600" algn="l" defTabSz="914400" rtl="0" eaLnBrk="1" latinLnBrk="0" hangingPunct="1">
-              <a:lnSpc>
-                <a:spcPct val="90000"/>
-              </a:lnSpc>
-              <a:spcBef>
-                <a:spcPts val="500"/>
-              </a:spcBef>
-              <a:buFont typeface="Arial" panose="020B0604020202020204" pitchFamily="34" charset="0"/>
-              <a:buChar char="•"/>
-              <a:defRPr sz="1800" kern="1200">
-                <a:solidFill>
-                  <a:schemeClr val="tx1"/>
-                </a:solidFill>
-                <a:latin typeface="+mn-lt"/>
-                <a:ea typeface="+mn-ea"/>
-                <a:cs typeface="+mn-cs"/>
-              </a:defRPr>
-            </a:lvl5pPr>
-            <a:lvl6pPr marL="2514600" indent="-228600" algn="l" defTabSz="914400" rtl="0" eaLnBrk="1" latinLnBrk="0" hangingPunct="1">
-              <a:lnSpc>
-                <a:spcPct val="90000"/>
-              </a:lnSpc>
-              <a:spcBef>
-                <a:spcPts val="500"/>
-              </a:spcBef>
-              <a:buFont typeface="Arial" panose="020B0604020202020204" pitchFamily="34" charset="0"/>
-              <a:buChar char="•"/>
-              <a:defRPr sz="1800" kern="1200">
-                <a:solidFill>
-                  <a:schemeClr val="tx1"/>
-                </a:solidFill>
-                <a:latin typeface="+mn-lt"/>
-                <a:ea typeface="+mn-ea"/>
-                <a:cs typeface="+mn-cs"/>
-              </a:defRPr>
-            </a:lvl6pPr>
-            <a:lvl7pPr marL="2971800" indent="-228600" algn="l" defTabSz="914400" rtl="0" eaLnBrk="1" latinLnBrk="0" hangingPunct="1">
-              <a:lnSpc>
-                <a:spcPct val="90000"/>
-              </a:lnSpc>
-              <a:spcBef>
-                <a:spcPts val="500"/>
-              </a:spcBef>
-              <a:buFont typeface="Arial" panose="020B0604020202020204" pitchFamily="34" charset="0"/>
-              <a:buChar char="•"/>
-              <a:defRPr sz="1800" kern="1200">
-                <a:solidFill>
-                  <a:schemeClr val="tx1"/>
-                </a:solidFill>
-                <a:latin typeface="+mn-lt"/>
-                <a:ea typeface="+mn-ea"/>
-                <a:cs typeface="+mn-cs"/>
-              </a:defRPr>
-            </a:lvl7pPr>
-            <a:lvl8pPr marL="3429000" indent="-228600" algn="l" defTabSz="914400" rtl="0" eaLnBrk="1" latinLnBrk="0" hangingPunct="1">
-              <a:lnSpc>
-                <a:spcPct val="90000"/>
-              </a:lnSpc>
-              <a:spcBef>
-                <a:spcPts val="500"/>
-              </a:spcBef>
-              <a:buFont typeface="Arial" panose="020B0604020202020204" pitchFamily="34" charset="0"/>
-              <a:buChar char="•"/>
-              <a:defRPr sz="1800" kern="1200">
-                <a:solidFill>
-                  <a:schemeClr val="tx1"/>
-                </a:solidFill>
-                <a:latin typeface="+mn-lt"/>
-                <a:ea typeface="+mn-ea"/>
-                <a:cs typeface="+mn-cs"/>
-              </a:defRPr>
-            </a:lvl8pPr>
-            <a:lvl9pPr marL="3886200" indent="-228600" algn="l" defTabSz="914400" rtl="0" eaLnBrk="1" latinLnBrk="0" hangingPunct="1">
-              <a:lnSpc>
-                <a:spcPct val="90000"/>
-              </a:lnSpc>
-              <a:spcBef>
-                <a:spcPts val="500"/>
-              </a:spcBef>
-              <a:buFont typeface="Arial" panose="020B0604020202020204" pitchFamily="34" charset="0"/>
-              <a:buChar char="•"/>
-              <a:defRPr sz="1800" kern="1200">
-                <a:solidFill>
-                  <a:schemeClr val="tx1"/>
-                </a:solidFill>
-                <a:latin typeface="+mn-lt"/>
-                <a:ea typeface="+mn-ea"/>
-                <a:cs typeface="+mn-cs"/>
-              </a:defRPr>
-            </a:lvl9pPr>
-          </a:lstStyle>
-          <a:p>
-            <a:r>
-              <a:rPr lang="pt-BR" b="1" dirty="0" smtClean="0"/>
+          <a:lstStyle/>
+          <a:p>
+            <a:pPr algn="ctr"/>
+            <a:r>
+              <a:rPr lang="pt-BR" sz="3200" b="1" dirty="0" smtClean="0">
+                <a:solidFill>
+                  <a:srgbClr val="FF0000"/>
+                </a:solidFill>
+              </a:rPr>
+              <a:t>Enunciado</a:t>
+            </a:r>
+            <a:endParaRPr lang="it-IT" sz="3200" dirty="0">
+              <a:solidFill>
+                <a:srgbClr val="FF0000"/>
+              </a:solidFill>
+            </a:endParaRPr>
+          </a:p>
+        </p:txBody>
+      </p:sp>
+      <p:sp>
+        <p:nvSpPr>
+          <p:cNvPr id="3" name="Segnaposto contenuto 2"/>
+          <p:cNvSpPr>
+            <a:spLocks noGrp="1"/>
+          </p:cNvSpPr>
+          <p:nvPr>
+            <p:ph idx="1"/>
+          </p:nvPr>
+        </p:nvSpPr>
+        <p:spPr/>
+        <p:txBody>
+          <a:bodyPr>
+            <a:normAutofit fontScale="62500" lnSpcReduction="20000"/>
+          </a:bodyPr>
+          <a:lstStyle/>
+          <a:p>
+            <a:pPr marL="0" indent="0">
+              <a:buNone/>
+            </a:pPr>
+            <a:r>
+              <a:rPr lang="pt-BR" dirty="0" smtClean="0"/>
+              <a:t>Um  </a:t>
+            </a:r>
+            <a:r>
+              <a:rPr lang="pt-BR" u="sng" dirty="0" smtClean="0"/>
+              <a:t>municiopio</a:t>
+            </a:r>
+            <a:r>
+              <a:rPr lang="pt-BR" dirty="0" smtClean="0"/>
+              <a:t> resolveu informatizar o </a:t>
+            </a:r>
+            <a:r>
+              <a:rPr lang="pt-BR" u="sng" dirty="0" smtClean="0"/>
+              <a:t>comando da polícia local </a:t>
+            </a:r>
+            <a:r>
+              <a:rPr lang="pt-BR" dirty="0" smtClean="0"/>
+              <a:t>e criar uma </a:t>
+            </a:r>
+            <a:r>
+              <a:rPr lang="pt-BR" u="sng" dirty="0" smtClean="0"/>
+              <a:t>base de dados </a:t>
+            </a:r>
+            <a:r>
+              <a:rPr lang="pt-BR" dirty="0" smtClean="0"/>
+              <a:t>os </a:t>
+            </a:r>
+            <a:r>
+              <a:rPr lang="pt-BR" u="sng" dirty="0" smtClean="0"/>
+              <a:t>criminosos</a:t>
+            </a:r>
+            <a:r>
+              <a:rPr lang="pt-BR" dirty="0" smtClean="0"/>
+              <a:t> deverão ser registados,  as </a:t>
+            </a:r>
+            <a:r>
+              <a:rPr lang="pt-BR" u="sng" dirty="0" smtClean="0"/>
+              <a:t>vítimas</a:t>
+            </a:r>
+            <a:r>
+              <a:rPr lang="pt-BR" dirty="0" smtClean="0"/>
+              <a:t> também deverão ser cadastradas. </a:t>
+            </a:r>
+          </a:p>
+          <a:p>
+            <a:pPr marL="0" indent="0">
+              <a:buNone/>
+            </a:pPr>
+            <a:r>
+              <a:rPr lang="pt-BR" dirty="0" smtClean="0"/>
+              <a:t>No caso de criminosos que utilizem </a:t>
+            </a:r>
+            <a:r>
+              <a:rPr lang="pt-BR" u="sng" dirty="0" smtClean="0"/>
+              <a:t>armas</a:t>
+            </a:r>
+            <a:r>
+              <a:rPr lang="pt-BR" dirty="0" smtClean="0"/>
+              <a:t>, estas deverão ser cadastradas e relacionadas ao crime cometido para possível utilização no </a:t>
+            </a:r>
+            <a:r>
+              <a:rPr lang="pt-BR" u="sng" dirty="0" smtClean="0"/>
+              <a:t>julgamento</a:t>
+            </a:r>
+            <a:r>
+              <a:rPr lang="pt-BR" dirty="0" smtClean="0"/>
+              <a:t> do criminoso.</a:t>
+            </a:r>
+          </a:p>
+          <a:p>
+            <a:pPr marL="0" indent="0">
+              <a:buNone/>
+            </a:pPr>
+            <a:r>
+              <a:rPr lang="pt-BR" dirty="0" smtClean="0"/>
+              <a:t>O </a:t>
+            </a:r>
+            <a:r>
+              <a:rPr lang="pt-BR" u="sng" dirty="0" smtClean="0"/>
+              <a:t>sistema</a:t>
+            </a:r>
+            <a:r>
+              <a:rPr lang="pt-BR" dirty="0" smtClean="0"/>
+              <a:t>, além de fornecer dados pessoais dos criminosos, das vítimas e das armas, também deve possibilitar saber: </a:t>
+            </a:r>
+          </a:p>
+          <a:p>
+            <a:pPr marL="0" indent="0">
+              <a:buNone/>
+            </a:pPr>
+            <a:r>
+              <a:rPr lang="pt-BR" dirty="0" smtClean="0"/>
+              <a:t>=&gt;Quais crimes um determinado criminoso cometeu, lembrando que um crime pode ser cometido por mais de um criminoso;</a:t>
+            </a:r>
+          </a:p>
+          <a:p>
+            <a:pPr marL="0" indent="0">
+              <a:buNone/>
+            </a:pPr>
+            <a:r>
+              <a:rPr lang="pt-BR" dirty="0" smtClean="0"/>
+              <a:t>=&gt;Quais crimes uma determinada vítima sofreu, lembrando que várias vítimas podem ter sofrido um mesmo crime; </a:t>
+            </a:r>
+          </a:p>
+          <a:p>
+            <a:pPr marL="0" indent="0">
+              <a:buNone/>
+            </a:pPr>
+            <a:endParaRPr lang="pt-BR" dirty="0" smtClean="0"/>
+          </a:p>
+          <a:p>
+            <a:pPr marL="0" indent="0">
+              <a:buNone/>
+            </a:pPr>
+            <a:r>
+              <a:rPr lang="pt-BR" dirty="0" smtClean="0"/>
+              <a:t>Após o sistema ser colocado em produção serão definidos </a:t>
+            </a:r>
+            <a:r>
+              <a:rPr lang="pt-BR" u="sng" dirty="0" smtClean="0"/>
+              <a:t>relatórios</a:t>
+            </a:r>
+            <a:r>
+              <a:rPr lang="pt-BR" dirty="0" smtClean="0"/>
+              <a:t> e </a:t>
+            </a:r>
+            <a:r>
+              <a:rPr lang="pt-BR" u="sng" dirty="0" smtClean="0"/>
+              <a:t>estatísticas </a:t>
+            </a:r>
+            <a:r>
+              <a:rPr lang="pt-BR" dirty="0" smtClean="0"/>
+              <a:t>de acordo com a </a:t>
+            </a:r>
+            <a:r>
+              <a:rPr lang="pt-BR" u="sng" dirty="0" smtClean="0"/>
+              <a:t>solicitação</a:t>
+            </a:r>
+            <a:r>
+              <a:rPr lang="pt-BR" dirty="0" smtClean="0"/>
+              <a:t> do </a:t>
+            </a:r>
+            <a:r>
+              <a:rPr lang="pt-BR" u="sng" dirty="0" smtClean="0"/>
+              <a:t>comandante da polícia</a:t>
+            </a:r>
+            <a:r>
+              <a:rPr lang="pt-BR" dirty="0" smtClean="0"/>
+              <a:t>. </a:t>
+            </a:r>
+          </a:p>
+          <a:p>
+            <a:endParaRPr lang="pt-BR" dirty="0" smtClean="0"/>
+          </a:p>
+          <a:p>
+            <a:r>
+              <a:rPr lang="pt-BR" b="1" dirty="0"/>
               <a:t>Resultado</a:t>
             </a:r>
             <a:r>
+              <a:rPr lang="pt-BR" dirty="0"/>
+              <a:t>: </a:t>
+            </a:r>
+            <a:r>
+              <a:rPr lang="pt-BR" u="sng" dirty="0" smtClean="0"/>
+              <a:t>municiopio</a:t>
+            </a:r>
+            <a:r>
               <a:rPr lang="pt-BR" dirty="0" smtClean="0"/>
-              <a:t>: </a:t>
-            </a:r>
-            <a:r>
-              <a:rPr lang="pt-BR" strike="sngStrike" dirty="0" smtClean="0"/>
-              <a:t>municiopio , comando da polícia local </a:t>
+              <a:t> , </a:t>
+            </a:r>
+            <a:r>
+              <a:rPr lang="pt-BR" u="sng" dirty="0" smtClean="0"/>
+              <a:t>comando da polícia local </a:t>
             </a:r>
             <a:r>
               <a:rPr lang="pt-BR" dirty="0" smtClean="0"/>
-              <a:t>, </a:t>
-            </a:r>
-            <a:r>
-              <a:rPr lang="pt-BR" strike="sngStrike" dirty="0" smtClean="0">
-                <a:solidFill>
-                  <a:srgbClr val="FF0000"/>
-                </a:solidFill>
-              </a:rPr>
-              <a:t>base de dados</a:t>
+              <a:t>, base </a:t>
+            </a:r>
+            <a:r>
+              <a:rPr lang="pt-BR" dirty="0"/>
+              <a:t>de dados, </a:t>
             </a:r>
             <a:r>
               <a:rPr lang="pt-BR" dirty="0" smtClean="0"/>
-              <a:t>, criminosos, vítimas, armas, crime, </a:t>
-            </a:r>
-            <a:r>
-              <a:rPr lang="pt-BR" strike="sngStrike" dirty="0" smtClean="0">
-                <a:solidFill>
-                  <a:srgbClr val="FF0000"/>
-                </a:solidFill>
-              </a:rPr>
-              <a:t>julgamento, sistema</a:t>
-            </a:r>
-            <a:r>
-              <a:rPr lang="pt-BR" dirty="0" smtClean="0"/>
-              <a:t>, relatórios, estatísticas e </a:t>
-            </a:r>
-            <a:r>
-              <a:rPr lang="pt-BR" strike="sngStrike" dirty="0" smtClean="0"/>
+              <a:t>criminosos, vítimas</a:t>
+            </a:r>
+            <a:r>
+              <a:rPr lang="pt-BR" dirty="0"/>
+              <a:t>, armas, crime, julgamento, sistema, relatórios, estatísticas e </a:t>
+            </a:r>
+            <a:r>
+              <a:rPr lang="pt-BR" u="sng" dirty="0" smtClean="0"/>
               <a:t>comandante da polícia </a:t>
             </a:r>
-            <a:endParaRPr lang="it-IT" strike="sngStrike" dirty="0" smtClean="0"/>
-          </a:p>
-          <a:p>
             <a:endParaRPr lang="it-IT" dirty="0"/>
           </a:p>
         </p:txBody>
@@ -4614,7 +5387,7 @@
     </p:spTree>
     <p:extLst>
       <p:ext uri="{BB962C8B-B14F-4D97-AF65-F5344CB8AC3E}">
-        <p14:creationId xmlns:p14="http://schemas.microsoft.com/office/powerpoint/2010/main" val="4193217296"/>
+        <p14:creationId xmlns:p14="http://schemas.microsoft.com/office/powerpoint/2010/main" val="165251240"/>
       </p:ext>
     </p:extLst>
   </p:cSld>
@@ -4651,23 +5424,27 @@
             <p:ph type="title"/>
           </p:nvPr>
         </p:nvSpPr>
-        <p:spPr>
-          <a:xfrm>
-            <a:off x="914400" y="3301962"/>
-            <a:ext cx="10515600" cy="1325563"/>
-          </a:xfrm>
-        </p:spPr>
+        <p:spPr/>
         <p:txBody>
           <a:bodyPr>
-            <a:noAutofit/>
+            <a:normAutofit/>
           </a:bodyPr>
           <a:lstStyle/>
           <a:p>
-            <a:r>
-              <a:rPr lang="pt-BR" sz="3200" b="1" dirty="0"/>
-              <a:t>5º Passo - Listar os substantivos que se tornarão ENTIDADES</a:t>
-            </a:r>
-            <a:endParaRPr lang="it-IT" sz="3200" dirty="0"/>
+            <a:pPr algn="ctr"/>
+            <a:r>
+              <a:rPr lang="pt-BR" sz="3200" b="1" dirty="0" smtClean="0">
+                <a:solidFill>
+                  <a:srgbClr val="FF0000"/>
+                </a:solidFill>
+              </a:rPr>
+              <a:t>Enunciado</a:t>
+            </a:r>
+            <a:endParaRPr lang="it-IT" sz="3200" dirty="0">
+              <a:solidFill>
+                <a:srgbClr val="FF0000"/>
+              </a:solidFill>
+            </a:endParaRPr>
           </a:p>
         </p:txBody>
       </p:sp>
@@ -4681,579 +5458,194 @@
             <p:ph idx="1"/>
           </p:nvPr>
         </p:nvSpPr>
-        <p:spPr>
-          <a:xfrm>
-            <a:off x="838200" y="1825625"/>
-            <a:ext cx="10515600" cy="1799702"/>
-          </a:xfrm>
-        </p:spPr>
-        <p:txBody>
-          <a:bodyPr/>
-          <a:lstStyle/>
+        <p:spPr/>
+        <p:txBody>
+          <a:bodyPr>
+            <a:normAutofit fontScale="70000" lnSpcReduction="20000"/>
+          </a:bodyPr>
+          <a:lstStyle/>
+          <a:p>
+            <a:r>
+              <a:rPr lang="pt-BR" dirty="0"/>
+              <a:t>Um  </a:t>
+            </a:r>
+            <a:r>
+              <a:rPr lang="pt-BR" u="sng" dirty="0"/>
+              <a:t>municiopio</a:t>
+            </a:r>
+            <a:r>
+              <a:rPr lang="pt-BR" dirty="0"/>
+              <a:t> resolveu informatizar o </a:t>
+            </a:r>
+            <a:r>
+              <a:rPr lang="pt-BR" u="sng" dirty="0"/>
+              <a:t>comando da polícia </a:t>
+            </a:r>
+            <a:r>
+              <a:rPr lang="pt-BR" dirty="0"/>
+              <a:t>local e criar </a:t>
+            </a:r>
+            <a:r>
+              <a:rPr lang="pt-BR" u="sng" dirty="0"/>
+              <a:t>uma base de dados  </a:t>
+            </a:r>
+            <a:r>
+              <a:rPr lang="pt-BR" dirty="0"/>
+              <a:t>ondes </a:t>
+            </a:r>
+            <a:r>
+              <a:rPr lang="pt-BR" u="sng" dirty="0"/>
+              <a:t>os criminosos</a:t>
+            </a:r>
+            <a:r>
+              <a:rPr lang="pt-BR" dirty="0"/>
+              <a:t>, </a:t>
+            </a:r>
+            <a:r>
+              <a:rPr lang="pt-BR" u="sng" dirty="0"/>
+              <a:t>os crimes </a:t>
+            </a:r>
+            <a:r>
+              <a:rPr lang="pt-BR" dirty="0"/>
+              <a:t>e  </a:t>
+            </a:r>
+            <a:r>
+              <a:rPr lang="pt-BR" u="sng" dirty="0"/>
+              <a:t>as vítimas </a:t>
+            </a:r>
+            <a:r>
+              <a:rPr lang="pt-BR" dirty="0"/>
+              <a:t>deverão ser registados. </a:t>
+            </a:r>
+          </a:p>
+          <a:p>
+            <a:r>
+              <a:rPr lang="pt-BR" dirty="0"/>
+              <a:t>No caso de criminosos que utilizem </a:t>
+            </a:r>
+            <a:r>
+              <a:rPr lang="pt-BR" u="sng" dirty="0"/>
+              <a:t>armas,</a:t>
+            </a:r>
+            <a:r>
+              <a:rPr lang="pt-BR" dirty="0"/>
+              <a:t> estas deverão ser registadas e relacionadas ao crime cometido para possível utilização no </a:t>
+            </a:r>
+            <a:r>
+              <a:rPr lang="pt-BR" u="sng" dirty="0"/>
+              <a:t>julgamento</a:t>
+            </a:r>
+            <a:r>
+              <a:rPr lang="pt-BR" dirty="0"/>
+              <a:t> do criminoso.</a:t>
+            </a:r>
+          </a:p>
+          <a:p>
+            <a:r>
+              <a:rPr lang="pt-BR" dirty="0"/>
+              <a:t>O </a:t>
+            </a:r>
+            <a:r>
+              <a:rPr lang="pt-BR" u="sng" dirty="0"/>
+              <a:t>sistema</a:t>
+            </a:r>
+            <a:r>
+              <a:rPr lang="pt-BR" dirty="0"/>
+              <a:t>, além de fornecer dados pessoais dos criminosos, das vítimas e das armas, também deve possibilitar saber: </a:t>
+            </a:r>
+          </a:p>
+          <a:p>
+            <a:pPr lvl="1">
+              <a:buFont typeface="Wingdings" panose="05000000000000000000" pitchFamily="2" charset="2"/>
+              <a:buChar char="ü"/>
+            </a:pPr>
+            <a:r>
+              <a:rPr lang="pt-BR" sz="2900" dirty="0"/>
+              <a:t>Quais crimes um determinado criminoso cometeu, lembrando que um crime pode ser cometido por mais de um criminoso;</a:t>
+            </a:r>
+          </a:p>
+          <a:p>
+            <a:pPr lvl="1">
+              <a:buFont typeface="Wingdings" panose="05000000000000000000" pitchFamily="2" charset="2"/>
+              <a:buChar char="ü"/>
+            </a:pPr>
+            <a:r>
+              <a:rPr lang="pt-BR" sz="2900" dirty="0"/>
+              <a:t>Quais crimes uma determinada vítima sofreu, lembrando que várias vítimas podem ter sofrido um mesmo crime; </a:t>
+            </a:r>
+          </a:p>
+          <a:p>
+            <a:pPr marL="0" indent="0">
+              <a:buNone/>
+            </a:pPr>
+            <a:r>
+              <a:rPr lang="pt-BR" dirty="0" smtClean="0"/>
+              <a:t>Após </a:t>
+            </a:r>
+            <a:r>
+              <a:rPr lang="pt-BR" dirty="0"/>
+              <a:t>o sistema ser colocado em produção serão definidos </a:t>
+            </a:r>
+            <a:r>
+              <a:rPr lang="pt-BR" u="sng" dirty="0"/>
+              <a:t>relatórios</a:t>
+            </a:r>
+            <a:r>
+              <a:rPr lang="pt-BR" dirty="0"/>
+              <a:t> e </a:t>
+            </a:r>
+            <a:r>
+              <a:rPr lang="pt-BR" u="sng" dirty="0"/>
+              <a:t>estatísticas </a:t>
+            </a:r>
+            <a:r>
+              <a:rPr lang="pt-BR" dirty="0"/>
+              <a:t>de acordo com a </a:t>
+            </a:r>
+            <a:r>
+              <a:rPr lang="pt-BR" u="sng" dirty="0"/>
+              <a:t>solicitação</a:t>
+            </a:r>
+            <a:r>
+              <a:rPr lang="pt-BR" dirty="0"/>
+              <a:t> do </a:t>
+            </a:r>
+            <a:r>
+              <a:rPr lang="pt-BR" u="sng" dirty="0"/>
+              <a:t>comandante da polícia</a:t>
+            </a:r>
+            <a:r>
+              <a:rPr lang="pt-BR" dirty="0"/>
+              <a:t>. </a:t>
+            </a:r>
+            <a:endParaRPr lang="pt-BR" dirty="0" smtClean="0"/>
+          </a:p>
+          <a:p>
+            <a:pPr marL="0" indent="0">
+              <a:buNone/>
+            </a:pPr>
+            <a:endParaRPr lang="pt-BR" dirty="0"/>
+          </a:p>
           <a:p>
             <a:r>
               <a:rPr lang="pt-BR" b="1" dirty="0" smtClean="0"/>
               <a:t>Resultado</a:t>
             </a:r>
             <a:r>
-              <a:rPr lang="pt-BR" dirty="0" smtClean="0"/>
-              <a:t>: </a:t>
-            </a:r>
-            <a:r>
-              <a:rPr lang="pt-BR" strike="sngStrike" dirty="0" smtClean="0"/>
-              <a:t>municiopio , comando da polícia local </a:t>
-            </a:r>
-            <a:r>
-              <a:rPr lang="pt-BR" dirty="0" smtClean="0"/>
-              <a:t>, base de dados, criminosos, vítimas, armas, crime, julgamento, sistema, </a:t>
-            </a:r>
-            <a:r>
-              <a:rPr lang="pt-BR" strike="sngStrike" dirty="0" smtClean="0">
-                <a:solidFill>
-                  <a:srgbClr val="C00000"/>
-                </a:solidFill>
-              </a:rPr>
-              <a:t>relatórios, estatística</a:t>
-            </a:r>
-            <a:r>
-              <a:rPr lang="pt-BR" dirty="0" smtClean="0"/>
-              <a:t>s e </a:t>
-            </a:r>
-            <a:r>
-              <a:rPr lang="pt-BR" strike="sngStrike" dirty="0" smtClean="0"/>
-              <a:t>comandante da polícia </a:t>
-            </a:r>
-            <a:endParaRPr lang="it-IT" strike="sngStrike" dirty="0" smtClean="0"/>
-          </a:p>
-          <a:p>
+              <a:rPr lang="pt-BR" dirty="0"/>
+              <a:t>: municiopio , comando da polícia local , base de dados, criminosos, vítimas, armas, crime, julgamento, sistema, relatórios, estatísticas e comandante da polícia </a:t>
+            </a:r>
             <a:endParaRPr lang="it-IT" dirty="0"/>
           </a:p>
-        </p:txBody>
-      </p:sp>
-      <p:sp>
-        <p:nvSpPr>
-          <p:cNvPr id="4" name="Titolo 1"/>
-          <p:cNvSpPr txBox="1">
-            <a:spLocks/>
-          </p:cNvSpPr>
-          <p:nvPr/>
-        </p:nvSpPr>
-        <p:spPr>
-          <a:xfrm>
-            <a:off x="990600" y="517525"/>
-            <a:ext cx="10515600" cy="1325563"/>
-          </a:xfrm>
-          <a:prstGeom prst="rect">
-            <a:avLst/>
-          </a:prstGeom>
-        </p:spPr>
-        <p:txBody>
-          <a:bodyPr vert="horz" lIns="91440" tIns="45720" rIns="91440" bIns="45720" rtlCol="0" anchor="ctr">
-            <a:noAutofit/>
-          </a:bodyPr>
-          <a:lstStyle>
-            <a:lvl1pPr algn="l" defTabSz="914400" rtl="0" eaLnBrk="1" latinLnBrk="0" hangingPunct="1">
-              <a:lnSpc>
-                <a:spcPct val="90000"/>
-              </a:lnSpc>
-              <a:spcBef>
-                <a:spcPct val="0"/>
-              </a:spcBef>
-              <a:buNone/>
-              <a:defRPr sz="4400" kern="1200">
-                <a:solidFill>
-                  <a:schemeClr val="tx1"/>
-                </a:solidFill>
-                <a:latin typeface="+mj-lt"/>
-                <a:ea typeface="+mj-ea"/>
-                <a:cs typeface="+mj-cs"/>
-              </a:defRPr>
-            </a:lvl1pPr>
-          </a:lstStyle>
-          <a:p>
-            <a:r>
-              <a:rPr lang="pt-BR" sz="3200" b="1" dirty="0"/>
-              <a:t>4º Passo - Descartar ENTIDADES que são referência a uma futura</a:t>
-            </a:r>
-          </a:p>
-          <a:p>
-            <a:r>
-              <a:rPr lang="it-IT" sz="3200" b="1" dirty="0" err="1"/>
-              <a:t>funcionalidade</a:t>
-            </a:r>
-            <a:r>
-              <a:rPr lang="it-IT" sz="3200" b="1" dirty="0"/>
-              <a:t> do sistema</a:t>
-            </a:r>
-            <a:endParaRPr lang="it-IT" sz="3200" dirty="0"/>
-          </a:p>
-        </p:txBody>
-      </p:sp>
-      <p:sp>
-        <p:nvSpPr>
-          <p:cNvPr id="5" name="Segnaposto contenuto 2"/>
-          <p:cNvSpPr txBox="1">
-            <a:spLocks/>
-          </p:cNvSpPr>
-          <p:nvPr/>
-        </p:nvSpPr>
-        <p:spPr>
-          <a:xfrm>
-            <a:off x="914400" y="4441526"/>
-            <a:ext cx="10515600" cy="1472752"/>
-          </a:xfrm>
-          <a:prstGeom prst="rect">
-            <a:avLst/>
-          </a:prstGeom>
-        </p:spPr>
-        <p:txBody>
-          <a:bodyPr vert="horz" lIns="91440" tIns="45720" rIns="91440" bIns="45720" rtlCol="0">
-            <a:normAutofit/>
-          </a:bodyPr>
-          <a:lstStyle>
-            <a:lvl1pPr marL="228600" indent="-228600" algn="l" defTabSz="914400" rtl="0" eaLnBrk="1" latinLnBrk="0" hangingPunct="1">
-              <a:lnSpc>
-                <a:spcPct val="90000"/>
-              </a:lnSpc>
-              <a:spcBef>
-                <a:spcPts val="1000"/>
-              </a:spcBef>
-              <a:buFont typeface="Arial" panose="020B0604020202020204" pitchFamily="34" charset="0"/>
-              <a:buChar char="•"/>
-              <a:defRPr sz="2800" kern="1200">
-                <a:solidFill>
-                  <a:schemeClr val="tx1"/>
-                </a:solidFill>
-                <a:latin typeface="+mn-lt"/>
-                <a:ea typeface="+mn-ea"/>
-                <a:cs typeface="+mn-cs"/>
-              </a:defRPr>
-            </a:lvl1pPr>
-            <a:lvl2pPr marL="685800" indent="-228600" algn="l" defTabSz="914400" rtl="0" eaLnBrk="1" latinLnBrk="0" hangingPunct="1">
-              <a:lnSpc>
-                <a:spcPct val="90000"/>
-              </a:lnSpc>
-              <a:spcBef>
-                <a:spcPts val="500"/>
-              </a:spcBef>
-              <a:buFont typeface="Arial" panose="020B0604020202020204" pitchFamily="34" charset="0"/>
-              <a:buChar char="•"/>
-              <a:defRPr sz="2400" kern="1200">
-                <a:solidFill>
-                  <a:schemeClr val="tx1"/>
-                </a:solidFill>
-                <a:latin typeface="+mn-lt"/>
-                <a:ea typeface="+mn-ea"/>
-                <a:cs typeface="+mn-cs"/>
-              </a:defRPr>
-            </a:lvl2pPr>
-            <a:lvl3pPr marL="1143000" indent="-228600" algn="l" defTabSz="914400" rtl="0" eaLnBrk="1" latinLnBrk="0" hangingPunct="1">
-              <a:lnSpc>
-                <a:spcPct val="90000"/>
-              </a:lnSpc>
-              <a:spcBef>
-                <a:spcPts val="500"/>
-              </a:spcBef>
-              <a:buFont typeface="Arial" panose="020B0604020202020204" pitchFamily="34" charset="0"/>
-              <a:buChar char="•"/>
-              <a:defRPr sz="2000" kern="1200">
-                <a:solidFill>
-                  <a:schemeClr val="tx1"/>
-                </a:solidFill>
-                <a:latin typeface="+mn-lt"/>
-                <a:ea typeface="+mn-ea"/>
-                <a:cs typeface="+mn-cs"/>
-              </a:defRPr>
-            </a:lvl3pPr>
-            <a:lvl4pPr marL="1600200" indent="-228600" algn="l" defTabSz="914400" rtl="0" eaLnBrk="1" latinLnBrk="0" hangingPunct="1">
-              <a:lnSpc>
-                <a:spcPct val="90000"/>
-              </a:lnSpc>
-              <a:spcBef>
-                <a:spcPts val="500"/>
-              </a:spcBef>
-              <a:buFont typeface="Arial" panose="020B0604020202020204" pitchFamily="34" charset="0"/>
-              <a:buChar char="•"/>
-              <a:defRPr sz="1800" kern="1200">
-                <a:solidFill>
-                  <a:schemeClr val="tx1"/>
-                </a:solidFill>
-                <a:latin typeface="+mn-lt"/>
-                <a:ea typeface="+mn-ea"/>
-                <a:cs typeface="+mn-cs"/>
-              </a:defRPr>
-            </a:lvl4pPr>
-            <a:lvl5pPr marL="2057400" indent="-228600" algn="l" defTabSz="914400" rtl="0" eaLnBrk="1" latinLnBrk="0" hangingPunct="1">
-              <a:lnSpc>
-                <a:spcPct val="90000"/>
-              </a:lnSpc>
-              <a:spcBef>
-                <a:spcPts val="500"/>
-              </a:spcBef>
-              <a:buFont typeface="Arial" panose="020B0604020202020204" pitchFamily="34" charset="0"/>
-              <a:buChar char="•"/>
-              <a:defRPr sz="1800" kern="1200">
-                <a:solidFill>
-                  <a:schemeClr val="tx1"/>
-                </a:solidFill>
-                <a:latin typeface="+mn-lt"/>
-                <a:ea typeface="+mn-ea"/>
-                <a:cs typeface="+mn-cs"/>
-              </a:defRPr>
-            </a:lvl5pPr>
-            <a:lvl6pPr marL="2514600" indent="-228600" algn="l" defTabSz="914400" rtl="0" eaLnBrk="1" latinLnBrk="0" hangingPunct="1">
-              <a:lnSpc>
-                <a:spcPct val="90000"/>
-              </a:lnSpc>
-              <a:spcBef>
-                <a:spcPts val="500"/>
-              </a:spcBef>
-              <a:buFont typeface="Arial" panose="020B0604020202020204" pitchFamily="34" charset="0"/>
-              <a:buChar char="•"/>
-              <a:defRPr sz="1800" kern="1200">
-                <a:solidFill>
-                  <a:schemeClr val="tx1"/>
-                </a:solidFill>
-                <a:latin typeface="+mn-lt"/>
-                <a:ea typeface="+mn-ea"/>
-                <a:cs typeface="+mn-cs"/>
-              </a:defRPr>
-            </a:lvl6pPr>
-            <a:lvl7pPr marL="2971800" indent="-228600" algn="l" defTabSz="914400" rtl="0" eaLnBrk="1" latinLnBrk="0" hangingPunct="1">
-              <a:lnSpc>
-                <a:spcPct val="90000"/>
-              </a:lnSpc>
-              <a:spcBef>
-                <a:spcPts val="500"/>
-              </a:spcBef>
-              <a:buFont typeface="Arial" panose="020B0604020202020204" pitchFamily="34" charset="0"/>
-              <a:buChar char="•"/>
-              <a:defRPr sz="1800" kern="1200">
-                <a:solidFill>
-                  <a:schemeClr val="tx1"/>
-                </a:solidFill>
-                <a:latin typeface="+mn-lt"/>
-                <a:ea typeface="+mn-ea"/>
-                <a:cs typeface="+mn-cs"/>
-              </a:defRPr>
-            </a:lvl7pPr>
-            <a:lvl8pPr marL="3429000" indent="-228600" algn="l" defTabSz="914400" rtl="0" eaLnBrk="1" latinLnBrk="0" hangingPunct="1">
-              <a:lnSpc>
-                <a:spcPct val="90000"/>
-              </a:lnSpc>
-              <a:spcBef>
-                <a:spcPts val="500"/>
-              </a:spcBef>
-              <a:buFont typeface="Arial" panose="020B0604020202020204" pitchFamily="34" charset="0"/>
-              <a:buChar char="•"/>
-              <a:defRPr sz="1800" kern="1200">
-                <a:solidFill>
-                  <a:schemeClr val="tx1"/>
-                </a:solidFill>
-                <a:latin typeface="+mn-lt"/>
-                <a:ea typeface="+mn-ea"/>
-                <a:cs typeface="+mn-cs"/>
-              </a:defRPr>
-            </a:lvl8pPr>
-            <a:lvl9pPr marL="3886200" indent="-228600" algn="l" defTabSz="914400" rtl="0" eaLnBrk="1" latinLnBrk="0" hangingPunct="1">
-              <a:lnSpc>
-                <a:spcPct val="90000"/>
-              </a:lnSpc>
-              <a:spcBef>
-                <a:spcPts val="500"/>
-              </a:spcBef>
-              <a:buFont typeface="Arial" panose="020B0604020202020204" pitchFamily="34" charset="0"/>
-              <a:buChar char="•"/>
-              <a:defRPr sz="1800" kern="1200">
-                <a:solidFill>
-                  <a:schemeClr val="tx1"/>
-                </a:solidFill>
-                <a:latin typeface="+mn-lt"/>
-                <a:ea typeface="+mn-ea"/>
-                <a:cs typeface="+mn-cs"/>
-              </a:defRPr>
-            </a:lvl9pPr>
-          </a:lstStyle>
-          <a:p>
-            <a:r>
-              <a:rPr lang="pt-BR" b="1" dirty="0" smtClean="0"/>
-              <a:t>Resultado</a:t>
-            </a:r>
-            <a:r>
-              <a:rPr lang="pt-BR" dirty="0" smtClean="0"/>
-              <a:t>: </a:t>
-            </a:r>
-            <a:r>
-              <a:rPr lang="pt-BR" strike="sngStrike" dirty="0" smtClean="0"/>
-              <a:t>municiopio , comando da polícia local </a:t>
-            </a:r>
-            <a:r>
-              <a:rPr lang="pt-BR" dirty="0" smtClean="0"/>
-              <a:t>, </a:t>
-            </a:r>
-            <a:r>
-              <a:rPr lang="pt-BR" strike="sngStrike" dirty="0" smtClean="0">
-                <a:solidFill>
-                  <a:srgbClr val="FF0000"/>
-                </a:solidFill>
-              </a:rPr>
-              <a:t>base de dados</a:t>
-            </a:r>
-            <a:r>
-              <a:rPr lang="pt-BR" dirty="0" smtClean="0"/>
-              <a:t>, </a:t>
-            </a:r>
-            <a:r>
-              <a:rPr lang="pt-BR" dirty="0" smtClean="0">
-                <a:solidFill>
-                  <a:srgbClr val="00B050"/>
-                </a:solidFill>
-              </a:rPr>
-              <a:t>criminosos</a:t>
-            </a:r>
-            <a:r>
-              <a:rPr lang="pt-BR" dirty="0" smtClean="0"/>
-              <a:t>, </a:t>
-            </a:r>
-            <a:r>
-              <a:rPr lang="pt-BR" dirty="0" smtClean="0">
-                <a:solidFill>
-                  <a:srgbClr val="00B050"/>
-                </a:solidFill>
-              </a:rPr>
-              <a:t>vítimas</a:t>
-            </a:r>
-            <a:r>
-              <a:rPr lang="pt-BR" dirty="0" smtClean="0"/>
-              <a:t>, </a:t>
-            </a:r>
-            <a:r>
-              <a:rPr lang="pt-BR" dirty="0" smtClean="0">
-                <a:solidFill>
-                  <a:srgbClr val="00B050"/>
-                </a:solidFill>
-              </a:rPr>
-              <a:t>armas</a:t>
-            </a:r>
-            <a:r>
-              <a:rPr lang="pt-BR" dirty="0" smtClean="0"/>
-              <a:t>, </a:t>
-            </a:r>
-            <a:r>
-              <a:rPr lang="pt-BR" dirty="0" smtClean="0">
-                <a:solidFill>
-                  <a:srgbClr val="00B050"/>
-                </a:solidFill>
-              </a:rPr>
-              <a:t>crime</a:t>
-            </a:r>
-            <a:r>
-              <a:rPr lang="pt-BR" dirty="0" smtClean="0"/>
-              <a:t>, </a:t>
-            </a:r>
-            <a:r>
-              <a:rPr lang="pt-BR" strike="sngStrike" dirty="0" smtClean="0">
-                <a:solidFill>
-                  <a:srgbClr val="FF0000"/>
-                </a:solidFill>
-              </a:rPr>
-              <a:t>julgamento, sistema</a:t>
-            </a:r>
-            <a:r>
-              <a:rPr lang="pt-BR" dirty="0" smtClean="0"/>
-              <a:t>, relatórios, estatísticas e </a:t>
-            </a:r>
-            <a:r>
-              <a:rPr lang="pt-BR" strike="sngStrike" dirty="0" smtClean="0"/>
-              <a:t>comandante da polícia </a:t>
-            </a:r>
-            <a:endParaRPr lang="it-IT" strike="sngStrike" dirty="0" smtClean="0"/>
-          </a:p>
-          <a:p>
-            <a:endParaRPr lang="it-IT" dirty="0"/>
-          </a:p>
-        </p:txBody>
-      </p:sp>
-      <p:sp>
-        <p:nvSpPr>
-          <p:cNvPr id="6" name="Rettangolo 5"/>
-          <p:cNvSpPr/>
-          <p:nvPr/>
-        </p:nvSpPr>
-        <p:spPr>
-          <a:xfrm>
-            <a:off x="1075765" y="5914278"/>
-            <a:ext cx="1645920" cy="733948"/>
-          </a:xfrm>
-          <a:prstGeom prst="rect">
-            <a:avLst/>
-          </a:prstGeom>
-        </p:spPr>
-        <p:style>
-          <a:lnRef idx="2">
-            <a:schemeClr val="accent1">
-              <a:shade val="50000"/>
-            </a:schemeClr>
-          </a:lnRef>
-          <a:fillRef idx="1">
-            <a:schemeClr val="accent1"/>
-          </a:fillRef>
-          <a:effectRef idx="0">
-            <a:schemeClr val="accent1"/>
-          </a:effectRef>
-          <a:fontRef idx="minor">
-            <a:schemeClr val="lt1"/>
-          </a:fontRef>
-        </p:style>
-        <p:txBody>
-          <a:bodyPr rtlCol="0" anchor="ctr"/>
-          <a:lstStyle/>
-          <a:p>
-            <a:pPr algn="ctr"/>
-            <a:r>
-              <a:rPr lang="pt-PT" dirty="0" smtClean="0"/>
-              <a:t>Criminoso</a:t>
-            </a:r>
-            <a:endParaRPr lang="it-IT" dirty="0"/>
-          </a:p>
-        </p:txBody>
-      </p:sp>
-      <p:sp>
-        <p:nvSpPr>
-          <p:cNvPr id="7" name="Rettangolo 6"/>
-          <p:cNvSpPr/>
-          <p:nvPr/>
-        </p:nvSpPr>
-        <p:spPr>
-          <a:xfrm>
-            <a:off x="3560781" y="5914278"/>
-            <a:ext cx="1828800" cy="733948"/>
-          </a:xfrm>
-          <a:prstGeom prst="rect">
-            <a:avLst/>
-          </a:prstGeom>
-        </p:spPr>
-        <p:style>
-          <a:lnRef idx="2">
-            <a:schemeClr val="accent1">
-              <a:shade val="50000"/>
-            </a:schemeClr>
-          </a:lnRef>
-          <a:fillRef idx="1">
-            <a:schemeClr val="accent1"/>
-          </a:fillRef>
-          <a:effectRef idx="0">
-            <a:schemeClr val="accent1"/>
-          </a:effectRef>
-          <a:fontRef idx="minor">
-            <a:schemeClr val="lt1"/>
-          </a:fontRef>
-        </p:style>
-        <p:txBody>
-          <a:bodyPr rtlCol="0" anchor="ctr"/>
-          <a:lstStyle/>
-          <a:p>
-            <a:pPr algn="ctr"/>
-            <a:r>
-              <a:rPr lang="pt-PT" dirty="0" smtClean="0"/>
-              <a:t>Vítima</a:t>
-            </a:r>
-            <a:endParaRPr lang="it-IT" dirty="0"/>
-          </a:p>
-        </p:txBody>
-      </p:sp>
-      <p:sp>
-        <p:nvSpPr>
-          <p:cNvPr id="8" name="Rettangolo 7"/>
-          <p:cNvSpPr/>
-          <p:nvPr/>
-        </p:nvSpPr>
-        <p:spPr>
-          <a:xfrm>
-            <a:off x="5992009" y="5914278"/>
-            <a:ext cx="1904104" cy="733948"/>
-          </a:xfrm>
-          <a:prstGeom prst="rect">
-            <a:avLst/>
-          </a:prstGeom>
-        </p:spPr>
-        <p:style>
-          <a:lnRef idx="2">
-            <a:schemeClr val="accent1">
-              <a:shade val="50000"/>
-            </a:schemeClr>
-          </a:lnRef>
-          <a:fillRef idx="1">
-            <a:schemeClr val="accent1"/>
-          </a:fillRef>
-          <a:effectRef idx="0">
-            <a:schemeClr val="accent1"/>
-          </a:effectRef>
-          <a:fontRef idx="minor">
-            <a:schemeClr val="lt1"/>
-          </a:fontRef>
-        </p:style>
-        <p:txBody>
-          <a:bodyPr rtlCol="0" anchor="ctr"/>
-          <a:lstStyle/>
-          <a:p>
-            <a:pPr algn="ctr"/>
-            <a:r>
-              <a:rPr lang="pt-PT" dirty="0" smtClean="0"/>
-              <a:t>Arma</a:t>
-            </a:r>
-            <a:endParaRPr lang="it-IT" dirty="0"/>
-          </a:p>
-        </p:txBody>
-      </p:sp>
-      <p:sp>
-        <p:nvSpPr>
-          <p:cNvPr id="9" name="Rettangolo 8"/>
-          <p:cNvSpPr/>
-          <p:nvPr/>
-        </p:nvSpPr>
-        <p:spPr>
-          <a:xfrm>
-            <a:off x="8401722" y="5914278"/>
-            <a:ext cx="1893346" cy="733948"/>
-          </a:xfrm>
-          <a:prstGeom prst="rect">
-            <a:avLst/>
-          </a:prstGeom>
-        </p:spPr>
-        <p:style>
-          <a:lnRef idx="2">
-            <a:schemeClr val="accent1">
-              <a:shade val="50000"/>
-            </a:schemeClr>
-          </a:lnRef>
-          <a:fillRef idx="1">
-            <a:schemeClr val="accent1"/>
-          </a:fillRef>
-          <a:effectRef idx="0">
-            <a:schemeClr val="accent1"/>
-          </a:effectRef>
-          <a:fontRef idx="minor">
-            <a:schemeClr val="lt1"/>
-          </a:fontRef>
-        </p:style>
-        <p:txBody>
-          <a:bodyPr rtlCol="0" anchor="ctr"/>
-          <a:lstStyle/>
-          <a:p>
-            <a:pPr algn="ctr"/>
-            <a:r>
-              <a:rPr lang="pt-PT" dirty="0" smtClean="0"/>
-              <a:t>Crime</a:t>
-            </a:r>
-            <a:endParaRPr lang="it-IT" dirty="0"/>
+          <a:p>
+            <a:endParaRPr lang="pt-BR" dirty="0"/>
           </a:p>
         </p:txBody>
       </p:sp>
     </p:spTree>
     <p:extLst>
       <p:ext uri="{BB962C8B-B14F-4D97-AF65-F5344CB8AC3E}">
-        <p14:creationId xmlns:p14="http://schemas.microsoft.com/office/powerpoint/2010/main" val="4242482355"/>
+        <p14:creationId xmlns:p14="http://schemas.microsoft.com/office/powerpoint/2010/main" val="3679468530"/>
       </p:ext>
     </p:extLst>
   </p:cSld>
@@ -5290,7 +5682,12 @@
             <p:ph type="title"/>
           </p:nvPr>
         </p:nvSpPr>
-        <p:spPr/>
+        <p:spPr>
+          <a:xfrm>
+            <a:off x="1096384" y="3420297"/>
+            <a:ext cx="10515600" cy="1325563"/>
+          </a:xfrm>
+        </p:spPr>
         <p:txBody>
           <a:bodyPr>
             <a:noAutofit/>
@@ -5298,34 +5695,22 @@
           <a:lstStyle/>
           <a:p>
             <a:r>
-              <a:rPr lang="pt-BR" sz="2400" b="1" dirty="0"/>
-              <a:t>6º Passo – Para cada par de ENTIDADES, identificar </a:t>
-            </a:r>
-            <a:r>
-              <a:rPr lang="pt-BR" sz="2400" b="1" dirty="0" smtClean="0"/>
-              <a:t>os RELACIONAMENTOS </a:t>
-            </a:r>
-            <a:r>
-              <a:rPr lang="pt-BR" sz="2400" b="1" dirty="0"/>
-              <a:t>existentes entre elas - caso haja algum. </a:t>
-            </a:r>
-            <a:r>
-              <a:rPr lang="pt-BR" sz="2400" b="1" dirty="0" smtClean="0"/>
-              <a:t>Utilizar verbos </a:t>
-            </a:r>
-            <a:r>
-              <a:rPr lang="pt-BR" sz="2400" b="1" dirty="0"/>
-              <a:t>ou preposições para demonstrar os RELACIONAMENTOS </a:t>
-            </a:r>
-            <a:r>
-              <a:rPr lang="pt-BR" sz="2400" b="1" dirty="0" smtClean="0"/>
-              <a:t>de dependência </a:t>
-            </a:r>
-            <a:r>
-              <a:rPr lang="pt-BR" sz="2400" b="1" dirty="0"/>
-              <a:t>ou existência e incluir informações sobre a cardinalidade.</a:t>
-            </a:r>
-            <a:endParaRPr lang="it-IT" sz="2400" dirty="0"/>
+              <a:rPr lang="pt-BR" sz="3200" b="1" dirty="0"/>
+              <a:t>3º Passo - Descartar substantivos que servem apenas para </a:t>
+            </a:r>
+            <a:r>
+              <a:rPr lang="pt-BR" sz="3200" b="1" dirty="0" smtClean="0"/>
+              <a:t>entendimento </a:t>
+            </a:r>
+            <a:r>
+              <a:rPr lang="it-IT" sz="3200" b="1" dirty="0" smtClean="0"/>
+              <a:t>do </a:t>
+            </a:r>
+            <a:r>
+              <a:rPr lang="it-IT" sz="3200" b="1" dirty="0"/>
+              <a:t>problema</a:t>
+            </a:r>
+            <a:endParaRPr lang="it-IT" sz="3200" dirty="0"/>
           </a:p>
         </p:txBody>
       </p:sp>
@@ -5339,216 +5724,341 @@
             <p:ph idx="1"/>
           </p:nvPr>
         </p:nvSpPr>
-        <p:spPr/>
-        <p:txBody>
-          <a:bodyPr>
-            <a:normAutofit fontScale="92500" lnSpcReduction="20000"/>
+        <p:spPr>
+          <a:xfrm>
+            <a:off x="838200" y="1825625"/>
+            <a:ext cx="10515600" cy="1799702"/>
+          </a:xfrm>
+        </p:spPr>
+        <p:txBody>
+          <a:bodyPr/>
+          <a:lstStyle/>
+          <a:p>
+            <a:r>
+              <a:rPr lang="pt-BR" b="1" dirty="0" smtClean="0"/>
+              <a:t>Resultado</a:t>
+            </a:r>
+            <a:r>
+              <a:rPr lang="pt-BR" dirty="0" smtClean="0"/>
+              <a:t>: </a:t>
+            </a:r>
+            <a:r>
+              <a:rPr lang="pt-BR" strike="sngStrike" dirty="0" smtClean="0"/>
+              <a:t>municiopio , comando da polícia local </a:t>
+            </a:r>
+            <a:r>
+              <a:rPr lang="pt-BR" dirty="0" smtClean="0"/>
+              <a:t>, base de dados, criminosos, vítimas, armas, crime, julgamento, sistema, relatórios, estatísticas e </a:t>
+            </a:r>
+            <a:r>
+              <a:rPr lang="pt-BR" strike="sngStrike" dirty="0" smtClean="0"/>
+              <a:t>comandante da polícia </a:t>
+            </a:r>
+            <a:endParaRPr lang="it-IT" strike="sngStrike" dirty="0" smtClean="0"/>
+          </a:p>
+          <a:p>
+            <a:endParaRPr lang="it-IT" dirty="0"/>
+          </a:p>
+        </p:txBody>
+      </p:sp>
+      <p:sp>
+        <p:nvSpPr>
+          <p:cNvPr id="4" name="Titolo 1"/>
+          <p:cNvSpPr txBox="1">
+            <a:spLocks/>
+          </p:cNvSpPr>
+          <p:nvPr/>
+        </p:nvSpPr>
+        <p:spPr>
+          <a:xfrm>
+            <a:off x="990600" y="517525"/>
+            <a:ext cx="10515600" cy="1325563"/>
+          </a:xfrm>
+          <a:prstGeom prst="rect">
+            <a:avLst/>
+          </a:prstGeom>
+        </p:spPr>
+        <p:txBody>
+          <a:bodyPr vert="horz" lIns="91440" tIns="45720" rIns="91440" bIns="45720" rtlCol="0" anchor="ctr">
+            <a:noAutofit/>
           </a:bodyPr>
-          <a:lstStyle/>
-          <a:p>
-            <a:r>
-              <a:rPr lang="it-IT" b="1" dirty="0" err="1"/>
+          <a:lstStyle>
+            <a:lvl1pPr algn="l" defTabSz="914400" rtl="0" eaLnBrk="1" latinLnBrk="0" hangingPunct="1">
+              <a:lnSpc>
+                <a:spcPct val="90000"/>
+              </a:lnSpc>
+              <a:spcBef>
+                <a:spcPct val="0"/>
+              </a:spcBef>
+              <a:buNone/>
+              <a:defRPr sz="4400" kern="1200">
+                <a:solidFill>
+                  <a:schemeClr val="tx1"/>
+                </a:solidFill>
+                <a:latin typeface="+mj-lt"/>
+                <a:ea typeface="+mj-ea"/>
+                <a:cs typeface="+mj-cs"/>
+              </a:defRPr>
+            </a:lvl1pPr>
+          </a:lstStyle>
+          <a:p>
+            <a:r>
+              <a:rPr lang="pt-BR" sz="3200" b="1" smtClean="0"/>
+              <a:t>2º Passo - Descartar substantivos que como ENTIDADE teriam </a:t>
+            </a:r>
+            <a:r>
+              <a:rPr lang="pt-BR" sz="3200" b="1" u="sng" smtClean="0"/>
+              <a:t>apenas uma ocorrência </a:t>
+            </a:r>
+            <a:r>
+              <a:rPr lang="pt-BR" sz="3200" b="1" smtClean="0"/>
+              <a:t>na base de dados</a:t>
+            </a:r>
+            <a:endParaRPr lang="it-IT" sz="3200" dirty="0"/>
+          </a:p>
+        </p:txBody>
+      </p:sp>
+      <p:sp>
+        <p:nvSpPr>
+          <p:cNvPr id="5" name="Segnaposto contenuto 2"/>
+          <p:cNvSpPr txBox="1">
+            <a:spLocks/>
+          </p:cNvSpPr>
+          <p:nvPr/>
+        </p:nvSpPr>
+        <p:spPr>
+          <a:xfrm>
+            <a:off x="838200" y="4850317"/>
+            <a:ext cx="10515600" cy="1799702"/>
+          </a:xfrm>
+          <a:prstGeom prst="rect">
+            <a:avLst/>
+          </a:prstGeom>
+        </p:spPr>
+        <p:txBody>
+          <a:bodyPr vert="horz" lIns="91440" tIns="45720" rIns="91440" bIns="45720" rtlCol="0">
+            <a:normAutofit/>
+          </a:bodyPr>
+          <a:lstStyle>
+            <a:lvl1pPr marL="228600" indent="-228600" algn="l" defTabSz="914400" rtl="0" eaLnBrk="1" latinLnBrk="0" hangingPunct="1">
+              <a:lnSpc>
+                <a:spcPct val="90000"/>
+              </a:lnSpc>
+              <a:spcBef>
+                <a:spcPts val="1000"/>
+              </a:spcBef>
+              <a:buFont typeface="Arial" panose="020B0604020202020204" pitchFamily="34" charset="0"/>
+              <a:buChar char="•"/>
+              <a:defRPr sz="2800" kern="1200">
+                <a:solidFill>
+                  <a:schemeClr val="tx1"/>
+                </a:solidFill>
+                <a:latin typeface="+mn-lt"/>
+                <a:ea typeface="+mn-ea"/>
+                <a:cs typeface="+mn-cs"/>
+              </a:defRPr>
+            </a:lvl1pPr>
+            <a:lvl2pPr marL="685800" indent="-228600" algn="l" defTabSz="914400" rtl="0" eaLnBrk="1" latinLnBrk="0" hangingPunct="1">
+              <a:lnSpc>
+                <a:spcPct val="90000"/>
+              </a:lnSpc>
+              <a:spcBef>
+                <a:spcPts val="500"/>
+              </a:spcBef>
+              <a:buFont typeface="Arial" panose="020B0604020202020204" pitchFamily="34" charset="0"/>
+              <a:buChar char="•"/>
+              <a:defRPr sz="2400" kern="1200">
+                <a:solidFill>
+                  <a:schemeClr val="tx1"/>
+                </a:solidFill>
+                <a:latin typeface="+mn-lt"/>
+                <a:ea typeface="+mn-ea"/>
+                <a:cs typeface="+mn-cs"/>
+              </a:defRPr>
+            </a:lvl2pPr>
+            <a:lvl3pPr marL="1143000" indent="-228600" algn="l" defTabSz="914400" rtl="0" eaLnBrk="1" latinLnBrk="0" hangingPunct="1">
+              <a:lnSpc>
+                <a:spcPct val="90000"/>
+              </a:lnSpc>
+              <a:spcBef>
+                <a:spcPts val="500"/>
+              </a:spcBef>
+              <a:buFont typeface="Arial" panose="020B0604020202020204" pitchFamily="34" charset="0"/>
+              <a:buChar char="•"/>
+              <a:defRPr sz="2000" kern="1200">
+                <a:solidFill>
+                  <a:schemeClr val="tx1"/>
+                </a:solidFill>
+                <a:latin typeface="+mn-lt"/>
+                <a:ea typeface="+mn-ea"/>
+                <a:cs typeface="+mn-cs"/>
+              </a:defRPr>
+            </a:lvl3pPr>
+            <a:lvl4pPr marL="1600200" indent="-228600" algn="l" defTabSz="914400" rtl="0" eaLnBrk="1" latinLnBrk="0" hangingPunct="1">
+              <a:lnSpc>
+                <a:spcPct val="90000"/>
+              </a:lnSpc>
+              <a:spcBef>
+                <a:spcPts val="500"/>
+              </a:spcBef>
+              <a:buFont typeface="Arial" panose="020B0604020202020204" pitchFamily="34" charset="0"/>
+              <a:buChar char="•"/>
+              <a:defRPr sz="1800" kern="1200">
+                <a:solidFill>
+                  <a:schemeClr val="tx1"/>
+                </a:solidFill>
+                <a:latin typeface="+mn-lt"/>
+                <a:ea typeface="+mn-ea"/>
+                <a:cs typeface="+mn-cs"/>
+              </a:defRPr>
+            </a:lvl4pPr>
+            <a:lvl5pPr marL="2057400" indent="-228600" algn="l" defTabSz="914400" rtl="0" eaLnBrk="1" latinLnBrk="0" hangingPunct="1">
+              <a:lnSpc>
+                <a:spcPct val="90000"/>
+              </a:lnSpc>
+              <a:spcBef>
+                <a:spcPts val="500"/>
+              </a:spcBef>
+              <a:buFont typeface="Arial" panose="020B0604020202020204" pitchFamily="34" charset="0"/>
+              <a:buChar char="•"/>
+              <a:defRPr sz="1800" kern="1200">
+                <a:solidFill>
+                  <a:schemeClr val="tx1"/>
+                </a:solidFill>
+                <a:latin typeface="+mn-lt"/>
+                <a:ea typeface="+mn-ea"/>
+                <a:cs typeface="+mn-cs"/>
+              </a:defRPr>
+            </a:lvl5pPr>
+            <a:lvl6pPr marL="2514600" indent="-228600" algn="l" defTabSz="914400" rtl="0" eaLnBrk="1" latinLnBrk="0" hangingPunct="1">
+              <a:lnSpc>
+                <a:spcPct val="90000"/>
+              </a:lnSpc>
+              <a:spcBef>
+                <a:spcPts val="500"/>
+              </a:spcBef>
+              <a:buFont typeface="Arial" panose="020B0604020202020204" pitchFamily="34" charset="0"/>
+              <a:buChar char="•"/>
+              <a:defRPr sz="1800" kern="1200">
+                <a:solidFill>
+                  <a:schemeClr val="tx1"/>
+                </a:solidFill>
+                <a:latin typeface="+mn-lt"/>
+                <a:ea typeface="+mn-ea"/>
+                <a:cs typeface="+mn-cs"/>
+              </a:defRPr>
+            </a:lvl6pPr>
+            <a:lvl7pPr marL="2971800" indent="-228600" algn="l" defTabSz="914400" rtl="0" eaLnBrk="1" latinLnBrk="0" hangingPunct="1">
+              <a:lnSpc>
+                <a:spcPct val="90000"/>
+              </a:lnSpc>
+              <a:spcBef>
+                <a:spcPts val="500"/>
+              </a:spcBef>
+              <a:buFont typeface="Arial" panose="020B0604020202020204" pitchFamily="34" charset="0"/>
+              <a:buChar char="•"/>
+              <a:defRPr sz="1800" kern="1200">
+                <a:solidFill>
+                  <a:schemeClr val="tx1"/>
+                </a:solidFill>
+                <a:latin typeface="+mn-lt"/>
+                <a:ea typeface="+mn-ea"/>
+                <a:cs typeface="+mn-cs"/>
+              </a:defRPr>
+            </a:lvl7pPr>
+            <a:lvl8pPr marL="3429000" indent="-228600" algn="l" defTabSz="914400" rtl="0" eaLnBrk="1" latinLnBrk="0" hangingPunct="1">
+              <a:lnSpc>
+                <a:spcPct val="90000"/>
+              </a:lnSpc>
+              <a:spcBef>
+                <a:spcPts val="500"/>
+              </a:spcBef>
+              <a:buFont typeface="Arial" panose="020B0604020202020204" pitchFamily="34" charset="0"/>
+              <a:buChar char="•"/>
+              <a:defRPr sz="1800" kern="1200">
+                <a:solidFill>
+                  <a:schemeClr val="tx1"/>
+                </a:solidFill>
+                <a:latin typeface="+mn-lt"/>
+                <a:ea typeface="+mn-ea"/>
+                <a:cs typeface="+mn-cs"/>
+              </a:defRPr>
+            </a:lvl8pPr>
+            <a:lvl9pPr marL="3886200" indent="-228600" algn="l" defTabSz="914400" rtl="0" eaLnBrk="1" latinLnBrk="0" hangingPunct="1">
+              <a:lnSpc>
+                <a:spcPct val="90000"/>
+              </a:lnSpc>
+              <a:spcBef>
+                <a:spcPts val="500"/>
+              </a:spcBef>
+              <a:buFont typeface="Arial" panose="020B0604020202020204" pitchFamily="34" charset="0"/>
+              <a:buChar char="•"/>
+              <a:defRPr sz="1800" kern="1200">
+                <a:solidFill>
+                  <a:schemeClr val="tx1"/>
+                </a:solidFill>
+                <a:latin typeface="+mn-lt"/>
+                <a:ea typeface="+mn-ea"/>
+                <a:cs typeface="+mn-cs"/>
+              </a:defRPr>
+            </a:lvl9pPr>
+          </a:lstStyle>
+          <a:p>
+            <a:r>
+              <a:rPr lang="pt-BR" b="1" dirty="0" smtClean="0"/>
               <a:t>Resultado</a:t>
             </a:r>
             <a:r>
-              <a:rPr lang="it-IT" dirty="0" smtClean="0"/>
-              <a:t>:</a:t>
-            </a:r>
-          </a:p>
-          <a:p>
-            <a:pPr marL="0" indent="0">
-              <a:buNone/>
-            </a:pPr>
-            <a:r>
-              <a:rPr lang="it-IT" dirty="0" smtClean="0"/>
-              <a:t>CRIMINOSO </a:t>
-            </a:r>
-            <a:r>
-              <a:rPr lang="it-IT" dirty="0"/>
-              <a:t>x VÍTIMA</a:t>
-            </a:r>
-          </a:p>
-          <a:p>
-            <a:pPr lvl="2"/>
-            <a:r>
-              <a:rPr lang="pt-BR" dirty="0"/>
-              <a:t>o Um criminoso pode atacar </a:t>
-            </a:r>
-            <a:r>
-              <a:rPr lang="pt-BR" dirty="0">
-                <a:solidFill>
-                  <a:srgbClr val="C00000"/>
+              <a:rPr lang="pt-BR" dirty="0" smtClean="0"/>
+              <a:t>: </a:t>
+            </a:r>
+            <a:r>
+              <a:rPr lang="pt-BR" strike="sngStrike" dirty="0" smtClean="0"/>
+              <a:t>municiopio , comando da polícia local </a:t>
+            </a:r>
+            <a:r>
+              <a:rPr lang="pt-BR" dirty="0" smtClean="0"/>
+              <a:t>, </a:t>
+            </a:r>
+            <a:r>
+              <a:rPr lang="pt-BR" strike="sngStrike" dirty="0" smtClean="0">
+                <a:solidFill>
+                  <a:srgbClr val="FF0000"/>
                 </a:solidFill>
               </a:rPr>
-              <a:t>uma ou mais </a:t>
-            </a:r>
-            <a:r>
-              <a:rPr lang="pt-BR" dirty="0"/>
-              <a:t>vítimas;</a:t>
-            </a:r>
-          </a:p>
-          <a:p>
-            <a:pPr lvl="2"/>
-            <a:r>
-              <a:rPr lang="pt-BR" dirty="0"/>
-              <a:t>o Uma vítima pode ser atacada por </a:t>
-            </a:r>
-            <a:r>
-              <a:rPr lang="pt-BR" dirty="0">
-                <a:solidFill>
-                  <a:srgbClr val="C00000"/>
+              <a:t>base de dados</a:t>
+            </a:r>
+            <a:r>
+              <a:rPr lang="pt-BR" dirty="0" smtClean="0"/>
+              <a:t>, criminosos, vítimas, armas, crime, </a:t>
+            </a:r>
+            <a:r>
+              <a:rPr lang="pt-BR" strike="sngStrike" dirty="0" smtClean="0">
+                <a:solidFill>
+                  <a:srgbClr val="FF0000"/>
                 </a:solidFill>
               </a:rPr>
-              <a:t>um ou mais </a:t>
-            </a:r>
-            <a:r>
-              <a:rPr lang="pt-BR" dirty="0"/>
-              <a:t>criminosos</a:t>
+              <a:t>julgamento, sistema</a:t>
             </a:r>
             <a:r>
               <a:rPr lang="pt-BR" dirty="0" smtClean="0"/>
-              <a:t>;</a:t>
-            </a:r>
-            <a:endParaRPr lang="it-IT" dirty="0" smtClean="0"/>
-          </a:p>
-          <a:p>
-            <a:pPr marL="0" indent="0">
-              <a:buNone/>
-            </a:pPr>
-            <a:r>
-              <a:rPr lang="it-IT" dirty="0"/>
-              <a:t>CRIMINOSO x ARMA</a:t>
-            </a:r>
-          </a:p>
-          <a:p>
-            <a:pPr lvl="2"/>
-            <a:r>
-              <a:rPr lang="pt-BR" dirty="0"/>
-              <a:t>o Um criminoso pode utilizar </a:t>
-            </a:r>
-            <a:r>
-              <a:rPr lang="pt-BR" dirty="0">
-                <a:solidFill>
-                  <a:srgbClr val="C00000"/>
-                </a:solidFill>
-              </a:rPr>
-              <a:t>zero ou mais armas</a:t>
-            </a:r>
-            <a:r>
-              <a:rPr lang="pt-BR" dirty="0"/>
-              <a:t>;</a:t>
-            </a:r>
-          </a:p>
-          <a:p>
-            <a:pPr lvl="2"/>
-            <a:r>
-              <a:rPr lang="pt-BR" dirty="0"/>
-              <a:t>o Uma arma é utilizada por </a:t>
-            </a:r>
-            <a:r>
-              <a:rPr lang="pt-BR" dirty="0">
-                <a:solidFill>
-                  <a:srgbClr val="C00000"/>
-                </a:solidFill>
-              </a:rPr>
-              <a:t>um </a:t>
-            </a:r>
-            <a:r>
-              <a:rPr lang="pt-BR" dirty="0"/>
-              <a:t>criminoso</a:t>
-            </a:r>
-            <a:r>
-              <a:rPr lang="pt-BR" dirty="0" smtClean="0"/>
-              <a:t>;</a:t>
-            </a:r>
-          </a:p>
-          <a:p>
-            <a:pPr lvl="2"/>
-            <a:endParaRPr lang="pt-BR" dirty="0"/>
-          </a:p>
-          <a:p>
-            <a:pPr marL="0" indent="0">
-              <a:buNone/>
-            </a:pPr>
-            <a:r>
-              <a:rPr lang="it-IT" dirty="0"/>
-              <a:t>CRIMINOSO x CRIME</a:t>
-            </a:r>
-          </a:p>
-          <a:p>
-            <a:pPr lvl="2"/>
-            <a:r>
-              <a:rPr lang="pt-BR" dirty="0"/>
-              <a:t>o Um criminoso pode ter cometido </a:t>
-            </a:r>
-            <a:r>
-              <a:rPr lang="pt-BR" dirty="0">
-                <a:solidFill>
-                  <a:srgbClr val="C00000"/>
-                </a:solidFill>
-              </a:rPr>
-              <a:t>um ou vários </a:t>
-            </a:r>
-            <a:r>
-              <a:rPr lang="pt-BR" dirty="0"/>
-              <a:t>crimes</a:t>
-            </a:r>
-          </a:p>
-          <a:p>
-            <a:pPr lvl="2"/>
-            <a:r>
-              <a:rPr lang="pt-BR" dirty="0"/>
-              <a:t>o Um crime pode ter sido cometido por </a:t>
-            </a:r>
-            <a:r>
-              <a:rPr lang="pt-BR" dirty="0">
-                <a:solidFill>
-                  <a:srgbClr val="C00000"/>
-                </a:solidFill>
-              </a:rPr>
-              <a:t>um ou </a:t>
-            </a:r>
-            <a:r>
-              <a:rPr lang="pt-BR" dirty="0" smtClean="0">
-                <a:solidFill>
-                  <a:srgbClr val="C00000"/>
-                </a:solidFill>
-              </a:rPr>
-              <a:t>vários </a:t>
-            </a:r>
-            <a:r>
-              <a:rPr lang="it-IT" dirty="0" err="1" smtClean="0"/>
-              <a:t>criminosos</a:t>
-            </a:r>
-            <a:endParaRPr lang="it-IT" dirty="0" smtClean="0"/>
-          </a:p>
-          <a:p>
-            <a:pPr marL="0" indent="0">
-              <a:buNone/>
-            </a:pPr>
-            <a:r>
-              <a:rPr lang="it-IT" dirty="0"/>
-              <a:t>VÍTIMA x ARMA</a:t>
-            </a:r>
-          </a:p>
-          <a:p>
-            <a:pPr lvl="2"/>
-            <a:r>
-              <a:rPr lang="pt-BR" dirty="0"/>
-              <a:t>o </a:t>
-            </a:r>
-            <a:r>
-              <a:rPr lang="pt-BR" i="1" dirty="0"/>
-              <a:t>Não há relacionamentos entre estas entidades</a:t>
-            </a:r>
-            <a:endParaRPr lang="pt-BR" dirty="0" smtClean="0"/>
+              <a:t>, relatórios, estatísticas e </a:t>
+            </a:r>
+            <a:r>
+              <a:rPr lang="pt-BR" strike="sngStrike" dirty="0" smtClean="0"/>
+              <a:t>comandante da polícia </a:t>
+            </a:r>
+            <a:endParaRPr lang="it-IT" strike="sngStrike" dirty="0" smtClean="0"/>
+          </a:p>
+          <a:p>
+            <a:endParaRPr lang="it-IT" dirty="0"/>
           </a:p>
         </p:txBody>
       </p:sp>
     </p:spTree>
     <p:extLst>
       <p:ext uri="{BB962C8B-B14F-4D97-AF65-F5344CB8AC3E}">
-        <p14:creationId xmlns:p14="http://schemas.microsoft.com/office/powerpoint/2010/main" val="2226643132"/>
+        <p14:creationId xmlns:p14="http://schemas.microsoft.com/office/powerpoint/2010/main" val="4193217296"/>
       </p:ext>
     </p:extLst>
   </p:cSld>
@@ -5585,7 +6095,12 @@
             <p:ph type="title"/>
           </p:nvPr>
         </p:nvSpPr>
-        <p:spPr/>
+        <p:spPr>
+          <a:xfrm>
+            <a:off x="914400" y="3301962"/>
+            <a:ext cx="10515600" cy="1325563"/>
+          </a:xfrm>
+        </p:spPr>
         <p:txBody>
           <a:bodyPr>
             <a:noAutofit/>
@@ -5593,34 +6108,10 @@
           <a:lstStyle/>
           <a:p>
             <a:r>
-              <a:rPr lang="pt-BR" sz="2400" b="1" dirty="0"/>
-              <a:t>6º Passo – Para cada par de ENTIDADES, identificar </a:t>
-            </a:r>
-            <a:r>
-              <a:rPr lang="pt-BR" sz="2400" b="1" dirty="0" smtClean="0"/>
-              <a:t>os RELACIONAMENTOS </a:t>
-            </a:r>
-            <a:r>
-              <a:rPr lang="pt-BR" sz="2400" b="1" dirty="0"/>
-              <a:t>existentes entre elas - caso haja algum. </a:t>
-            </a:r>
-            <a:r>
-              <a:rPr lang="pt-BR" sz="2400" b="1" dirty="0" smtClean="0"/>
-              <a:t>Utilizar verbos </a:t>
-            </a:r>
-            <a:r>
-              <a:rPr lang="pt-BR" sz="2400" b="1" dirty="0"/>
-              <a:t>ou preposições para demonstrar os RELACIONAMENTOS </a:t>
-            </a:r>
-            <a:r>
-              <a:rPr lang="pt-BR" sz="2400" b="1" dirty="0" smtClean="0"/>
-              <a:t>de dependência </a:t>
-            </a:r>
-            <a:r>
-              <a:rPr lang="pt-BR" sz="2400" b="1" dirty="0"/>
-              <a:t>ou existência e incluir informações sobre a cardinalidade.</a:t>
-            </a:r>
-            <a:endParaRPr lang="it-IT" sz="2400" dirty="0"/>
+              <a:rPr lang="pt-BR" sz="3200" b="1" dirty="0"/>
+              <a:t>5º Passo - Listar os substantivos que se tornarão ENTIDADES</a:t>
+            </a:r>
+            <a:endParaRPr lang="it-IT" sz="3200" dirty="0"/>
           </a:p>
         </p:txBody>
       </p:sp>
@@ -5634,148 +6125,579 @@
             <p:ph idx="1"/>
           </p:nvPr>
         </p:nvSpPr>
-        <p:spPr/>
-        <p:txBody>
-          <a:bodyPr>
+        <p:spPr>
+          <a:xfrm>
+            <a:off x="838200" y="1825625"/>
+            <a:ext cx="10515600" cy="1799702"/>
+          </a:xfrm>
+        </p:spPr>
+        <p:txBody>
+          <a:bodyPr/>
+          <a:lstStyle/>
+          <a:p>
+            <a:r>
+              <a:rPr lang="pt-BR" b="1" dirty="0" smtClean="0"/>
+              <a:t>Resultado</a:t>
+            </a:r>
+            <a:r>
+              <a:rPr lang="pt-BR" dirty="0" smtClean="0"/>
+              <a:t>: </a:t>
+            </a:r>
+            <a:r>
+              <a:rPr lang="pt-BR" strike="sngStrike" dirty="0" smtClean="0"/>
+              <a:t>municiopio , comando da polícia local </a:t>
+            </a:r>
+            <a:r>
+              <a:rPr lang="pt-BR" dirty="0" smtClean="0"/>
+              <a:t>, base de dados, criminosos, vítimas, armas, crime, julgamento, sistema, </a:t>
+            </a:r>
+            <a:r>
+              <a:rPr lang="pt-BR" strike="sngStrike" dirty="0" smtClean="0">
+                <a:solidFill>
+                  <a:srgbClr val="C00000"/>
+                </a:solidFill>
+              </a:rPr>
+              <a:t>relatórios, estatística</a:t>
+            </a:r>
+            <a:r>
+              <a:rPr lang="pt-BR" dirty="0" smtClean="0"/>
+              <a:t>s e </a:t>
+            </a:r>
+            <a:r>
+              <a:rPr lang="pt-BR" strike="sngStrike" dirty="0" smtClean="0"/>
+              <a:t>comandante da polícia </a:t>
+            </a:r>
+            <a:endParaRPr lang="it-IT" strike="sngStrike" dirty="0" smtClean="0"/>
+          </a:p>
+          <a:p>
+            <a:endParaRPr lang="it-IT" dirty="0"/>
+          </a:p>
+        </p:txBody>
+      </p:sp>
+      <p:sp>
+        <p:nvSpPr>
+          <p:cNvPr id="4" name="Titolo 1"/>
+          <p:cNvSpPr txBox="1">
+            <a:spLocks/>
+          </p:cNvSpPr>
+          <p:nvPr/>
+        </p:nvSpPr>
+        <p:spPr>
+          <a:xfrm>
+            <a:off x="990600" y="517525"/>
+            <a:ext cx="10515600" cy="1325563"/>
+          </a:xfrm>
+          <a:prstGeom prst="rect">
+            <a:avLst/>
+          </a:prstGeom>
+        </p:spPr>
+        <p:txBody>
+          <a:bodyPr vert="horz" lIns="91440" tIns="45720" rIns="91440" bIns="45720" rtlCol="0" anchor="ctr">
+            <a:noAutofit/>
+          </a:bodyPr>
+          <a:lstStyle>
+            <a:lvl1pPr algn="l" defTabSz="914400" rtl="0" eaLnBrk="1" latinLnBrk="0" hangingPunct="1">
+              <a:lnSpc>
+                <a:spcPct val="90000"/>
+              </a:lnSpc>
+              <a:spcBef>
+                <a:spcPct val="0"/>
+              </a:spcBef>
+              <a:buNone/>
+              <a:defRPr sz="4400" kern="1200">
+                <a:solidFill>
+                  <a:schemeClr val="tx1"/>
+                </a:solidFill>
+                <a:latin typeface="+mj-lt"/>
+                <a:ea typeface="+mj-ea"/>
+                <a:cs typeface="+mj-cs"/>
+              </a:defRPr>
+            </a:lvl1pPr>
+          </a:lstStyle>
+          <a:p>
+            <a:r>
+              <a:rPr lang="pt-BR" sz="3200" b="1" dirty="0"/>
+              <a:t>4º Passo - Descartar ENTIDADES que são referência a uma futura</a:t>
+            </a:r>
+          </a:p>
+          <a:p>
+            <a:r>
+              <a:rPr lang="it-IT" sz="3200" b="1" dirty="0" err="1"/>
+              <a:t>funcionalidade</a:t>
+            </a:r>
+            <a:r>
+              <a:rPr lang="it-IT" sz="3200" b="1" dirty="0"/>
+              <a:t> do sistema</a:t>
+            </a:r>
+            <a:endParaRPr lang="it-IT" sz="3200" dirty="0"/>
+          </a:p>
+        </p:txBody>
+      </p:sp>
+      <p:sp>
+        <p:nvSpPr>
+          <p:cNvPr id="5" name="Segnaposto contenuto 2"/>
+          <p:cNvSpPr txBox="1">
+            <a:spLocks/>
+          </p:cNvSpPr>
+          <p:nvPr/>
+        </p:nvSpPr>
+        <p:spPr>
+          <a:xfrm>
+            <a:off x="914400" y="4441526"/>
+            <a:ext cx="10515600" cy="1472752"/>
+          </a:xfrm>
+          <a:prstGeom prst="rect">
+            <a:avLst/>
+          </a:prstGeom>
+        </p:spPr>
+        <p:txBody>
+          <a:bodyPr vert="horz" lIns="91440" tIns="45720" rIns="91440" bIns="45720" rtlCol="0">
             <a:normAutofit/>
           </a:bodyPr>
-          <a:lstStyle/>
-          <a:p>
-            <a:r>
-              <a:rPr lang="it-IT" b="1" dirty="0" err="1"/>
+          <a:lstStyle>
+            <a:lvl1pPr marL="228600" indent="-228600" algn="l" defTabSz="914400" rtl="0" eaLnBrk="1" latinLnBrk="0" hangingPunct="1">
+              <a:lnSpc>
+                <a:spcPct val="90000"/>
+              </a:lnSpc>
+              <a:spcBef>
+                <a:spcPts val="1000"/>
+              </a:spcBef>
+              <a:buFont typeface="Arial" panose="020B0604020202020204" pitchFamily="34" charset="0"/>
+              <a:buChar char="•"/>
+              <a:defRPr sz="2800" kern="1200">
+                <a:solidFill>
+                  <a:schemeClr val="tx1"/>
+                </a:solidFill>
+                <a:latin typeface="+mn-lt"/>
+                <a:ea typeface="+mn-ea"/>
+                <a:cs typeface="+mn-cs"/>
+              </a:defRPr>
+            </a:lvl1pPr>
+            <a:lvl2pPr marL="685800" indent="-228600" algn="l" defTabSz="914400" rtl="0" eaLnBrk="1" latinLnBrk="0" hangingPunct="1">
+              <a:lnSpc>
+                <a:spcPct val="90000"/>
+              </a:lnSpc>
+              <a:spcBef>
+                <a:spcPts val="500"/>
+              </a:spcBef>
+              <a:buFont typeface="Arial" panose="020B0604020202020204" pitchFamily="34" charset="0"/>
+              <a:buChar char="•"/>
+              <a:defRPr sz="2400" kern="1200">
+                <a:solidFill>
+                  <a:schemeClr val="tx1"/>
+                </a:solidFill>
+                <a:latin typeface="+mn-lt"/>
+                <a:ea typeface="+mn-ea"/>
+                <a:cs typeface="+mn-cs"/>
+              </a:defRPr>
+            </a:lvl2pPr>
+            <a:lvl3pPr marL="1143000" indent="-228600" algn="l" defTabSz="914400" rtl="0" eaLnBrk="1" latinLnBrk="0" hangingPunct="1">
+              <a:lnSpc>
+                <a:spcPct val="90000"/>
+              </a:lnSpc>
+              <a:spcBef>
+                <a:spcPts val="500"/>
+              </a:spcBef>
+              <a:buFont typeface="Arial" panose="020B0604020202020204" pitchFamily="34" charset="0"/>
+              <a:buChar char="•"/>
+              <a:defRPr sz="2000" kern="1200">
+                <a:solidFill>
+                  <a:schemeClr val="tx1"/>
+                </a:solidFill>
+                <a:latin typeface="+mn-lt"/>
+                <a:ea typeface="+mn-ea"/>
+                <a:cs typeface="+mn-cs"/>
+              </a:defRPr>
+            </a:lvl3pPr>
+            <a:lvl4pPr marL="1600200" indent="-228600" algn="l" defTabSz="914400" rtl="0" eaLnBrk="1" latinLnBrk="0" hangingPunct="1">
+              <a:lnSpc>
+                <a:spcPct val="90000"/>
+              </a:lnSpc>
+              <a:spcBef>
+                <a:spcPts val="500"/>
+              </a:spcBef>
+              <a:buFont typeface="Arial" panose="020B0604020202020204" pitchFamily="34" charset="0"/>
+              <a:buChar char="•"/>
+              <a:defRPr sz="1800" kern="1200">
+                <a:solidFill>
+                  <a:schemeClr val="tx1"/>
+                </a:solidFill>
+                <a:latin typeface="+mn-lt"/>
+                <a:ea typeface="+mn-ea"/>
+                <a:cs typeface="+mn-cs"/>
+              </a:defRPr>
+            </a:lvl4pPr>
+            <a:lvl5pPr marL="2057400" indent="-228600" algn="l" defTabSz="914400" rtl="0" eaLnBrk="1" latinLnBrk="0" hangingPunct="1">
+              <a:lnSpc>
+                <a:spcPct val="90000"/>
+              </a:lnSpc>
+              <a:spcBef>
+                <a:spcPts val="500"/>
+              </a:spcBef>
+              <a:buFont typeface="Arial" panose="020B0604020202020204" pitchFamily="34" charset="0"/>
+              <a:buChar char="•"/>
+              <a:defRPr sz="1800" kern="1200">
+                <a:solidFill>
+                  <a:schemeClr val="tx1"/>
+                </a:solidFill>
+                <a:latin typeface="+mn-lt"/>
+                <a:ea typeface="+mn-ea"/>
+                <a:cs typeface="+mn-cs"/>
+              </a:defRPr>
+            </a:lvl5pPr>
+            <a:lvl6pPr marL="2514600" indent="-228600" algn="l" defTabSz="914400" rtl="0" eaLnBrk="1" latinLnBrk="0" hangingPunct="1">
+              <a:lnSpc>
+                <a:spcPct val="90000"/>
+              </a:lnSpc>
+              <a:spcBef>
+                <a:spcPts val="500"/>
+              </a:spcBef>
+              <a:buFont typeface="Arial" panose="020B0604020202020204" pitchFamily="34" charset="0"/>
+              <a:buChar char="•"/>
+              <a:defRPr sz="1800" kern="1200">
+                <a:solidFill>
+                  <a:schemeClr val="tx1"/>
+                </a:solidFill>
+                <a:latin typeface="+mn-lt"/>
+                <a:ea typeface="+mn-ea"/>
+                <a:cs typeface="+mn-cs"/>
+              </a:defRPr>
+            </a:lvl6pPr>
+            <a:lvl7pPr marL="2971800" indent="-228600" algn="l" defTabSz="914400" rtl="0" eaLnBrk="1" latinLnBrk="0" hangingPunct="1">
+              <a:lnSpc>
+                <a:spcPct val="90000"/>
+              </a:lnSpc>
+              <a:spcBef>
+                <a:spcPts val="500"/>
+              </a:spcBef>
+              <a:buFont typeface="Arial" panose="020B0604020202020204" pitchFamily="34" charset="0"/>
+              <a:buChar char="•"/>
+              <a:defRPr sz="1800" kern="1200">
+                <a:solidFill>
+                  <a:schemeClr val="tx1"/>
+                </a:solidFill>
+                <a:latin typeface="+mn-lt"/>
+                <a:ea typeface="+mn-ea"/>
+                <a:cs typeface="+mn-cs"/>
+              </a:defRPr>
+            </a:lvl7pPr>
+            <a:lvl8pPr marL="3429000" indent="-228600" algn="l" defTabSz="914400" rtl="0" eaLnBrk="1" latinLnBrk="0" hangingPunct="1">
+              <a:lnSpc>
+                <a:spcPct val="90000"/>
+              </a:lnSpc>
+              <a:spcBef>
+                <a:spcPts val="500"/>
+              </a:spcBef>
+              <a:buFont typeface="Arial" panose="020B0604020202020204" pitchFamily="34" charset="0"/>
+              <a:buChar char="•"/>
+              <a:defRPr sz="1800" kern="1200">
+                <a:solidFill>
+                  <a:schemeClr val="tx1"/>
+                </a:solidFill>
+                <a:latin typeface="+mn-lt"/>
+                <a:ea typeface="+mn-ea"/>
+                <a:cs typeface="+mn-cs"/>
+              </a:defRPr>
+            </a:lvl8pPr>
+            <a:lvl9pPr marL="3886200" indent="-228600" algn="l" defTabSz="914400" rtl="0" eaLnBrk="1" latinLnBrk="0" hangingPunct="1">
+              <a:lnSpc>
+                <a:spcPct val="90000"/>
+              </a:lnSpc>
+              <a:spcBef>
+                <a:spcPts val="500"/>
+              </a:spcBef>
+              <a:buFont typeface="Arial" panose="020B0604020202020204" pitchFamily="34" charset="0"/>
+              <a:buChar char="•"/>
+              <a:defRPr sz="1800" kern="1200">
+                <a:solidFill>
+                  <a:schemeClr val="tx1"/>
+                </a:solidFill>
+                <a:latin typeface="+mn-lt"/>
+                <a:ea typeface="+mn-ea"/>
+                <a:cs typeface="+mn-cs"/>
+              </a:defRPr>
+            </a:lvl9pPr>
+          </a:lstStyle>
+          <a:p>
+            <a:r>
+              <a:rPr lang="pt-BR" b="1" dirty="0" smtClean="0"/>
               <a:t>Resultado</a:t>
             </a:r>
             <a:r>
-              <a:rPr lang="it-IT" dirty="0" smtClean="0"/>
-              <a:t>:</a:t>
-            </a:r>
-          </a:p>
-          <a:p>
-            <a:pPr marL="0" indent="0">
-              <a:buNone/>
-            </a:pPr>
-            <a:r>
-              <a:rPr lang="it-IT" dirty="0" smtClean="0"/>
-              <a:t>CRIMINOSO </a:t>
-            </a:r>
-            <a:r>
-              <a:rPr lang="it-IT" dirty="0"/>
-              <a:t>x VÍTIMA</a:t>
-            </a:r>
-          </a:p>
-          <a:p>
-            <a:pPr lvl="2"/>
-            <a:r>
-              <a:rPr lang="pt-BR" dirty="0"/>
-              <a:t>o Um criminoso pode atacar </a:t>
-            </a:r>
-            <a:r>
-              <a:rPr lang="pt-BR" dirty="0">
-                <a:solidFill>
-                  <a:srgbClr val="C00000"/>
+              <a:rPr lang="pt-BR" dirty="0" smtClean="0"/>
+              <a:t>: </a:t>
+            </a:r>
+            <a:r>
+              <a:rPr lang="pt-BR" strike="sngStrike" dirty="0" smtClean="0"/>
+              <a:t>municiopio , comando da polícia local </a:t>
+            </a:r>
+            <a:r>
+              <a:rPr lang="pt-BR" dirty="0" smtClean="0"/>
+              <a:t>, </a:t>
+            </a:r>
+            <a:r>
+              <a:rPr lang="pt-BR" strike="sngStrike" dirty="0" smtClean="0">
+                <a:solidFill>
+                  <a:srgbClr val="FF0000"/>
                 </a:solidFill>
               </a:rPr>
-              <a:t>uma ou mais </a:t>
-            </a:r>
-            <a:r>
-              <a:rPr lang="pt-BR" dirty="0"/>
-              <a:t>vítimas;</a:t>
-            </a:r>
-          </a:p>
-          <a:p>
-            <a:pPr lvl="2"/>
-            <a:r>
-              <a:rPr lang="pt-BR" dirty="0"/>
-              <a:t>o Uma vítima pode ser atacada por </a:t>
-            </a:r>
-            <a:r>
-              <a:rPr lang="pt-BR" dirty="0">
-                <a:solidFill>
-                  <a:srgbClr val="C00000"/>
+              <a:t>base de dados</a:t>
+            </a:r>
+            <a:r>
+              <a:rPr lang="pt-BR" dirty="0" smtClean="0"/>
+              <a:t>, </a:t>
+            </a:r>
+            <a:r>
+              <a:rPr lang="pt-BR" dirty="0" smtClean="0">
+                <a:solidFill>
+                  <a:srgbClr val="00B050"/>
                 </a:solidFill>
               </a:rPr>
-              <a:t>um ou mais </a:t>
-            </a:r>
-            <a:r>
-              <a:rPr lang="pt-BR" dirty="0"/>
               <a:t>criminosos</a:t>
             </a:r>
             <a:r>
               <a:rPr lang="pt-BR" dirty="0" smtClean="0"/>
-              <a:t>;</a:t>
-            </a:r>
-          </a:p>
-          <a:p>
-            <a:pPr lvl="2"/>
-            <a:endParaRPr lang="it-IT" dirty="0" smtClean="0"/>
-          </a:p>
-          <a:p>
-            <a:pPr marL="0" indent="0">
-              <a:buNone/>
-            </a:pPr>
-            <a:r>
-              <a:rPr lang="it-IT" dirty="0" smtClean="0"/>
-              <a:t>CRIMINOSO </a:t>
-            </a:r>
-            <a:r>
-              <a:rPr lang="it-IT" dirty="0"/>
-              <a:t>x ARMA</a:t>
-            </a:r>
-          </a:p>
-          <a:p>
-            <a:pPr lvl="2"/>
-            <a:r>
-              <a:rPr lang="pt-BR" dirty="0"/>
-              <a:t>o Um criminoso pode utilizar </a:t>
-            </a:r>
-            <a:r>
-              <a:rPr lang="pt-BR" dirty="0">
-                <a:solidFill>
-                  <a:srgbClr val="C00000"/>
+              <a:t>, </a:t>
+            </a:r>
+            <a:r>
+              <a:rPr lang="pt-BR" dirty="0" smtClean="0">
+                <a:solidFill>
+                  <a:srgbClr val="00B050"/>
                 </a:solidFill>
               </a:rPr>
-              <a:t>zero ou mais armas</a:t>
-            </a:r>
-            <a:r>
-              <a:rPr lang="pt-BR" dirty="0"/>
-              <a:t>;</a:t>
-            </a:r>
-          </a:p>
-          <a:p>
-            <a:pPr lvl="2"/>
-            <a:r>
-              <a:rPr lang="pt-BR" dirty="0"/>
-              <a:t>o Uma arma é utilizada por </a:t>
-            </a:r>
-            <a:r>
-              <a:rPr lang="pt-BR" dirty="0">
-                <a:solidFill>
-                  <a:srgbClr val="C00000"/>
+              <a:t>vítimas</a:t>
+            </a:r>
+            <a:r>
+              <a:rPr lang="pt-BR" dirty="0" smtClean="0"/>
+              <a:t>, </a:t>
+            </a:r>
+            <a:r>
+              <a:rPr lang="pt-BR" dirty="0" smtClean="0">
+                <a:solidFill>
+                  <a:srgbClr val="00B050"/>
                 </a:solidFill>
               </a:rPr>
-              <a:t>um </a:t>
-            </a:r>
-            <a:r>
-              <a:rPr lang="pt-BR" dirty="0"/>
-              <a:t>criminoso</a:t>
+              <a:t>armas</a:t>
             </a:r>
             <a:r>
               <a:rPr lang="pt-BR" dirty="0" smtClean="0"/>
-              <a:t>;</a:t>
-            </a:r>
-          </a:p>
-          <a:p>
-            <a:pPr marL="914400" lvl="2" indent="0">
-              <a:buNone/>
-            </a:pPr>
-            <a:endParaRPr lang="pt-BR" dirty="0"/>
+              <a:t>, </a:t>
+            </a:r>
+            <a:r>
+              <a:rPr lang="pt-BR" dirty="0" smtClean="0">
+                <a:solidFill>
+                  <a:srgbClr val="00B050"/>
+                </a:solidFill>
+              </a:rPr>
+              <a:t>crime</a:t>
+            </a:r>
+            <a:r>
+              <a:rPr lang="pt-BR" dirty="0" smtClean="0"/>
+              <a:t>, </a:t>
+            </a:r>
+            <a:r>
+              <a:rPr lang="pt-BR" strike="sngStrike" dirty="0" smtClean="0">
+                <a:solidFill>
+                  <a:srgbClr val="FF0000"/>
+                </a:solidFill>
+              </a:rPr>
+              <a:t>julgamento, sistema</a:t>
+            </a:r>
+            <a:r>
+              <a:rPr lang="pt-BR" dirty="0" smtClean="0"/>
+              <a:t>, relatórios, estatísticas e </a:t>
+            </a:r>
+            <a:r>
+              <a:rPr lang="pt-BR" strike="sngStrike" dirty="0" smtClean="0"/>
+              <a:t>comandante da polícia </a:t>
+            </a:r>
+            <a:endParaRPr lang="it-IT" strike="sngStrike" dirty="0" smtClean="0"/>
+          </a:p>
+          <a:p>
+            <a:endParaRPr lang="it-IT" dirty="0"/>
+          </a:p>
+        </p:txBody>
+      </p:sp>
+      <p:sp>
+        <p:nvSpPr>
+          <p:cNvPr id="6" name="Rettangolo 5"/>
+          <p:cNvSpPr/>
+          <p:nvPr/>
+        </p:nvSpPr>
+        <p:spPr>
+          <a:xfrm>
+            <a:off x="1075765" y="5914278"/>
+            <a:ext cx="1645920" cy="733948"/>
+          </a:xfrm>
+          <a:prstGeom prst="rect">
+            <a:avLst/>
+          </a:prstGeom>
+        </p:spPr>
+        <p:style>
+          <a:lnRef idx="2">
+            <a:schemeClr val="accent1">
+              <a:shade val="50000"/>
+            </a:schemeClr>
+          </a:lnRef>
+          <a:fillRef idx="1">
+            <a:schemeClr val="accent1"/>
+          </a:fillRef>
+          <a:effectRef idx="0">
+            <a:schemeClr val="accent1"/>
+          </a:effectRef>
+          <a:fontRef idx="minor">
+            <a:schemeClr val="lt1"/>
+          </a:fontRef>
+        </p:style>
+        <p:txBody>
+          <a:bodyPr rtlCol="0" anchor="ctr"/>
+          <a:lstStyle/>
+          <a:p>
+            <a:pPr algn="ctr"/>
+            <a:r>
+              <a:rPr lang="pt-PT" dirty="0" smtClean="0"/>
+              <a:t>Criminoso</a:t>
+            </a:r>
+            <a:endParaRPr lang="it-IT" dirty="0"/>
+          </a:p>
+        </p:txBody>
+      </p:sp>
+      <p:sp>
+        <p:nvSpPr>
+          <p:cNvPr id="7" name="Rettangolo 6"/>
+          <p:cNvSpPr/>
+          <p:nvPr/>
+        </p:nvSpPr>
+        <p:spPr>
+          <a:xfrm>
+            <a:off x="3560781" y="5914278"/>
+            <a:ext cx="1828800" cy="733948"/>
+          </a:xfrm>
+          <a:prstGeom prst="rect">
+            <a:avLst/>
+          </a:prstGeom>
+        </p:spPr>
+        <p:style>
+          <a:lnRef idx="2">
+            <a:schemeClr val="accent1">
+              <a:shade val="50000"/>
+            </a:schemeClr>
+          </a:lnRef>
+          <a:fillRef idx="1">
+            <a:schemeClr val="accent1"/>
+          </a:fillRef>
+          <a:effectRef idx="0">
+            <a:schemeClr val="accent1"/>
+          </a:effectRef>
+          <a:fontRef idx="minor">
+            <a:schemeClr val="lt1"/>
+          </a:fontRef>
+        </p:style>
+        <p:txBody>
+          <a:bodyPr rtlCol="0" anchor="ctr"/>
+          <a:lstStyle/>
+          <a:p>
+            <a:pPr algn="ctr"/>
+            <a:r>
+              <a:rPr lang="pt-PT" dirty="0" smtClean="0"/>
+              <a:t>Vítima</a:t>
+            </a:r>
+            <a:endParaRPr lang="it-IT" dirty="0"/>
+          </a:p>
+        </p:txBody>
+      </p:sp>
+      <p:sp>
+        <p:nvSpPr>
+          <p:cNvPr id="8" name="Rettangolo 7"/>
+          <p:cNvSpPr/>
+          <p:nvPr/>
+        </p:nvSpPr>
+        <p:spPr>
+          <a:xfrm>
+            <a:off x="5992009" y="5914278"/>
+            <a:ext cx="1904104" cy="733948"/>
+          </a:xfrm>
+          <a:prstGeom prst="rect">
+            <a:avLst/>
+          </a:prstGeom>
+        </p:spPr>
+        <p:style>
+          <a:lnRef idx="2">
+            <a:schemeClr val="accent1">
+              <a:shade val="50000"/>
+            </a:schemeClr>
+          </a:lnRef>
+          <a:fillRef idx="1">
+            <a:schemeClr val="accent1"/>
+          </a:fillRef>
+          <a:effectRef idx="0">
+            <a:schemeClr val="accent1"/>
+          </a:effectRef>
+          <a:fontRef idx="minor">
+            <a:schemeClr val="lt1"/>
+          </a:fontRef>
+        </p:style>
+        <p:txBody>
+          <a:bodyPr rtlCol="0" anchor="ctr"/>
+          <a:lstStyle/>
+          <a:p>
+            <a:pPr algn="ctr"/>
+            <a:r>
+              <a:rPr lang="pt-PT" dirty="0" smtClean="0"/>
+              <a:t>Arma</a:t>
+            </a:r>
+            <a:endParaRPr lang="it-IT" dirty="0"/>
+          </a:p>
+        </p:txBody>
+      </p:sp>
+      <p:sp>
+        <p:nvSpPr>
+          <p:cNvPr id="9" name="Rettangolo 8"/>
+          <p:cNvSpPr/>
+          <p:nvPr/>
+        </p:nvSpPr>
+        <p:spPr>
+          <a:xfrm>
+            <a:off x="8401722" y="5914278"/>
+            <a:ext cx="1893346" cy="733948"/>
+          </a:xfrm>
+          <a:prstGeom prst="rect">
+            <a:avLst/>
+          </a:prstGeom>
+        </p:spPr>
+        <p:style>
+          <a:lnRef idx="2">
+            <a:schemeClr val="accent1">
+              <a:shade val="50000"/>
+            </a:schemeClr>
+          </a:lnRef>
+          <a:fillRef idx="1">
+            <a:schemeClr val="accent1"/>
+          </a:fillRef>
+          <a:effectRef idx="0">
+            <a:schemeClr val="accent1"/>
+          </a:effectRef>
+          <a:fontRef idx="minor">
+            <a:schemeClr val="lt1"/>
+          </a:fontRef>
+        </p:style>
+        <p:txBody>
+          <a:bodyPr rtlCol="0" anchor="ctr"/>
+          <a:lstStyle/>
+          <a:p>
+            <a:pPr algn="ctr"/>
+            <a:r>
+              <a:rPr lang="pt-PT" dirty="0" smtClean="0"/>
+              <a:t>Crime</a:t>
+            </a:r>
+            <a:endParaRPr lang="it-IT" dirty="0"/>
           </a:p>
         </p:txBody>
       </p:sp>
     </p:spTree>
     <p:extLst>
       <p:ext uri="{BB962C8B-B14F-4D97-AF65-F5344CB8AC3E}">
-        <p14:creationId xmlns:p14="http://schemas.microsoft.com/office/powerpoint/2010/main" val="1764656158"/>
+        <p14:creationId xmlns:p14="http://schemas.microsoft.com/office/powerpoint/2010/main" val="4242482355"/>
       </p:ext>
     </p:extLst>
   </p:cSld>
@@ -5820,34 +6742,34 @@
           <a:lstStyle/>
           <a:p>
             <a:r>
-              <a:rPr lang="pt-BR" sz="3200" b="1" dirty="0"/>
-              <a:t>7º Passo - Identificar os atributos de cada ENTIDADE, ou seja, </a:t>
-            </a:r>
-            <a:r>
-              <a:rPr lang="pt-BR" sz="3200" b="1" dirty="0" smtClean="0"/>
-              <a:t>quais </a:t>
-            </a:r>
-            <a:r>
-              <a:rPr lang="it-IT" sz="3200" b="1" dirty="0" err="1" smtClean="0"/>
-              <a:t>informações</a:t>
-            </a:r>
-            <a:r>
-              <a:rPr lang="it-IT" sz="3200" b="1" dirty="0" smtClean="0"/>
-              <a:t> </a:t>
-            </a:r>
-            <a:r>
-              <a:rPr lang="it-IT" sz="3200" b="1" dirty="0" err="1"/>
-              <a:t>deverão</a:t>
-            </a:r>
-            <a:r>
-              <a:rPr lang="it-IT" sz="3200" b="1" dirty="0"/>
-              <a:t> ser </a:t>
-            </a:r>
-            <a:r>
-              <a:rPr lang="it-IT" sz="3200" b="1" dirty="0" err="1"/>
-              <a:t>armazenadas</a:t>
-            </a:r>
-            <a:endParaRPr lang="it-IT" sz="3200" dirty="0"/>
+              <a:rPr lang="pt-BR" sz="2400" b="1" dirty="0"/>
+              <a:t>6º Passo – Para cada par de ENTIDADES, identificar </a:t>
+            </a:r>
+            <a:r>
+              <a:rPr lang="pt-BR" sz="2400" b="1" dirty="0" smtClean="0"/>
+              <a:t>os RELACIONAMENTOS </a:t>
+            </a:r>
+            <a:r>
+              <a:rPr lang="pt-BR" sz="2400" b="1" dirty="0"/>
+              <a:t>existentes entre elas - caso haja algum. </a:t>
+            </a:r>
+            <a:r>
+              <a:rPr lang="pt-BR" sz="2400" b="1" dirty="0" smtClean="0"/>
+              <a:t>Utilizar verbos </a:t>
+            </a:r>
+            <a:r>
+              <a:rPr lang="pt-BR" sz="2400" b="1" dirty="0"/>
+              <a:t>ou preposições para demonstrar os RELACIONAMENTOS </a:t>
+            </a:r>
+            <a:r>
+              <a:rPr lang="pt-BR" sz="2400" b="1" dirty="0" smtClean="0"/>
+              <a:t>de dependência </a:t>
+            </a:r>
+            <a:r>
+              <a:rPr lang="pt-BR" sz="2400" b="1" dirty="0"/>
+              <a:t>ou existência e incluir informações sobre a cardinalidade.</a:t>
+            </a:r>
+            <a:endParaRPr lang="it-IT" sz="2400" dirty="0"/>
           </a:p>
         </p:txBody>
       </p:sp>
@@ -5861,15 +6783,10 @@
             <p:ph idx="1"/>
           </p:nvPr>
         </p:nvSpPr>
-        <p:spPr>
-          <a:xfrm>
-            <a:off x="838200" y="1825625"/>
-            <a:ext cx="3981226" cy="4351338"/>
-          </a:xfrm>
-        </p:spPr>
+        <p:spPr/>
         <p:txBody>
           <a:bodyPr>
-            <a:normAutofit/>
+            <a:normAutofit fontScale="92500" lnSpcReduction="20000"/>
           </a:bodyPr>
           <a:lstStyle/>
           <a:p>
@@ -5878,431 +6795,204 @@
               <a:t>Resultado</a:t>
             </a:r>
             <a:r>
-              <a:rPr lang="it-IT" dirty="0"/>
-              <a:t>:</a:t>
-            </a:r>
-          </a:p>
-          <a:p>
-            <a:pPr marL="0" indent="0">
-              <a:buNone/>
-            </a:pPr>
-            <a:r>
-              <a:rPr lang="it-IT" b="1" dirty="0" smtClean="0"/>
-              <a:t>Criminoso</a:t>
-            </a:r>
-            <a:r>
-              <a:rPr lang="it-IT" dirty="0"/>
-              <a:t>:</a:t>
-            </a:r>
-          </a:p>
-          <a:p>
-            <a:pPr lvl="1"/>
-            <a:r>
-              <a:rPr lang="it-IT" dirty="0" smtClean="0"/>
-              <a:t>Id </a:t>
-            </a:r>
-            <a:r>
-              <a:rPr lang="it-IT" i="1" dirty="0"/>
-              <a:t>(</a:t>
-            </a:r>
-            <a:r>
-              <a:rPr lang="it-IT" i="1" dirty="0" err="1"/>
-              <a:t>código</a:t>
-            </a:r>
-            <a:r>
-              <a:rPr lang="it-IT" i="1" dirty="0"/>
-              <a:t> </a:t>
-            </a:r>
-            <a:r>
-              <a:rPr lang="it-IT" i="1" dirty="0" err="1"/>
-              <a:t>identificador</a:t>
-            </a:r>
-            <a:r>
-              <a:rPr lang="it-IT" i="1" dirty="0"/>
-              <a:t>)</a:t>
-            </a:r>
-          </a:p>
-          <a:p>
-            <a:pPr lvl="1"/>
-            <a:r>
-              <a:rPr lang="it-IT" dirty="0" smtClean="0"/>
-              <a:t>Nome</a:t>
-            </a:r>
-            <a:endParaRPr lang="it-IT" dirty="0"/>
-          </a:p>
-          <a:p>
-            <a:pPr lvl="1"/>
-            <a:r>
-              <a:rPr lang="it-IT" dirty="0" err="1" smtClean="0"/>
-              <a:t>Endereço</a:t>
-            </a:r>
-            <a:endParaRPr lang="it-IT" dirty="0"/>
-          </a:p>
-          <a:p>
-            <a:pPr marL="0" indent="0">
-              <a:buNone/>
-            </a:pPr>
-            <a:r>
-              <a:rPr lang="it-IT" b="1" dirty="0" err="1" smtClean="0"/>
-              <a:t>Vítima</a:t>
-            </a:r>
-            <a:r>
-              <a:rPr lang="it-IT" dirty="0"/>
-              <a:t>:</a:t>
-            </a:r>
-          </a:p>
-          <a:p>
-            <a:pPr lvl="1"/>
-            <a:r>
-              <a:rPr lang="it-IT" dirty="0" smtClean="0"/>
-              <a:t>Id</a:t>
-            </a:r>
-            <a:endParaRPr lang="it-IT" dirty="0"/>
-          </a:p>
-          <a:p>
-            <a:pPr lvl="1"/>
-            <a:r>
-              <a:rPr lang="it-IT" dirty="0" smtClean="0"/>
-              <a:t>Nome</a:t>
-            </a:r>
-            <a:endParaRPr lang="it-IT" dirty="0"/>
-          </a:p>
-          <a:p>
-            <a:pPr lvl="1"/>
-            <a:r>
-              <a:rPr lang="it-IT" dirty="0" err="1" smtClean="0"/>
-              <a:t>Telefone</a:t>
-            </a:r>
-            <a:r>
-              <a:rPr lang="it-IT" dirty="0" smtClean="0"/>
-              <a:t>(s</a:t>
-            </a:r>
-            <a:r>
-              <a:rPr lang="it-IT" dirty="0"/>
-              <a:t>)</a:t>
-            </a:r>
-          </a:p>
-          <a:p>
-            <a:pPr lvl="1"/>
-            <a:r>
-              <a:rPr lang="it-IT" dirty="0" err="1" smtClean="0"/>
-              <a:t>Endereço</a:t>
-            </a:r>
-            <a:r>
-              <a:rPr lang="it-IT" dirty="0" smtClean="0"/>
-              <a:t> </a:t>
-            </a:r>
-            <a:endParaRPr lang="it-IT" dirty="0"/>
-          </a:p>
-        </p:txBody>
-      </p:sp>
-      <p:sp>
-        <p:nvSpPr>
-          <p:cNvPr id="4" name="Segnaposto contenuto 2"/>
-          <p:cNvSpPr txBox="1">
-            <a:spLocks/>
-          </p:cNvSpPr>
-          <p:nvPr/>
-        </p:nvSpPr>
-        <p:spPr>
-          <a:xfrm>
-            <a:off x="6982609" y="1825625"/>
-            <a:ext cx="3981226" cy="4351338"/>
-          </a:xfrm>
-          <a:prstGeom prst="rect">
-            <a:avLst/>
-          </a:prstGeom>
-        </p:spPr>
-        <p:txBody>
-          <a:bodyPr vert="horz" lIns="91440" tIns="45720" rIns="91440" bIns="45720" rtlCol="0">
-            <a:normAutofit fontScale="85000" lnSpcReduction="20000"/>
-          </a:bodyPr>
-          <a:lstStyle>
-            <a:lvl1pPr marL="228600" indent="-228600" algn="l" defTabSz="914400" rtl="0" eaLnBrk="1" latinLnBrk="0" hangingPunct="1">
-              <a:lnSpc>
-                <a:spcPct val="90000"/>
-              </a:lnSpc>
-              <a:spcBef>
-                <a:spcPts val="1000"/>
-              </a:spcBef>
-              <a:buFont typeface="Arial" panose="020B0604020202020204" pitchFamily="34" charset="0"/>
-              <a:buChar char="•"/>
-              <a:defRPr sz="2800" kern="1200">
-                <a:solidFill>
-                  <a:schemeClr val="tx1"/>
-                </a:solidFill>
-                <a:latin typeface="+mn-lt"/>
-                <a:ea typeface="+mn-ea"/>
-                <a:cs typeface="+mn-cs"/>
-              </a:defRPr>
-            </a:lvl1pPr>
-            <a:lvl2pPr marL="685800" indent="-228600" algn="l" defTabSz="914400" rtl="0" eaLnBrk="1" latinLnBrk="0" hangingPunct="1">
-              <a:lnSpc>
-                <a:spcPct val="90000"/>
-              </a:lnSpc>
-              <a:spcBef>
-                <a:spcPts val="500"/>
-              </a:spcBef>
-              <a:buFont typeface="Arial" panose="020B0604020202020204" pitchFamily="34" charset="0"/>
-              <a:buChar char="•"/>
-              <a:defRPr sz="2400" kern="1200">
-                <a:solidFill>
-                  <a:schemeClr val="tx1"/>
-                </a:solidFill>
-                <a:latin typeface="+mn-lt"/>
-                <a:ea typeface="+mn-ea"/>
-                <a:cs typeface="+mn-cs"/>
-              </a:defRPr>
-            </a:lvl2pPr>
-            <a:lvl3pPr marL="1143000" indent="-228600" algn="l" defTabSz="914400" rtl="0" eaLnBrk="1" latinLnBrk="0" hangingPunct="1">
-              <a:lnSpc>
-                <a:spcPct val="90000"/>
-              </a:lnSpc>
-              <a:spcBef>
-                <a:spcPts val="500"/>
-              </a:spcBef>
-              <a:buFont typeface="Arial" panose="020B0604020202020204" pitchFamily="34" charset="0"/>
-              <a:buChar char="•"/>
-              <a:defRPr sz="2000" kern="1200">
-                <a:solidFill>
-                  <a:schemeClr val="tx1"/>
-                </a:solidFill>
-                <a:latin typeface="+mn-lt"/>
-                <a:ea typeface="+mn-ea"/>
-                <a:cs typeface="+mn-cs"/>
-              </a:defRPr>
-            </a:lvl3pPr>
-            <a:lvl4pPr marL="1600200" indent="-228600" algn="l" defTabSz="914400" rtl="0" eaLnBrk="1" latinLnBrk="0" hangingPunct="1">
-              <a:lnSpc>
-                <a:spcPct val="90000"/>
-              </a:lnSpc>
-              <a:spcBef>
-                <a:spcPts val="500"/>
-              </a:spcBef>
-              <a:buFont typeface="Arial" panose="020B0604020202020204" pitchFamily="34" charset="0"/>
-              <a:buChar char="•"/>
-              <a:defRPr sz="1800" kern="1200">
-                <a:solidFill>
-                  <a:schemeClr val="tx1"/>
-                </a:solidFill>
-                <a:latin typeface="+mn-lt"/>
-                <a:ea typeface="+mn-ea"/>
-                <a:cs typeface="+mn-cs"/>
-              </a:defRPr>
-            </a:lvl4pPr>
-            <a:lvl5pPr marL="2057400" indent="-228600" algn="l" defTabSz="914400" rtl="0" eaLnBrk="1" latinLnBrk="0" hangingPunct="1">
-              <a:lnSpc>
-                <a:spcPct val="90000"/>
-              </a:lnSpc>
-              <a:spcBef>
-                <a:spcPts val="500"/>
-              </a:spcBef>
-              <a:buFont typeface="Arial" panose="020B0604020202020204" pitchFamily="34" charset="0"/>
-              <a:buChar char="•"/>
-              <a:defRPr sz="1800" kern="1200">
-                <a:solidFill>
-                  <a:schemeClr val="tx1"/>
-                </a:solidFill>
-                <a:latin typeface="+mn-lt"/>
-                <a:ea typeface="+mn-ea"/>
-                <a:cs typeface="+mn-cs"/>
-              </a:defRPr>
-            </a:lvl5pPr>
-            <a:lvl6pPr marL="2514600" indent="-228600" algn="l" defTabSz="914400" rtl="0" eaLnBrk="1" latinLnBrk="0" hangingPunct="1">
-              <a:lnSpc>
-                <a:spcPct val="90000"/>
-              </a:lnSpc>
-              <a:spcBef>
-                <a:spcPts val="500"/>
-              </a:spcBef>
-              <a:buFont typeface="Arial" panose="020B0604020202020204" pitchFamily="34" charset="0"/>
-              <a:buChar char="•"/>
-              <a:defRPr sz="1800" kern="1200">
-                <a:solidFill>
-                  <a:schemeClr val="tx1"/>
-                </a:solidFill>
-                <a:latin typeface="+mn-lt"/>
-                <a:ea typeface="+mn-ea"/>
-                <a:cs typeface="+mn-cs"/>
-              </a:defRPr>
-            </a:lvl6pPr>
-            <a:lvl7pPr marL="2971800" indent="-228600" algn="l" defTabSz="914400" rtl="0" eaLnBrk="1" latinLnBrk="0" hangingPunct="1">
-              <a:lnSpc>
-                <a:spcPct val="90000"/>
-              </a:lnSpc>
-              <a:spcBef>
-                <a:spcPts val="500"/>
-              </a:spcBef>
-              <a:buFont typeface="Arial" panose="020B0604020202020204" pitchFamily="34" charset="0"/>
-              <a:buChar char="•"/>
-              <a:defRPr sz="1800" kern="1200">
-                <a:solidFill>
-                  <a:schemeClr val="tx1"/>
-                </a:solidFill>
-                <a:latin typeface="+mn-lt"/>
-                <a:ea typeface="+mn-ea"/>
-                <a:cs typeface="+mn-cs"/>
-              </a:defRPr>
-            </a:lvl7pPr>
-            <a:lvl8pPr marL="3429000" indent="-228600" algn="l" defTabSz="914400" rtl="0" eaLnBrk="1" latinLnBrk="0" hangingPunct="1">
-              <a:lnSpc>
-                <a:spcPct val="90000"/>
-              </a:lnSpc>
-              <a:spcBef>
-                <a:spcPts val="500"/>
-              </a:spcBef>
-              <a:buFont typeface="Arial" panose="020B0604020202020204" pitchFamily="34" charset="0"/>
-              <a:buChar char="•"/>
-              <a:defRPr sz="1800" kern="1200">
-                <a:solidFill>
-                  <a:schemeClr val="tx1"/>
-                </a:solidFill>
-                <a:latin typeface="+mn-lt"/>
-                <a:ea typeface="+mn-ea"/>
-                <a:cs typeface="+mn-cs"/>
-              </a:defRPr>
-            </a:lvl8pPr>
-            <a:lvl9pPr marL="3886200" indent="-228600" algn="l" defTabSz="914400" rtl="0" eaLnBrk="1" latinLnBrk="0" hangingPunct="1">
-              <a:lnSpc>
-                <a:spcPct val="90000"/>
-              </a:lnSpc>
-              <a:spcBef>
-                <a:spcPts val="500"/>
-              </a:spcBef>
-              <a:buFont typeface="Arial" panose="020B0604020202020204" pitchFamily="34" charset="0"/>
-              <a:buChar char="•"/>
-              <a:defRPr sz="1800" kern="1200">
-                <a:solidFill>
-                  <a:schemeClr val="tx1"/>
-                </a:solidFill>
-                <a:latin typeface="+mn-lt"/>
-                <a:ea typeface="+mn-ea"/>
-                <a:cs typeface="+mn-cs"/>
-              </a:defRPr>
-            </a:lvl9pPr>
-          </a:lstStyle>
-          <a:p>
-            <a:pPr marL="0" indent="0">
-              <a:buNone/>
-            </a:pPr>
-            <a:r>
-              <a:rPr lang="it-IT" b="1" dirty="0" smtClean="0"/>
-              <a:t>Crime</a:t>
-            </a:r>
-            <a:r>
               <a:rPr lang="it-IT" dirty="0" smtClean="0"/>
               <a:t>:</a:t>
             </a:r>
           </a:p>
           <a:p>
-            <a:pPr lvl="1"/>
+            <a:pPr marL="0" indent="0">
+              <a:buNone/>
+            </a:pPr>
             <a:r>
               <a:rPr lang="it-IT" dirty="0" smtClean="0"/>
-              <a:t> Id</a:t>
-            </a:r>
-          </a:p>
-          <a:p>
-            <a:pPr lvl="1"/>
+              <a:t>CRIMINOSO </a:t>
+            </a:r>
+            <a:r>
+              <a:rPr lang="it-IT" dirty="0"/>
+              <a:t>x VÍTIMA</a:t>
+            </a:r>
+          </a:p>
+          <a:p>
+            <a:pPr lvl="2"/>
+            <a:r>
+              <a:rPr lang="pt-BR" dirty="0"/>
+              <a:t>o Um criminoso pode atacar </a:t>
+            </a:r>
+            <a:r>
+              <a:rPr lang="pt-BR" dirty="0">
+                <a:solidFill>
+                  <a:srgbClr val="C00000"/>
+                </a:solidFill>
+              </a:rPr>
+              <a:t>uma ou mais </a:t>
+            </a:r>
+            <a:r>
+              <a:rPr lang="pt-BR" dirty="0"/>
+              <a:t>vítimas;</a:t>
+            </a:r>
+          </a:p>
+          <a:p>
+            <a:pPr lvl="2"/>
+            <a:r>
+              <a:rPr lang="pt-BR" dirty="0"/>
+              <a:t>o Uma vítima pode ser atacada por </a:t>
+            </a:r>
+            <a:r>
+              <a:rPr lang="pt-BR" dirty="0">
+                <a:solidFill>
+                  <a:srgbClr val="C00000"/>
+                </a:solidFill>
+              </a:rPr>
+              <a:t>um ou mais </a:t>
+            </a:r>
+            <a:r>
+              <a:rPr lang="pt-BR" dirty="0"/>
+              <a:t>criminosos</a:t>
+            </a:r>
+            <a:r>
+              <a:rPr lang="pt-BR" dirty="0" smtClean="0"/>
+              <a:t>;</a:t>
+            </a:r>
+            <a:endParaRPr lang="it-IT" dirty="0" smtClean="0"/>
+          </a:p>
+          <a:p>
+            <a:pPr marL="0" indent="0">
+              <a:buNone/>
+            </a:pPr>
+            <a:r>
+              <a:rPr lang="it-IT" dirty="0"/>
+              <a:t>CRIMINOSO x ARMA</a:t>
+            </a:r>
+          </a:p>
+          <a:p>
+            <a:pPr lvl="2"/>
+            <a:r>
+              <a:rPr lang="pt-BR" dirty="0"/>
+              <a:t>o Um criminoso pode utilizar </a:t>
+            </a:r>
+            <a:r>
+              <a:rPr lang="pt-BR" dirty="0">
+                <a:solidFill>
+                  <a:srgbClr val="C00000"/>
+                </a:solidFill>
+              </a:rPr>
+              <a:t>zero ou mais armas</a:t>
+            </a:r>
+            <a:r>
+              <a:rPr lang="pt-BR" dirty="0"/>
+              <a:t>;</a:t>
+            </a:r>
+          </a:p>
+          <a:p>
+            <a:pPr lvl="2"/>
+            <a:r>
+              <a:rPr lang="pt-BR" dirty="0"/>
+              <a:t>o Uma arma é utilizada por </a:t>
+            </a:r>
+            <a:r>
+              <a:rPr lang="pt-BR" dirty="0">
+                <a:solidFill>
+                  <a:srgbClr val="C00000"/>
+                </a:solidFill>
+              </a:rPr>
+              <a:t>um </a:t>
+            </a:r>
+            <a:r>
+              <a:rPr lang="pt-BR" dirty="0"/>
+              <a:t>criminoso</a:t>
+            </a:r>
+            <a:r>
+              <a:rPr lang="pt-BR" dirty="0" smtClean="0"/>
+              <a:t>;</a:t>
+            </a:r>
+          </a:p>
+          <a:p>
+            <a:pPr lvl="2"/>
+            <a:endParaRPr lang="pt-BR" dirty="0"/>
+          </a:p>
+          <a:p>
+            <a:pPr marL="0" indent="0">
+              <a:buNone/>
+            </a:pPr>
+            <a:r>
+              <a:rPr lang="it-IT" dirty="0"/>
+              <a:t>CRIMINOSO x CRIME</a:t>
+            </a:r>
+          </a:p>
+          <a:p>
+            <a:pPr lvl="2"/>
+            <a:r>
+              <a:rPr lang="pt-BR" dirty="0"/>
+              <a:t>o Um criminoso pode ter cometido </a:t>
+            </a:r>
+            <a:r>
+              <a:rPr lang="pt-BR" dirty="0">
+                <a:solidFill>
+                  <a:srgbClr val="C00000"/>
+                </a:solidFill>
+              </a:rPr>
+              <a:t>um ou vários </a:t>
+            </a:r>
+            <a:r>
+              <a:rPr lang="pt-BR" dirty="0"/>
+              <a:t>crimes</a:t>
+            </a:r>
+          </a:p>
+          <a:p>
+            <a:pPr lvl="2"/>
+            <a:r>
+              <a:rPr lang="pt-BR" dirty="0"/>
+              <a:t>o Um crime pode ter sido cometido por </a:t>
+            </a:r>
+            <a:r>
+              <a:rPr lang="pt-BR" dirty="0">
+                <a:solidFill>
+                  <a:srgbClr val="C00000"/>
+                </a:solidFill>
+              </a:rPr>
+              <a:t>um ou </a:t>
+            </a:r>
+            <a:r>
+              <a:rPr lang="pt-BR" dirty="0" smtClean="0">
+                <a:solidFill>
+                  <a:srgbClr val="C00000"/>
+                </a:solidFill>
+              </a:rPr>
+              <a:t>vários </a:t>
+            </a:r>
             <a:r>
               <a:rPr lang="it-IT" dirty="0" err="1" smtClean="0"/>
-              <a:t>Descrição</a:t>
+              <a:t>criminosos</a:t>
             </a:r>
             <a:endParaRPr lang="it-IT" dirty="0" smtClean="0"/>
           </a:p>
           <a:p>
-            <a:pPr lvl="1"/>
-            <a:r>
-              <a:rPr lang="it-IT" dirty="0" smtClean="0"/>
-              <a:t>Local</a:t>
-            </a:r>
-          </a:p>
-          <a:p>
-            <a:pPr lvl="3"/>
-            <a:r>
-              <a:rPr lang="pt-PT" dirty="0" smtClean="0"/>
-              <a:t>Via(Estrada)</a:t>
-            </a:r>
-            <a:endParaRPr lang="it-IT" dirty="0" smtClean="0"/>
-          </a:p>
-          <a:p>
-            <a:pPr lvl="3"/>
-            <a:r>
-              <a:rPr lang="it-IT" dirty="0" err="1" smtClean="0"/>
-              <a:t>Bairro</a:t>
-            </a:r>
-            <a:endParaRPr lang="it-IT" dirty="0" smtClean="0"/>
-          </a:p>
-          <a:p>
-            <a:pPr lvl="3"/>
-            <a:r>
-              <a:rPr lang="it-IT" dirty="0" smtClean="0"/>
-              <a:t>Municipio</a:t>
-            </a:r>
-          </a:p>
-          <a:p>
-            <a:pPr marL="1371600" lvl="3" indent="0">
+            <a:pPr marL="0" indent="0">
               <a:buNone/>
             </a:pPr>
-            <a:endParaRPr lang="it-IT" dirty="0" smtClean="0"/>
-          </a:p>
-          <a:p>
-            <a:pPr lvl="1"/>
-            <a:r>
-              <a:rPr lang="it-IT" dirty="0" smtClean="0"/>
-              <a:t>Data</a:t>
-            </a:r>
-          </a:p>
-          <a:p>
-            <a:pPr lvl="1"/>
-            <a:endParaRPr lang="pt-PT" dirty="0"/>
-          </a:p>
-          <a:p>
-            <a:pPr marL="0" indent="0">
-              <a:buNone/>
-            </a:pPr>
-            <a:r>
-              <a:rPr lang="it-IT" b="1" dirty="0"/>
-              <a:t>Arma</a:t>
-            </a:r>
-          </a:p>
-          <a:p>
-            <a:pPr lvl="1"/>
-            <a:r>
-              <a:rPr lang="it-IT" dirty="0" smtClean="0"/>
-              <a:t>Id</a:t>
-            </a:r>
-            <a:endParaRPr lang="it-IT" dirty="0"/>
-          </a:p>
-          <a:p>
-            <a:pPr lvl="1"/>
-            <a:r>
-              <a:rPr lang="it-IT" dirty="0" err="1" smtClean="0"/>
-              <a:t>Calibre</a:t>
-            </a:r>
-            <a:endParaRPr lang="it-IT" dirty="0"/>
-          </a:p>
-          <a:p>
-            <a:pPr lvl="1"/>
-            <a:r>
-              <a:rPr lang="it-IT" dirty="0" err="1" smtClean="0"/>
-              <a:t>Modelo</a:t>
-            </a:r>
-            <a:endParaRPr lang="it-IT" dirty="0"/>
-          </a:p>
-          <a:p>
-            <a:pPr lvl="1"/>
-            <a:r>
-              <a:rPr lang="it-IT" dirty="0" err="1" smtClean="0"/>
-              <a:t>Fabricante</a:t>
-            </a:r>
-            <a:endParaRPr lang="it-IT" dirty="0"/>
+            <a:r>
+              <a:rPr lang="it-IT" dirty="0"/>
+              <a:t>VÍTIMA x ARMA</a:t>
+            </a:r>
+          </a:p>
+          <a:p>
+            <a:pPr lvl="2"/>
+            <a:r>
+              <a:rPr lang="pt-BR" dirty="0"/>
+              <a:t>o </a:t>
+            </a:r>
+            <a:r>
+              <a:rPr lang="pt-BR" i="1" dirty="0"/>
+              <a:t>Não há relacionamentos entre estas entidades</a:t>
+            </a:r>
+            <a:endParaRPr lang="pt-BR" dirty="0" smtClean="0"/>
           </a:p>
         </p:txBody>
       </p:sp>
     </p:spTree>
     <p:extLst>
       <p:ext uri="{BB962C8B-B14F-4D97-AF65-F5344CB8AC3E}">
-        <p14:creationId xmlns:p14="http://schemas.microsoft.com/office/powerpoint/2010/main" val="1134579907"/>
+        <p14:creationId xmlns:p14="http://schemas.microsoft.com/office/powerpoint/2010/main" val="2226643132"/>
       </p:ext>
     </p:extLst>
   </p:cSld>
@@ -6339,12 +7029,7 @@
             <p:ph type="title"/>
           </p:nvPr>
         </p:nvSpPr>
-        <p:spPr>
-          <a:xfrm>
-            <a:off x="838200" y="365126"/>
-            <a:ext cx="10515600" cy="1054884"/>
-          </a:xfrm>
-        </p:spPr>
+        <p:spPr/>
         <p:txBody>
           <a:bodyPr>
             <a:noAutofit/>
@@ -6353,42 +7038,31 @@
           <a:p>
             <a:r>
               <a:rPr lang="pt-BR" sz="2400" b="1" dirty="0"/>
-              <a:t>8º Passo – Criar o </a:t>
-            </a:r>
-            <a:r>
-              <a:rPr lang="pt-BR" sz="2400" b="1" i="1" dirty="0"/>
-              <a:t>Diagrama de Entidade-Relacionamento </a:t>
+              <a:t>6º Passo – Para cada par de ENTIDADES, identificar </a:t>
+            </a:r>
+            <a:r>
+              <a:rPr lang="pt-BR" sz="2400" b="1" dirty="0" smtClean="0"/>
+              <a:t>os RELACIONAMENTOS </a:t>
             </a:r>
             <a:r>
               <a:rPr lang="pt-BR" sz="2400" b="1" dirty="0"/>
-              <a:t>(</a:t>
-            </a:r>
-            <a:r>
-              <a:rPr lang="pt-BR" sz="2400" b="1" i="1" dirty="0"/>
-              <a:t>DER</a:t>
+              <a:t>existentes entre elas - caso haja algum. </a:t>
+            </a:r>
+            <a:r>
+              <a:rPr lang="pt-BR" sz="2400" b="1" dirty="0" smtClean="0"/>
+              <a:t>Utilizar verbos </a:t>
             </a:r>
             <a:r>
               <a:rPr lang="pt-BR" sz="2400" b="1" dirty="0"/>
-              <a:t>) a partir</a:t>
-            </a:r>
-            <a:br>
+              <a:t>ou preposições para demonstrar os RELACIONAMENTOS </a:t>
+            </a:r>
+            <a:r>
+              <a:rPr lang="pt-BR" sz="2400" b="1" dirty="0" smtClean="0"/>
+              <a:t>de dependência </a:t>
+            </a:r>
+            <a:r>
               <a:rPr lang="pt-BR" sz="2400" b="1" dirty="0"/>
-            </a:br>
-            <a:r>
-              <a:rPr lang="it-IT" sz="2400" b="1" dirty="0"/>
-              <a:t>da </a:t>
-            </a:r>
-            <a:r>
-              <a:rPr lang="it-IT" sz="2400" b="1" dirty="0" err="1"/>
-              <a:t>modelagem</a:t>
-            </a:r>
-            <a:r>
-              <a:rPr lang="it-IT" sz="2400" b="1" dirty="0"/>
-              <a:t> </a:t>
-            </a:r>
-            <a:r>
-              <a:rPr lang="it-IT" sz="2400" b="1" dirty="0" err="1"/>
-              <a:t>realizada</a:t>
+              <a:t>ou existência e incluir informações sobre a cardinalidade.</a:t>
             </a:r>
             <a:endParaRPr lang="it-IT" sz="2400" dirty="0"/>
           </a:p>
@@ -6404,12 +7078,7 @@
             <p:ph idx="1"/>
           </p:nvPr>
         </p:nvSpPr>
-        <p:spPr>
-          <a:xfrm>
-            <a:off x="838200" y="1420010"/>
-            <a:ext cx="10515600" cy="4756953"/>
-          </a:xfrm>
-        </p:spPr>
+        <p:spPr/>
         <p:txBody>
           <a:bodyPr>
             <a:normAutofit/>
@@ -6430,15 +7099,19 @@
               <a:buNone/>
             </a:pPr>
             <a:r>
+              <a:rPr lang="it-IT" dirty="0" smtClean="0"/>
+              <a:t>CRIMINOSO </a:t>
+            </a:r>
+            <a:r>
               <a:rPr lang="it-IT" dirty="0"/>
-              <a:t>VÍTIMA x CRIME</a:t>
-            </a:r>
-          </a:p>
-          <a:p>
-            <a:pPr lvl="1"/>
+              <a:t>x VÍTIMA</a:t>
+            </a:r>
+          </a:p>
+          <a:p>
+            <a:pPr lvl="2"/>
             <a:r>
               <a:rPr lang="pt-BR" dirty="0"/>
-              <a:t>o Uma vítima pode ter sofrido </a:t>
+              <a:t>o Um criminoso pode atacar </a:t>
             </a:r>
             <a:r>
               <a:rPr lang="pt-BR" dirty="0">
@@ -6446,18 +7119,18 @@
                   <a:srgbClr val="C00000"/>
                 </a:solidFill>
               </a:rPr>
-              <a:t>um ou vários </a:t>
+              <a:t>uma ou mais </a:t>
             </a:r>
             <a:r>
               <a:rPr lang="pt-BR" dirty="0"/>
-              <a:t>crimes</a:t>
-            </a:r>
-          </a:p>
-          <a:p>
-            <a:pPr lvl="1"/>
+              <a:t>vítimas;</a:t>
+            </a:r>
+          </a:p>
+          <a:p>
+            <a:pPr lvl="2"/>
             <a:r>
               <a:rPr lang="pt-BR" dirty="0"/>
-              <a:t>o Em um crime podem ter sido atacadas </a:t>
+              <a:t>o Uma vítima pode ser atacada por </a:t>
             </a:r>
             <a:r>
               <a:rPr lang="pt-BR" dirty="0">
@@ -6465,140 +7138,88 @@
                   <a:srgbClr val="C00000"/>
                 </a:solidFill>
               </a:rPr>
-              <a:t>uma ou </a:t>
-            </a:r>
-            <a:r>
-              <a:rPr lang="pt-BR" dirty="0" smtClean="0">
-                <a:solidFill>
-                  <a:srgbClr val="C00000"/>
-                </a:solidFill>
-              </a:rPr>
-              <a:t>várias </a:t>
-            </a:r>
-            <a:r>
-              <a:rPr lang="it-IT" dirty="0" err="1" smtClean="0"/>
-              <a:t>vítimas</a:t>
+              <a:t>um ou mais </a:t>
+            </a:r>
+            <a:r>
+              <a:rPr lang="pt-BR" dirty="0"/>
+              <a:t>criminosos</a:t>
             </a:r>
             <a:r>
               <a:rPr lang="pt-BR" dirty="0" smtClean="0"/>
               <a:t>;</a:t>
             </a:r>
+          </a:p>
+          <a:p>
+            <a:pPr lvl="2"/>
             <a:endParaRPr lang="it-IT" dirty="0" smtClean="0"/>
           </a:p>
           <a:p>
+            <a:pPr marL="0" indent="0">
+              <a:buNone/>
+            </a:pPr>
+            <a:r>
+              <a:rPr lang="it-IT" dirty="0" smtClean="0"/>
+              <a:t>CRIMINOSO </a:t>
+            </a:r>
+            <a:r>
+              <a:rPr lang="it-IT" dirty="0"/>
+              <a:t>x ARMA</a:t>
+            </a:r>
+          </a:p>
+          <a:p>
+            <a:pPr lvl="2"/>
+            <a:r>
+              <a:rPr lang="pt-BR" dirty="0"/>
+              <a:t>o Um criminoso pode utilizar </a:t>
+            </a:r>
+            <a:r>
+              <a:rPr lang="pt-BR" dirty="0">
+                <a:solidFill>
+                  <a:srgbClr val="C00000"/>
+                </a:solidFill>
+              </a:rPr>
+              <a:t>zero ou mais armas</a:t>
+            </a:r>
+            <a:r>
+              <a:rPr lang="pt-BR" dirty="0"/>
+              <a:t>;</a:t>
+            </a:r>
+          </a:p>
+          <a:p>
+            <a:pPr lvl="2"/>
+            <a:r>
+              <a:rPr lang="pt-BR" dirty="0"/>
+              <a:t>o Uma arma é utilizada por </a:t>
+            </a:r>
+            <a:r>
+              <a:rPr lang="pt-BR" dirty="0">
+                <a:solidFill>
+                  <a:srgbClr val="C00000"/>
+                </a:solidFill>
+              </a:rPr>
+              <a:t>um </a:t>
+            </a:r>
+            <a:r>
+              <a:rPr lang="pt-BR" dirty="0"/>
+              <a:t>criminoso</a:t>
+            </a:r>
+            <a:r>
+              <a:rPr lang="pt-BR" dirty="0" smtClean="0"/>
+              <a:t>;</a:t>
+            </a:r>
+          </a:p>
+          <a:p>
             <a:pPr marL="914400" lvl="2" indent="0">
               <a:buNone/>
             </a:pPr>
-            <a:endParaRPr lang="pt-BR" dirty="0" smtClean="0"/>
-          </a:p>
-          <a:p>
-            <a:pPr marL="0" indent="0">
-              <a:buNone/>
-            </a:pPr>
-            <a:endParaRPr lang="it-IT" dirty="0" smtClean="0"/>
-          </a:p>
-          <a:p>
-            <a:pPr marL="0" indent="0">
-              <a:buNone/>
-            </a:pPr>
-            <a:r>
-              <a:rPr lang="it-IT" dirty="0" smtClean="0"/>
-              <a:t>ARMA </a:t>
-            </a:r>
-            <a:r>
-              <a:rPr lang="it-IT" dirty="0"/>
-              <a:t>x CRIME</a:t>
-            </a:r>
-          </a:p>
-          <a:p>
-            <a:pPr lvl="1"/>
-            <a:r>
-              <a:rPr lang="pt-BR" dirty="0"/>
-              <a:t>o Uma arma pode ter sido utilizada em um crime</a:t>
-            </a:r>
-          </a:p>
-          <a:p>
-            <a:pPr lvl="1"/>
-            <a:r>
-              <a:rPr lang="pt-BR" dirty="0"/>
-              <a:t>o Em um crime podem ter sido utilizadas </a:t>
-            </a:r>
-            <a:r>
-              <a:rPr lang="pt-BR" dirty="0">
-                <a:solidFill>
-                  <a:srgbClr val="C00000"/>
-                </a:solidFill>
-              </a:rPr>
-              <a:t>zero ou </a:t>
-            </a:r>
-            <a:r>
-              <a:rPr lang="pt-BR" dirty="0" smtClean="0">
-                <a:solidFill>
-                  <a:srgbClr val="C00000"/>
-                </a:solidFill>
-              </a:rPr>
-              <a:t>várias </a:t>
-            </a:r>
-            <a:r>
-              <a:rPr lang="it-IT" dirty="0" err="1" smtClean="0"/>
-              <a:t>armas</a:t>
-            </a:r>
             <a:endParaRPr lang="pt-BR" dirty="0"/>
           </a:p>
         </p:txBody>
       </p:sp>
-      <p:pic>
-        <p:nvPicPr>
-          <p:cNvPr id="4" name="Immagine 3"/>
-          <p:cNvPicPr>
-            <a:picLocks noChangeAspect="1"/>
-          </p:cNvPicPr>
-          <p:nvPr/>
-        </p:nvPicPr>
-        <p:blipFill>
-          <a:blip r:embed="rId2"/>
-          <a:stretch>
-            <a:fillRect/>
-          </a:stretch>
-        </p:blipFill>
-        <p:spPr>
-          <a:xfrm>
-            <a:off x="1383599" y="3288106"/>
-            <a:ext cx="5447507" cy="660304"/>
-          </a:xfrm>
-          <a:prstGeom prst="rect">
-            <a:avLst/>
-          </a:prstGeom>
-        </p:spPr>
-      </p:pic>
-      <p:pic>
-        <p:nvPicPr>
-          <p:cNvPr id="5" name="Immagine 4"/>
-          <p:cNvPicPr>
-            <a:picLocks noChangeAspect="1"/>
-          </p:cNvPicPr>
-          <p:nvPr/>
-        </p:nvPicPr>
-        <p:blipFill>
-          <a:blip r:embed="rId3"/>
-          <a:stretch>
-            <a:fillRect/>
-          </a:stretch>
-        </p:blipFill>
-        <p:spPr>
-          <a:xfrm>
-            <a:off x="1383599" y="5360103"/>
-            <a:ext cx="5619629" cy="705548"/>
-          </a:xfrm>
-          <a:prstGeom prst="rect">
-            <a:avLst/>
-          </a:prstGeom>
-        </p:spPr>
-      </p:pic>
     </p:spTree>
     <p:extLst>
       <p:ext uri="{BB962C8B-B14F-4D97-AF65-F5344CB8AC3E}">
-        <p14:creationId xmlns:p14="http://schemas.microsoft.com/office/powerpoint/2010/main" val="3042099343"/>
+        <p14:creationId xmlns:p14="http://schemas.microsoft.com/office/powerpoint/2010/main" val="1764656158"/>
       </p:ext>
     </p:extLst>
   </p:cSld>
